--- a/기획발표.pptx
+++ b/기획발표.pptx
@@ -7997,36 +7997,6 @@
       </p:sp>
       <p:pic>
         <p:nvPicPr>
-          <p:cNvPr id="18" name="그림 17">
-            <a:extLst>
-              <a:ext uri="{FF2B5EF4-FFF2-40B4-BE49-F238E27FC236}">
-                <a16:creationId xmlns:a16="http://schemas.microsoft.com/office/drawing/2014/main" id="{40F39BA2-6432-4068-8425-0149AF085D9A}"/>
-              </a:ext>
-            </a:extLst>
-          </p:cNvPr>
-          <p:cNvPicPr>
-            <a:picLocks noChangeAspect="1"/>
-          </p:cNvPicPr>
-          <p:nvPr/>
-        </p:nvPicPr>
-        <p:blipFill>
-          <a:blip r:embed="rId2"/>
-          <a:stretch>
-            <a:fillRect/>
-          </a:stretch>
-        </p:blipFill>
-        <p:spPr>
-          <a:xfrm>
-            <a:off x="-33176" y="48424"/>
-            <a:ext cx="1540616" cy="1490994"/>
-          </a:xfrm>
-          <a:prstGeom prst="rect">
-            <a:avLst/>
-          </a:prstGeom>
-        </p:spPr>
-      </p:pic>
-      <p:pic>
-        <p:nvPicPr>
           <p:cNvPr id="50" name="그림 49">
             <a:extLst>
               <a:ext uri="{FF2B5EF4-FFF2-40B4-BE49-F238E27FC236}">
@@ -8040,7 +8010,7 @@
           <p:nvPr/>
         </p:nvPicPr>
         <p:blipFill rotWithShape="1">
-          <a:blip r:embed="rId3">
+          <a:blip r:embed="rId2">
             <a:extLst>
               <a:ext uri="{28A0092B-C50C-407E-A947-70E740481C1C}">
                 <a14:useLocalDpi xmlns:a14="http://schemas.microsoft.com/office/drawing/2010/main" val="0"/>
@@ -8147,6 +8117,36 @@
           </a:fontRef>
         </p:style>
       </p:cxnSp>
+      <p:pic>
+        <p:nvPicPr>
+          <p:cNvPr id="9" name="그림 8">
+            <a:extLst>
+              <a:ext uri="{FF2B5EF4-FFF2-40B4-BE49-F238E27FC236}">
+                <a16:creationId xmlns:a16="http://schemas.microsoft.com/office/drawing/2014/main" id="{98D11E06-8E49-43E9-B5CA-1CEC70E69734}"/>
+              </a:ext>
+            </a:extLst>
+          </p:cNvPr>
+          <p:cNvPicPr>
+            <a:picLocks noChangeAspect="1"/>
+          </p:cNvPicPr>
+          <p:nvPr/>
+        </p:nvPicPr>
+        <p:blipFill>
+          <a:blip r:embed="rId3"/>
+          <a:stretch>
+            <a:fillRect/>
+          </a:stretch>
+        </p:blipFill>
+        <p:spPr>
+          <a:xfrm>
+            <a:off x="101799" y="48424"/>
+            <a:ext cx="1270802" cy="1229870"/>
+          </a:xfrm>
+          <a:prstGeom prst="rect">
+            <a:avLst/>
+          </a:prstGeom>
+        </p:spPr>
+      </p:pic>
     </p:spTree>
     <p:extLst>
       <p:ext uri="{BB962C8B-B14F-4D97-AF65-F5344CB8AC3E}">
@@ -8338,8 +8338,8 @@
         </p:blipFill>
         <p:spPr>
           <a:xfrm>
-            <a:off x="-33176" y="48424"/>
-            <a:ext cx="1540616" cy="1490994"/>
+            <a:off x="101799" y="48424"/>
+            <a:ext cx="1270802" cy="1229870"/>
           </a:xfrm>
           <a:prstGeom prst="rect">
             <a:avLst/>
@@ -8847,36 +8847,6 @@
           </a:p>
         </p:txBody>
       </p:sp>
-      <p:pic>
-        <p:nvPicPr>
-          <p:cNvPr id="18" name="그림 17">
-            <a:extLst>
-              <a:ext uri="{FF2B5EF4-FFF2-40B4-BE49-F238E27FC236}">
-                <a16:creationId xmlns:a16="http://schemas.microsoft.com/office/drawing/2014/main" id="{40F39BA2-6432-4068-8425-0149AF085D9A}"/>
-              </a:ext>
-            </a:extLst>
-          </p:cNvPr>
-          <p:cNvPicPr>
-            <a:picLocks noChangeAspect="1"/>
-          </p:cNvPicPr>
-          <p:nvPr/>
-        </p:nvPicPr>
-        <p:blipFill>
-          <a:blip r:embed="rId2"/>
-          <a:stretch>
-            <a:fillRect/>
-          </a:stretch>
-        </p:blipFill>
-        <p:spPr>
-          <a:xfrm>
-            <a:off x="-33176" y="48424"/>
-            <a:ext cx="1540616" cy="1490994"/>
-          </a:xfrm>
-          <a:prstGeom prst="rect">
-            <a:avLst/>
-          </a:prstGeom>
-        </p:spPr>
-      </p:pic>
       <p:cxnSp>
         <p:nvCxnSpPr>
           <p:cNvPr id="52" name="직선 연결선 51">
@@ -9253,6 +9223,36 @@
           </a:p>
         </p:txBody>
       </p:sp>
+      <p:pic>
+        <p:nvPicPr>
+          <p:cNvPr id="8" name="그림 7">
+            <a:extLst>
+              <a:ext uri="{FF2B5EF4-FFF2-40B4-BE49-F238E27FC236}">
+                <a16:creationId xmlns:a16="http://schemas.microsoft.com/office/drawing/2014/main" id="{CA4EE5D5-F4DE-4BAF-A0D8-5A53FA854BD9}"/>
+              </a:ext>
+            </a:extLst>
+          </p:cNvPr>
+          <p:cNvPicPr>
+            <a:picLocks noChangeAspect="1"/>
+          </p:cNvPicPr>
+          <p:nvPr/>
+        </p:nvPicPr>
+        <p:blipFill>
+          <a:blip r:embed="rId2"/>
+          <a:stretch>
+            <a:fillRect/>
+          </a:stretch>
+        </p:blipFill>
+        <p:spPr>
+          <a:xfrm>
+            <a:off x="101799" y="48424"/>
+            <a:ext cx="1270802" cy="1229870"/>
+          </a:xfrm>
+          <a:prstGeom prst="rect">
+            <a:avLst/>
+          </a:prstGeom>
+        </p:spPr>
+      </p:pic>
     </p:spTree>
     <p:extLst>
       <p:ext uri="{BB962C8B-B14F-4D97-AF65-F5344CB8AC3E}">
@@ -9422,36 +9422,6 @@
           </a:p>
         </p:txBody>
       </p:sp>
-      <p:pic>
-        <p:nvPicPr>
-          <p:cNvPr id="18" name="그림 17">
-            <a:extLst>
-              <a:ext uri="{FF2B5EF4-FFF2-40B4-BE49-F238E27FC236}">
-                <a16:creationId xmlns:a16="http://schemas.microsoft.com/office/drawing/2014/main" id="{40F39BA2-6432-4068-8425-0149AF085D9A}"/>
-              </a:ext>
-            </a:extLst>
-          </p:cNvPr>
-          <p:cNvPicPr>
-            <a:picLocks noChangeAspect="1"/>
-          </p:cNvPicPr>
-          <p:nvPr/>
-        </p:nvPicPr>
-        <p:blipFill>
-          <a:blip r:embed="rId2"/>
-          <a:stretch>
-            <a:fillRect/>
-          </a:stretch>
-        </p:blipFill>
-        <p:spPr>
-          <a:xfrm>
-            <a:off x="-33176" y="48424"/>
-            <a:ext cx="1540616" cy="1490994"/>
-          </a:xfrm>
-          <a:prstGeom prst="rect">
-            <a:avLst/>
-          </a:prstGeom>
-        </p:spPr>
-      </p:pic>
       <p:cxnSp>
         <p:nvCxnSpPr>
           <p:cNvPr id="52" name="직선 연결선 51">
@@ -10107,6 +10077,36 @@
           </a:graphicData>
         </a:graphic>
       </p:graphicFrame>
+      <p:pic>
+        <p:nvPicPr>
+          <p:cNvPr id="8" name="그림 7">
+            <a:extLst>
+              <a:ext uri="{FF2B5EF4-FFF2-40B4-BE49-F238E27FC236}">
+                <a16:creationId xmlns:a16="http://schemas.microsoft.com/office/drawing/2014/main" id="{8D771848-3097-4736-B82A-3668EBAEA14F}"/>
+              </a:ext>
+            </a:extLst>
+          </p:cNvPr>
+          <p:cNvPicPr>
+            <a:picLocks noChangeAspect="1"/>
+          </p:cNvPicPr>
+          <p:nvPr/>
+        </p:nvPicPr>
+        <p:blipFill>
+          <a:blip r:embed="rId2"/>
+          <a:stretch>
+            <a:fillRect/>
+          </a:stretch>
+        </p:blipFill>
+        <p:spPr>
+          <a:xfrm>
+            <a:off x="101799" y="48424"/>
+            <a:ext cx="1270802" cy="1229870"/>
+          </a:xfrm>
+          <a:prstGeom prst="rect">
+            <a:avLst/>
+          </a:prstGeom>
+        </p:spPr>
+      </p:pic>
     </p:spTree>
     <p:extLst>
       <p:ext uri="{BB962C8B-B14F-4D97-AF65-F5344CB8AC3E}">
@@ -10276,36 +10276,6 @@
           </a:p>
         </p:txBody>
       </p:sp>
-      <p:pic>
-        <p:nvPicPr>
-          <p:cNvPr id="18" name="그림 17">
-            <a:extLst>
-              <a:ext uri="{FF2B5EF4-FFF2-40B4-BE49-F238E27FC236}">
-                <a16:creationId xmlns:a16="http://schemas.microsoft.com/office/drawing/2014/main" id="{40F39BA2-6432-4068-8425-0149AF085D9A}"/>
-              </a:ext>
-            </a:extLst>
-          </p:cNvPr>
-          <p:cNvPicPr>
-            <a:picLocks noChangeAspect="1"/>
-          </p:cNvPicPr>
-          <p:nvPr/>
-        </p:nvPicPr>
-        <p:blipFill>
-          <a:blip r:embed="rId3"/>
-          <a:stretch>
-            <a:fillRect/>
-          </a:stretch>
-        </p:blipFill>
-        <p:spPr>
-          <a:xfrm>
-            <a:off x="-33176" y="48424"/>
-            <a:ext cx="1540616" cy="1490994"/>
-          </a:xfrm>
-          <a:prstGeom prst="rect">
-            <a:avLst/>
-          </a:prstGeom>
-        </p:spPr>
-      </p:pic>
       <p:cxnSp>
         <p:nvCxnSpPr>
           <p:cNvPr id="52" name="직선 연결선 51">
@@ -14459,6 +14429,36 @@
           </a:p>
         </p:txBody>
       </p:sp>
+      <p:pic>
+        <p:nvPicPr>
+          <p:cNvPr id="10" name="그림 9">
+            <a:extLst>
+              <a:ext uri="{FF2B5EF4-FFF2-40B4-BE49-F238E27FC236}">
+                <a16:creationId xmlns:a16="http://schemas.microsoft.com/office/drawing/2014/main" id="{96748EE9-6A21-4987-89F5-6D8666E66BAC}"/>
+              </a:ext>
+            </a:extLst>
+          </p:cNvPr>
+          <p:cNvPicPr>
+            <a:picLocks noChangeAspect="1"/>
+          </p:cNvPicPr>
+          <p:nvPr/>
+        </p:nvPicPr>
+        <p:blipFill>
+          <a:blip r:embed="rId3"/>
+          <a:stretch>
+            <a:fillRect/>
+          </a:stretch>
+        </p:blipFill>
+        <p:spPr>
+          <a:xfrm>
+            <a:off x="101799" y="48424"/>
+            <a:ext cx="1270802" cy="1229870"/>
+          </a:xfrm>
+          <a:prstGeom prst="rect">
+            <a:avLst/>
+          </a:prstGeom>
+        </p:spPr>
+      </p:pic>
     </p:spTree>
     <p:extLst>
       <p:ext uri="{BB962C8B-B14F-4D97-AF65-F5344CB8AC3E}">

--- a/기획발표.pptx
+++ b/기획발표.pptx
@@ -7720,7 +7720,7 @@
         </p:nvSpPr>
         <p:spPr>
           <a:xfrm>
-            <a:off x="4043680" y="4061296"/>
+            <a:off x="4051300" y="4061296"/>
             <a:ext cx="193040" cy="193040"/>
           </a:xfrm>
           <a:prstGeom prst="ellipse">
@@ -7772,7 +7772,7 @@
         </p:nvSpPr>
         <p:spPr>
           <a:xfrm>
-            <a:off x="7914634" y="4061296"/>
+            <a:off x="7922254" y="4061296"/>
             <a:ext cx="193040" cy="193040"/>
           </a:xfrm>
           <a:prstGeom prst="ellipse">
@@ -10334,7 +10334,7 @@
           <p:nvPr>
             <p:extLst>
               <p:ext uri="{D42A27DB-BD31-4B8C-83A1-F6EECF244321}">
-                <p14:modId xmlns:p14="http://schemas.microsoft.com/office/powerpoint/2010/main" val="4198756133"/>
+                <p14:modId xmlns:p14="http://schemas.microsoft.com/office/powerpoint/2010/main" val="835057717"/>
               </p:ext>
             </p:extLst>
           </p:nvPr>
@@ -13276,17 +13276,20 @@
                         </a:rPr>
                         <a:t>구현</a:t>
                       </a:r>
-                      <a:endParaRPr lang="en-US" altLang="ko-KR" sz="2400" kern="1200" spc="-90" baseline="-25000" dirty="0">
-                        <a:ln>
-                          <a:solidFill>
-                            <a:srgbClr val="333944">
-                              <a:alpha val="0"/>
-                            </a:srgbClr>
-                          </a:solidFill>
-                        </a:ln>
-                        <a:latin typeface="+mn-ea"/>
-                        <a:ea typeface="+mn-ea"/>
-                      </a:endParaRPr>
+                      <a:r>
+                        <a:rPr lang="en-US" altLang="ko-KR" sz="2400" kern="1200" spc="-90" baseline="-25000" dirty="0">
+                          <a:ln>
+                            <a:solidFill>
+                              <a:srgbClr val="333944">
+                                <a:alpha val="0"/>
+                              </a:srgbClr>
+                            </a:solidFill>
+                          </a:ln>
+                          <a:latin typeface="+mn-ea"/>
+                          <a:ea typeface="+mn-ea"/>
+                        </a:rPr>
+                        <a:t>,</a:t>
+                      </a:r>
                     </a:p>
                     <a:p>
                       <a:pPr marL="0" marR="0" indent="0" algn="l" defTabSz="914400" rtl="0" eaLnBrk="1" fontAlgn="auto" latinLnBrk="1" hangingPunct="1">
@@ -13362,20 +13365,36 @@
                         </a:rPr>
                         <a:t> 기능 구현</a:t>
                       </a:r>
-                      <a:r>
-                        <a:rPr lang="en-US" altLang="ko-KR" sz="2400" kern="1200" spc="-90" baseline="-25000" dirty="0">
-                          <a:ln>
-                            <a:solidFill>
-                              <a:srgbClr val="333944">
-                                <a:alpha val="0"/>
-                              </a:srgbClr>
-                            </a:solidFill>
-                          </a:ln>
-                          <a:latin typeface="+mn-ea"/>
-                          <a:ea typeface="+mn-ea"/>
-                        </a:rPr>
-                        <a:t>, </a:t>
-                      </a:r>
+                      <a:endParaRPr lang="en-US" altLang="ko-KR" sz="2400" kern="1200" spc="-90" baseline="-25000" dirty="0">
+                        <a:ln>
+                          <a:solidFill>
+                            <a:srgbClr val="333944">
+                              <a:alpha val="0"/>
+                            </a:srgbClr>
+                          </a:solidFill>
+                        </a:ln>
+                        <a:latin typeface="+mn-ea"/>
+                        <a:ea typeface="+mn-ea"/>
+                      </a:endParaRPr>
+                    </a:p>
+                    <a:p>
+                      <a:pPr marL="0" marR="0" indent="0" algn="l" defTabSz="914400" rtl="0" eaLnBrk="1" fontAlgn="auto" latinLnBrk="1" hangingPunct="1">
+                        <a:lnSpc>
+                          <a:spcPct val="100000"/>
+                        </a:lnSpc>
+                        <a:spcBef>
+                          <a:spcPts val="0"/>
+                        </a:spcBef>
+                        <a:spcAft>
+                          <a:spcPts val="0"/>
+                        </a:spcAft>
+                        <a:buClrTx/>
+                        <a:buSzTx/>
+                        <a:buFontTx/>
+                        <a:buNone/>
+                        <a:tabLst/>
+                        <a:defRPr/>
+                      </a:pPr>
                       <a:r>
                         <a:rPr lang="ko-KR" altLang="en-US" sz="2400" kern="1200" spc="-90" baseline="-25000" dirty="0" err="1">
                           <a:ln>

--- a/기획발표.pptx
+++ b/기획발표.pptx
@@ -23,29 +23,29 @@
   <p:notesSz cx="6858000" cy="9144000"/>
   <p:embeddedFontLst>
     <p:embeddedFont>
-      <p:font typeface="Built Titling Sb" panose="020B0706030202080204" pitchFamily="34" charset="0"/>
-      <p:bold r:id="rId11"/>
-      <p:boldItalic r:id="rId12"/>
-    </p:embeddedFont>
-    <p:embeddedFont>
       <p:font typeface="KoPub돋움체 Medium" panose="00000600000000000000" pitchFamily="2" charset="-127"/>
-      <p:regular r:id="rId13"/>
+      <p:regular r:id="rId11"/>
     </p:embeddedFont>
     <p:embeddedFont>
       <p:font typeface="Built Titling Rg" panose="020B0206030202080204" pitchFamily="34" charset="0"/>
-      <p:regular r:id="rId14"/>
-      <p:bold r:id="rId15"/>
-      <p:italic r:id="rId16"/>
-      <p:boldItalic r:id="rId17"/>
+      <p:regular r:id="rId12"/>
+      <p:bold r:id="rId13"/>
+      <p:italic r:id="rId14"/>
+      <p:boldItalic r:id="rId15"/>
     </p:embeddedFont>
     <p:embeddedFont>
       <p:font typeface="맑은 고딕" panose="020B0503020000020004" pitchFamily="50" charset="-127"/>
-      <p:regular r:id="rId18"/>
-      <p:bold r:id="rId19"/>
+      <p:regular r:id="rId16"/>
+      <p:bold r:id="rId17"/>
     </p:embeddedFont>
     <p:embeddedFont>
       <p:font typeface="KoPub돋움체 Bold" panose="00000800000000000000" pitchFamily="2" charset="-127"/>
-      <p:bold r:id="rId20"/>
+      <p:bold r:id="rId18"/>
+    </p:embeddedFont>
+    <p:embeddedFont>
+      <p:font typeface="Built Titling Sb" panose="020B0706030202080204" pitchFamily="34" charset="0"/>
+      <p:bold r:id="rId19"/>
+      <p:boldItalic r:id="rId20"/>
     </p:embeddedFont>
   </p:embeddedFontLst>
   <p:defaultTextStyle>
@@ -247,7 +247,7 @@
           <a:p>
             <a:fld id="{C9DAD422-0CE2-7345-9C9C-5AE431B01D98}" type="datetimeFigureOut">
               <a:rPr lang="en-US" altLang="ko-KR" smtClean="0"/>
-              <a:t>5/16/2018</a:t>
+              <a:t>5/17/2018</a:t>
             </a:fld>
             <a:endParaRPr lang="ko-KR" altLang="en-US"/>
           </a:p>
@@ -412,7 +412,7 @@
           <a:p>
             <a:fld id="{9F5593C2-BB06-FE4C-A097-5F24D72EFBBA}" type="datetimeFigureOut">
               <a:rPr lang="en-US" altLang="ko-KR" smtClean="0"/>
-              <a:t>5/16/2018</a:t>
+              <a:t>5/17/2018</a:t>
             </a:fld>
             <a:endParaRPr lang="ko-KR" altLang="en-US"/>
           </a:p>
@@ -5995,7 +5995,7 @@
             <a:fld id="{79F33ED0-BB53-40D6-86C9-526C8F33B5AF}" type="datetimeFigureOut">
               <a:rPr lang="ko-KR" altLang="en-US" smtClean="0"/>
               <a:pPr/>
-              <a:t>2018-05-16</a:t>
+              <a:t>2018-05-17</a:t>
             </a:fld>
             <a:endParaRPr lang="ko-KR" altLang="en-US"/>
           </a:p>
@@ -10334,14 +10334,14 @@
           <p:nvPr>
             <p:extLst>
               <p:ext uri="{D42A27DB-BD31-4B8C-83A1-F6EECF244321}">
-                <p14:modId xmlns:p14="http://schemas.microsoft.com/office/powerpoint/2010/main" val="835057717"/>
+                <p14:modId xmlns:p14="http://schemas.microsoft.com/office/powerpoint/2010/main" val="3301418342"/>
               </p:ext>
             </p:extLst>
           </p:nvPr>
         </p:nvGraphicFramePr>
         <p:xfrm>
-          <a:off x="2390629" y="1172588"/>
-          <a:ext cx="8798371" cy="5564675"/>
+          <a:off x="2390629" y="1237309"/>
+          <a:ext cx="8798371" cy="5311434"/>
         </p:xfrm>
         <a:graphic>
           <a:graphicData uri="http://schemas.openxmlformats.org/drawingml/2006/table">
@@ -11963,7 +11963,7 @@
                   </a:ext>
                 </a:extLst>
               </a:tr>
-              <a:tr h="907886">
+              <a:tr h="1399026">
                 <a:tc>
                   <a:txBody>
                     <a:bodyPr/>
@@ -12100,6 +12100,168 @@
                         </a:rPr>
                         <a:t>다양한 검색 기능 구현</a:t>
                       </a:r>
+                      <a:endParaRPr lang="en-US" altLang="ko-KR" sz="2400" kern="1200" spc="-90" baseline="-25000" dirty="0">
+                        <a:ln>
+                          <a:solidFill>
+                            <a:srgbClr val="333944">
+                              <a:alpha val="0"/>
+                            </a:srgbClr>
+                          </a:solidFill>
+                        </a:ln>
+                        <a:latin typeface="+mn-ea"/>
+                        <a:ea typeface="+mn-ea"/>
+                      </a:endParaRPr>
+                    </a:p>
+                    <a:p>
+                      <a:pPr marL="0" marR="0" lvl="0" indent="0" algn="l" defTabSz="914400" rtl="0" eaLnBrk="1" fontAlgn="auto" latinLnBrk="1" hangingPunct="1">
+                        <a:lnSpc>
+                          <a:spcPct val="100000"/>
+                        </a:lnSpc>
+                        <a:spcBef>
+                          <a:spcPts val="0"/>
+                        </a:spcBef>
+                        <a:spcAft>
+                          <a:spcPts val="0"/>
+                        </a:spcAft>
+                        <a:buClrTx/>
+                        <a:buSzTx/>
+                        <a:buFontTx/>
+                        <a:buNone/>
+                        <a:tabLst/>
+                        <a:defRPr/>
+                      </a:pPr>
+                      <a:r>
+                        <a:rPr lang="ko-KR" altLang="en-US" sz="2400" kern="1200" spc="-90" baseline="-25000" dirty="0">
+                          <a:ln>
+                            <a:solidFill>
+                              <a:srgbClr val="333944">
+                                <a:alpha val="0"/>
+                              </a:srgbClr>
+                            </a:solidFill>
+                          </a:ln>
+                          <a:latin typeface="+mn-ea"/>
+                          <a:ea typeface="+mn-ea"/>
+                        </a:rPr>
+                        <a:t>이메일 전송</a:t>
+                      </a:r>
+                      <a:r>
+                        <a:rPr lang="en-US" altLang="ko-KR" sz="2400" kern="1200" spc="-90" baseline="-25000" dirty="0">
+                          <a:ln>
+                            <a:solidFill>
+                              <a:srgbClr val="333944">
+                                <a:alpha val="0"/>
+                              </a:srgbClr>
+                            </a:solidFill>
+                          </a:ln>
+                          <a:latin typeface="+mn-ea"/>
+                          <a:ea typeface="+mn-ea"/>
+                        </a:rPr>
+                        <a:t>, </a:t>
+                      </a:r>
+                      <a:r>
+                        <a:rPr lang="ko-KR" altLang="en-US" sz="2400" kern="1200" spc="-90" baseline="-25000" dirty="0" err="1">
+                          <a:ln>
+                            <a:solidFill>
+                              <a:srgbClr val="333944">
+                                <a:alpha val="0"/>
+                              </a:srgbClr>
+                            </a:solidFill>
+                          </a:ln>
+                          <a:latin typeface="+mn-ea"/>
+                          <a:ea typeface="+mn-ea"/>
+                        </a:rPr>
+                        <a:t>북마크</a:t>
+                      </a:r>
+                      <a:r>
+                        <a:rPr lang="ko-KR" altLang="en-US" sz="2400" kern="1200" spc="-90" baseline="-25000" dirty="0">
+                          <a:ln>
+                            <a:solidFill>
+                              <a:srgbClr val="333944">
+                                <a:alpha val="0"/>
+                              </a:srgbClr>
+                            </a:solidFill>
+                          </a:ln>
+                          <a:latin typeface="+mn-ea"/>
+                          <a:ea typeface="+mn-ea"/>
+                        </a:rPr>
+                        <a:t> 기능 구현</a:t>
+                      </a:r>
+                      <a:endParaRPr lang="en-US" altLang="ko-KR" sz="2400" kern="1200" spc="-90" baseline="-25000" dirty="0">
+                        <a:ln>
+                          <a:solidFill>
+                            <a:srgbClr val="333944">
+                              <a:alpha val="0"/>
+                            </a:srgbClr>
+                          </a:solidFill>
+                        </a:ln>
+                        <a:latin typeface="+mn-ea"/>
+                        <a:ea typeface="+mn-ea"/>
+                      </a:endParaRPr>
+                    </a:p>
+                    <a:p>
+                      <a:pPr marL="0" marR="0" lvl="0" indent="0" algn="l" defTabSz="914400" rtl="0" eaLnBrk="1" fontAlgn="auto" latinLnBrk="1" hangingPunct="1">
+                        <a:lnSpc>
+                          <a:spcPct val="100000"/>
+                        </a:lnSpc>
+                        <a:spcBef>
+                          <a:spcPts val="0"/>
+                        </a:spcBef>
+                        <a:spcAft>
+                          <a:spcPts val="0"/>
+                        </a:spcAft>
+                        <a:buClrTx/>
+                        <a:buSzTx/>
+                        <a:buFontTx/>
+                        <a:buNone/>
+                        <a:tabLst/>
+                        <a:defRPr/>
+                      </a:pPr>
+                      <a:r>
+                        <a:rPr lang="ko-KR" altLang="en-US" sz="2400" kern="1200" spc="-90" baseline="-25000" dirty="0">
+                          <a:ln>
+                            <a:solidFill>
+                              <a:srgbClr val="333944">
+                                <a:alpha val="0"/>
+                              </a:srgbClr>
+                            </a:solidFill>
+                          </a:ln>
+                          <a:latin typeface="+mn-ea"/>
+                          <a:ea typeface="+mn-ea"/>
+                        </a:rPr>
+                        <a:t>중간 시연 발표 </a:t>
+                      </a:r>
+                      <a:r>
+                        <a:rPr lang="en-US" altLang="ko-KR" sz="2400" kern="1200" spc="-90" baseline="-25000" dirty="0">
+                          <a:ln>
+                            <a:solidFill>
+                              <a:srgbClr val="333944">
+                                <a:alpha val="0"/>
+                              </a:srgbClr>
+                            </a:solidFill>
+                          </a:ln>
+                          <a:latin typeface="+mn-ea"/>
+                          <a:ea typeface="+mn-ea"/>
+                        </a:rPr>
+                        <a:t>5/31</a:t>
+                      </a:r>
+                      <a:endParaRPr lang="ko-KR" altLang="en-US" sz="2400" kern="1200" spc="-90" baseline="-25000" dirty="0">
+                        <a:ln>
+                          <a:solidFill>
+                            <a:srgbClr val="333944">
+                              <a:alpha val="0"/>
+                            </a:srgbClr>
+                          </a:solidFill>
+                        </a:ln>
+                        <a:solidFill>
+                          <a:sysClr val="windowText" lastClr="000000"/>
+                        </a:solidFill>
+                        <a:latin typeface="+mn-ea"/>
+                        <a:ea typeface="+mn-ea"/>
+                        <a:cs typeface="+mn-cs"/>
+                      </a:endParaRPr>
+                    </a:p>
+                    <a:p>
+                      <a:pPr latinLnBrk="1"/>
                       <a:endParaRPr lang="en-US" altLang="ko-KR" sz="2400" kern="1200" spc="-90" baseline="-25000" dirty="0">
                         <a:ln>
                           <a:solidFill>
@@ -12584,53 +12746,97 @@
                         <a:cs typeface="+mn-cs"/>
                       </a:endParaRPr>
                     </a:p>
-                  </a:txBody>
-                  <a:tcPr>
-                    <a:lnL w="12700" cap="flat" cmpd="sng" algn="ctr">
-                      <a:solidFill>
-                        <a:schemeClr val="tx1"/>
-                      </a:solidFill>
-                      <a:prstDash val="solid"/>
-                      <a:round/>
-                      <a:headEnd type="none" w="med" len="med"/>
-                      <a:tailEnd type="none" w="med" len="med"/>
-                    </a:lnL>
-                    <a:lnR w="12700" cap="flat" cmpd="sng" algn="ctr">
-                      <a:solidFill>
-                        <a:schemeClr val="tx1"/>
-                      </a:solidFill>
-                      <a:prstDash val="solid"/>
-                      <a:round/>
-                      <a:headEnd type="none" w="med" len="med"/>
-                      <a:tailEnd type="none" w="med" len="med"/>
-                    </a:lnR>
-                    <a:lnT w="12700" cap="flat" cmpd="sng" algn="ctr">
-                      <a:solidFill>
-                        <a:schemeClr val="tx1"/>
-                      </a:solidFill>
-                      <a:prstDash val="solid"/>
-                      <a:round/>
-                      <a:headEnd type="none" w="med" len="med"/>
-                      <a:tailEnd type="none" w="med" len="med"/>
-                    </a:lnT>
-                    <a:lnB w="12700" cap="flat" cmpd="sng" algn="ctr">
-                      <a:solidFill>
-                        <a:schemeClr val="tx1"/>
-                      </a:solidFill>
-                      <a:prstDash val="solid"/>
-                      <a:round/>
-                      <a:headEnd type="none" w="med" len="med"/>
-                      <a:tailEnd type="none" w="med" len="med"/>
-                    </a:lnB>
-                  </a:tcPr>
-                </a:tc>
-                <a:tc>
-                  <a:txBody>
-                    <a:bodyPr/>
-                    <a:lstStyle/>
                     <a:p>
-                      <a:pPr latinLnBrk="1"/>
-                      <a:endParaRPr lang="ko-KR" altLang="en-US" sz="2400" kern="1200" spc="-90" baseline="-25000" dirty="0">
+                      <a:pPr marL="0" marR="0" lvl="0" indent="0" algn="l" defTabSz="914400" rtl="0" eaLnBrk="1" fontAlgn="auto" latinLnBrk="1" hangingPunct="1">
+                        <a:lnSpc>
+                          <a:spcPct val="100000"/>
+                        </a:lnSpc>
+                        <a:spcBef>
+                          <a:spcPts val="0"/>
+                        </a:spcBef>
+                        <a:spcAft>
+                          <a:spcPts val="0"/>
+                        </a:spcAft>
+                        <a:buClrTx/>
+                        <a:buSzTx/>
+                        <a:buFontTx/>
+                        <a:buNone/>
+                        <a:tabLst/>
+                        <a:defRPr/>
+                      </a:pPr>
+                      <a:r>
+                        <a:rPr lang="ko-KR" altLang="en-US" sz="2400" kern="1200" spc="-90" baseline="-25000" dirty="0">
+                          <a:ln>
+                            <a:solidFill>
+                              <a:srgbClr val="333944">
+                                <a:alpha val="0"/>
+                              </a:srgbClr>
+                            </a:solidFill>
+                          </a:ln>
+                          <a:solidFill>
+                            <a:sysClr val="windowText" lastClr="000000"/>
+                          </a:solidFill>
+                          <a:latin typeface="+mn-ea"/>
+                          <a:ea typeface="+mn-ea"/>
+                          <a:cs typeface="+mn-cs"/>
+                        </a:rPr>
+                        <a:t>이메일</a:t>
+                      </a:r>
+                      <a:r>
+                        <a:rPr lang="en-US" altLang="ko-KR" sz="2400" kern="1200" spc="-90" baseline="-25000" dirty="0">
+                          <a:ln>
+                            <a:solidFill>
+                              <a:srgbClr val="333944">
+                                <a:alpha val="0"/>
+                              </a:srgbClr>
+                            </a:solidFill>
+                          </a:ln>
+                          <a:solidFill>
+                            <a:sysClr val="windowText" lastClr="000000"/>
+                          </a:solidFill>
+                          <a:latin typeface="+mn-ea"/>
+                          <a:ea typeface="+mn-ea"/>
+                          <a:cs typeface="+mn-cs"/>
+                        </a:rPr>
+                        <a:t>, </a:t>
+                      </a:r>
+                      <a:r>
+                        <a:rPr lang="ko-KR" altLang="en-US" sz="2400" kern="1200" spc="-90" baseline="-25000" dirty="0" err="1">
+                          <a:ln>
+                            <a:solidFill>
+                              <a:srgbClr val="333944">
+                                <a:alpha val="0"/>
+                              </a:srgbClr>
+                            </a:solidFill>
+                          </a:ln>
+                          <a:solidFill>
+                            <a:sysClr val="windowText" lastClr="000000"/>
+                          </a:solidFill>
+                          <a:latin typeface="+mn-ea"/>
+                          <a:ea typeface="+mn-ea"/>
+                          <a:cs typeface="+mn-cs"/>
+                        </a:rPr>
+                        <a:t>북마크</a:t>
+                      </a:r>
+                      <a:r>
+                        <a:rPr lang="ko-KR" altLang="en-US" sz="2400" kern="1200" spc="-90" baseline="-25000" dirty="0">
+                          <a:ln>
+                            <a:solidFill>
+                              <a:srgbClr val="333944">
+                                <a:alpha val="0"/>
+                              </a:srgbClr>
+                            </a:solidFill>
+                          </a:ln>
+                          <a:solidFill>
+                            <a:sysClr val="windowText" lastClr="000000"/>
+                          </a:solidFill>
+                          <a:latin typeface="+mn-ea"/>
+                          <a:ea typeface="+mn-ea"/>
+                          <a:cs typeface="+mn-cs"/>
+                        </a:rPr>
+                        <a:t> 등 추가 기능 구현</a:t>
+                      </a:r>
+                      <a:endParaRPr lang="en-US" altLang="ko-KR" sz="2400" kern="1200" spc="-90" baseline="-25000" dirty="0">
                         <a:ln>
                           <a:solidFill>
                             <a:srgbClr val="333944">
@@ -12646,263 +12852,24 @@
                         <a:cs typeface="+mn-cs"/>
                       </a:endParaRPr>
                     </a:p>
-                  </a:txBody>
-                  <a:tcPr>
-                    <a:lnL w="12700" cap="flat" cmpd="sng" algn="ctr">
-                      <a:solidFill>
-                        <a:schemeClr val="tx1"/>
-                      </a:solidFill>
-                      <a:prstDash val="solid"/>
-                      <a:round/>
-                      <a:headEnd type="none" w="med" len="med"/>
-                      <a:tailEnd type="none" w="med" len="med"/>
-                    </a:lnL>
-                    <a:lnR w="12700" cap="flat" cmpd="sng" algn="ctr">
-                      <a:noFill/>
-                      <a:prstDash val="solid"/>
-                      <a:round/>
-                      <a:headEnd type="none" w="med" len="med"/>
-                      <a:tailEnd type="none" w="med" len="med"/>
-                    </a:lnR>
-                    <a:lnT w="12700" cap="flat" cmpd="sng" algn="ctr">
-                      <a:solidFill>
-                        <a:schemeClr val="tx1"/>
-                      </a:solidFill>
-                      <a:prstDash val="solid"/>
-                      <a:round/>
-                      <a:headEnd type="none" w="med" len="med"/>
-                      <a:tailEnd type="none" w="med" len="med"/>
-                    </a:lnT>
-                    <a:lnB w="12700" cap="flat" cmpd="sng" algn="ctr">
-                      <a:solidFill>
-                        <a:schemeClr val="tx1"/>
-                      </a:solidFill>
-                      <a:prstDash val="solid"/>
-                      <a:round/>
-                      <a:headEnd type="none" w="med" len="med"/>
-                      <a:tailEnd type="none" w="med" len="med"/>
-                    </a:lnB>
-                  </a:tcPr>
-                </a:tc>
-                <a:extLst>
-                  <a:ext uri="{0D108BD9-81ED-4DB2-BD59-A6C34878D82A}">
-                    <a16:rowId xmlns:a16="http://schemas.microsoft.com/office/drawing/2014/main" val="3079507104"/>
-                  </a:ext>
-                </a:extLst>
-              </a:tr>
-              <a:tr h="659875">
-                <a:tc>
-                  <a:txBody>
-                    <a:bodyPr/>
-                    <a:lstStyle/>
                     <a:p>
-                      <a:pPr latinLnBrk="1"/>
-                      <a:r>
-                        <a:rPr lang="en-US" altLang="ko-KR" sz="2400" kern="1200" spc="-90" baseline="-25000" dirty="0">
-                          <a:ln>
-                            <a:solidFill>
-                              <a:srgbClr val="333944">
-                                <a:alpha val="0"/>
-                              </a:srgbClr>
-                            </a:solidFill>
-                          </a:ln>
-                          <a:latin typeface="+mn-ea"/>
-                          <a:ea typeface="+mn-ea"/>
-                        </a:rPr>
-                        <a:t>5</a:t>
-                      </a:r>
-                      <a:r>
-                        <a:rPr lang="ko-KR" altLang="en-US" sz="2400" kern="1200" spc="-90" baseline="-25000" dirty="0">
-                          <a:ln>
-                            <a:solidFill>
-                              <a:srgbClr val="333944">
-                                <a:alpha val="0"/>
-                              </a:srgbClr>
-                            </a:solidFill>
-                          </a:ln>
-                          <a:latin typeface="+mn-ea"/>
-                          <a:ea typeface="+mn-ea"/>
-                        </a:rPr>
-                        <a:t>주</a:t>
-                      </a:r>
-                      <a:endParaRPr lang="en-US" altLang="ko-KR" sz="2400" kern="1200" spc="-90" baseline="-25000" dirty="0">
-                        <a:ln>
-                          <a:solidFill>
-                            <a:srgbClr val="333944">
-                              <a:alpha val="0"/>
-                            </a:srgbClr>
-                          </a:solidFill>
-                        </a:ln>
-                        <a:latin typeface="+mn-ea"/>
-                        <a:ea typeface="+mn-ea"/>
-                      </a:endParaRPr>
-                    </a:p>
-                    <a:p>
-                      <a:pPr latinLnBrk="1"/>
-                      <a:r>
-                        <a:rPr lang="en-US" altLang="ko-KR" sz="2400" kern="1200" spc="-90" baseline="-25000" dirty="0">
-                          <a:ln>
-                            <a:solidFill>
-                              <a:srgbClr val="333944">
-                                <a:alpha val="0"/>
-                              </a:srgbClr>
-                            </a:solidFill>
-                          </a:ln>
-                          <a:latin typeface="+mn-ea"/>
-                          <a:ea typeface="+mn-ea"/>
-                        </a:rPr>
-                        <a:t>(6.1~6.7)</a:t>
-                      </a:r>
-                      <a:endParaRPr lang="ko-KR" altLang="en-US" sz="2400" kern="1200" spc="-90" baseline="-25000" dirty="0">
-                        <a:ln>
-                          <a:solidFill>
-                            <a:srgbClr val="333944">
-                              <a:alpha val="0"/>
-                            </a:srgbClr>
-                          </a:solidFill>
-                        </a:ln>
-                        <a:solidFill>
-                          <a:sysClr val="windowText" lastClr="000000"/>
-                        </a:solidFill>
-                        <a:latin typeface="+mn-ea"/>
-                        <a:ea typeface="+mn-ea"/>
-                        <a:cs typeface="+mn-cs"/>
-                      </a:endParaRPr>
-                    </a:p>
-                  </a:txBody>
-                  <a:tcPr>
-                    <a:lnL w="12700" cap="flat" cmpd="sng" algn="ctr">
-                      <a:noFill/>
-                      <a:prstDash val="solid"/>
-                      <a:round/>
-                      <a:headEnd type="none" w="med" len="med"/>
-                      <a:tailEnd type="none" w="med" len="med"/>
-                    </a:lnL>
-                    <a:lnR w="12700" cap="flat" cmpd="sng" algn="ctr">
-                      <a:solidFill>
-                        <a:schemeClr val="tx1"/>
-                      </a:solidFill>
-                      <a:prstDash val="solid"/>
-                      <a:round/>
-                      <a:headEnd type="none" w="med" len="med"/>
-                      <a:tailEnd type="none" w="med" len="med"/>
-                    </a:lnR>
-                    <a:lnT w="12700" cap="flat" cmpd="sng" algn="ctr">
-                      <a:solidFill>
-                        <a:schemeClr val="tx1"/>
-                      </a:solidFill>
-                      <a:prstDash val="solid"/>
-                      <a:round/>
-                      <a:headEnd type="none" w="med" len="med"/>
-                      <a:tailEnd type="none" w="med" len="med"/>
-                    </a:lnT>
-                    <a:lnB w="12700" cap="flat" cmpd="sng" algn="ctr">
-                      <a:solidFill>
-                        <a:schemeClr val="tx1"/>
-                      </a:solidFill>
-                      <a:prstDash val="solid"/>
-                      <a:round/>
-                      <a:headEnd type="none" w="med" len="med"/>
-                      <a:tailEnd type="none" w="med" len="med"/>
-                    </a:lnB>
-                  </a:tcPr>
-                </a:tc>
-                <a:tc>
-                  <a:txBody>
-                    <a:bodyPr/>
-                    <a:lstStyle/>
-                    <a:p>
-                      <a:pPr latinLnBrk="1"/>
-                      <a:r>
-                        <a:rPr lang="ko-KR" altLang="en-US" sz="2400" kern="1200" spc="-90" baseline="-25000" dirty="0">
-                          <a:ln>
-                            <a:solidFill>
-                              <a:srgbClr val="333944">
-                                <a:alpha val="0"/>
-                              </a:srgbClr>
-                            </a:solidFill>
-                          </a:ln>
-                          <a:latin typeface="+mn-ea"/>
-                          <a:ea typeface="+mn-ea"/>
-                        </a:rPr>
-                        <a:t>중간 시연 발표 </a:t>
-                      </a:r>
-                      <a:r>
-                        <a:rPr lang="en-US" altLang="ko-KR" sz="2400" kern="1200" spc="-90" baseline="-25000" dirty="0">
-                          <a:ln>
-                            <a:solidFill>
-                              <a:srgbClr val="333944">
-                                <a:alpha val="0"/>
-                              </a:srgbClr>
-                            </a:solidFill>
-                          </a:ln>
-                          <a:latin typeface="+mn-ea"/>
-                          <a:ea typeface="+mn-ea"/>
-                        </a:rPr>
-                        <a:t>5/31</a:t>
-                      </a:r>
-                      <a:endParaRPr lang="ko-KR" altLang="en-US" sz="2400" kern="1200" spc="-90" baseline="-25000" dirty="0">
-                        <a:ln>
-                          <a:solidFill>
-                            <a:srgbClr val="333944">
-                              <a:alpha val="0"/>
-                            </a:srgbClr>
-                          </a:solidFill>
-                        </a:ln>
-                        <a:solidFill>
-                          <a:sysClr val="windowText" lastClr="000000"/>
-                        </a:solidFill>
-                        <a:latin typeface="+mn-ea"/>
-                        <a:ea typeface="+mn-ea"/>
-                        <a:cs typeface="+mn-cs"/>
-                      </a:endParaRPr>
-                    </a:p>
-                  </a:txBody>
-                  <a:tcPr>
-                    <a:lnL w="12700" cap="flat" cmpd="sng" algn="ctr">
-                      <a:solidFill>
-                        <a:schemeClr val="tx1"/>
-                      </a:solidFill>
-                      <a:prstDash val="solid"/>
-                      <a:round/>
-                      <a:headEnd type="none" w="med" len="med"/>
-                      <a:tailEnd type="none" w="med" len="med"/>
-                    </a:lnL>
-                    <a:lnR w="12700" cap="flat" cmpd="sng" algn="ctr">
-                      <a:solidFill>
-                        <a:schemeClr val="tx1"/>
-                      </a:solidFill>
-                      <a:prstDash val="solid"/>
-                      <a:round/>
-                      <a:headEnd type="none" w="med" len="med"/>
-                      <a:tailEnd type="none" w="med" len="med"/>
-                    </a:lnR>
-                    <a:lnT w="12700" cap="flat" cmpd="sng" algn="ctr">
-                      <a:solidFill>
-                        <a:schemeClr val="tx1"/>
-                      </a:solidFill>
-                      <a:prstDash val="solid"/>
-                      <a:round/>
-                      <a:headEnd type="none" w="med" len="med"/>
-                      <a:tailEnd type="none" w="med" len="med"/>
-                    </a:lnT>
-                    <a:lnB w="12700" cap="flat" cmpd="sng" algn="ctr">
-                      <a:solidFill>
-                        <a:schemeClr val="tx1"/>
-                      </a:solidFill>
-                      <a:prstDash val="solid"/>
-                      <a:round/>
-                      <a:headEnd type="none" w="med" len="med"/>
-                      <a:tailEnd type="none" w="med" len="med"/>
-                    </a:lnB>
-                  </a:tcPr>
-                </a:tc>
-                <a:tc>
-                  <a:txBody>
-                    <a:bodyPr/>
-                    <a:lstStyle/>
-                    <a:p>
-                      <a:pPr latinLnBrk="1"/>
+                      <a:pPr marL="0" marR="0" lvl="0" indent="0" algn="l" defTabSz="914400" rtl="0" eaLnBrk="1" fontAlgn="auto" latinLnBrk="1" hangingPunct="1">
+                        <a:lnSpc>
+                          <a:spcPct val="100000"/>
+                        </a:lnSpc>
+                        <a:spcBef>
+                          <a:spcPts val="0"/>
+                        </a:spcBef>
+                        <a:spcAft>
+                          <a:spcPts val="0"/>
+                        </a:spcAft>
+                        <a:buClrTx/>
+                        <a:buSzTx/>
+                        <a:buFontTx/>
+                        <a:buNone/>
+                        <a:tabLst/>
+                        <a:defRPr/>
+                      </a:pPr>
                       <a:r>
                         <a:rPr lang="en-US" altLang="ko-KR" sz="2400" kern="1200" spc="-90" baseline="-25000" dirty="0" err="1">
                           <a:ln>
@@ -13063,17 +13030,45 @@
                 </a:tc>
                 <a:extLst>
                   <a:ext uri="{0D108BD9-81ED-4DB2-BD59-A6C34878D82A}">
-                    <a16:rowId xmlns:a16="http://schemas.microsoft.com/office/drawing/2014/main" val="94333453"/>
+                    <a16:rowId xmlns:a16="http://schemas.microsoft.com/office/drawing/2014/main" val="3079507104"/>
                   </a:ext>
                 </a:extLst>
               </a:tr>
-              <a:tr h="964680">
+              <a:tr h="880174">
                 <a:tc>
                   <a:txBody>
                     <a:bodyPr/>
                     <a:lstStyle/>
                     <a:p>
                       <a:pPr latinLnBrk="1"/>
+                      <a:r>
+                        <a:rPr lang="en-US" altLang="ko-KR" sz="2400" kern="1200" spc="-90" baseline="-25000" dirty="0">
+                          <a:ln>
+                            <a:solidFill>
+                              <a:srgbClr val="333944">
+                                <a:alpha val="0"/>
+                              </a:srgbClr>
+                            </a:solidFill>
+                          </a:ln>
+                          <a:latin typeface="+mn-ea"/>
+                          <a:ea typeface="+mn-ea"/>
+                        </a:rPr>
+                        <a:t>5</a:t>
+                      </a:r>
+                      <a:r>
+                        <a:rPr lang="ko-KR" altLang="en-US" sz="2400" kern="1200" spc="-90" baseline="-25000" dirty="0">
+                          <a:ln>
+                            <a:solidFill>
+                              <a:srgbClr val="333944">
+                                <a:alpha val="0"/>
+                              </a:srgbClr>
+                            </a:solidFill>
+                          </a:ln>
+                          <a:latin typeface="+mn-ea"/>
+                          <a:ea typeface="+mn-ea"/>
+                        </a:rPr>
+                        <a:t>주 </a:t>
+                      </a:r>
                       <a:r>
                         <a:rPr lang="en-US" altLang="ko-KR" sz="2400" kern="1200" spc="-90" baseline="-25000" dirty="0">
                           <a:ln>
@@ -13128,7 +13123,7 @@
                           <a:latin typeface="+mn-ea"/>
                           <a:ea typeface="+mn-ea"/>
                         </a:rPr>
-                        <a:t>(6.8~6.14)</a:t>
+                        <a:t>(6.1~6.14)</a:t>
                       </a:r>
                       <a:endParaRPr lang="ko-KR" altLang="en-US" sz="2400" kern="1200" spc="-90" baseline="-25000" dirty="0">
                         <a:ln>
@@ -13310,34 +13305,6 @@
                         <a:defRPr/>
                       </a:pPr>
                       <a:r>
-                        <a:rPr lang="ko-KR" altLang="en-US" sz="2400" kern="1200" spc="-90" baseline="-25000" dirty="0">
-                          <a:ln>
-                            <a:solidFill>
-                              <a:srgbClr val="333944">
-                                <a:alpha val="0"/>
-                              </a:srgbClr>
-                            </a:solidFill>
-                          </a:ln>
-                          <a:latin typeface="+mn-ea"/>
-                          <a:ea typeface="+mn-ea"/>
-                        </a:rPr>
-                        <a:t>이메일 전송</a:t>
-                      </a:r>
-                      <a:r>
-                        <a:rPr lang="en-US" altLang="ko-KR" sz="2400" kern="1200" spc="-90" baseline="-25000" dirty="0">
-                          <a:ln>
-                            <a:solidFill>
-                              <a:srgbClr val="333944">
-                                <a:alpha val="0"/>
-                              </a:srgbClr>
-                            </a:solidFill>
-                          </a:ln>
-                          <a:latin typeface="+mn-ea"/>
-                          <a:ea typeface="+mn-ea"/>
-                        </a:rPr>
-                        <a:t>, </a:t>
-                      </a:r>
-                      <a:r>
                         <a:rPr lang="ko-KR" altLang="en-US" sz="2400" kern="1200" spc="-90" baseline="-25000" dirty="0" err="1">
                           <a:ln>
                             <a:solidFill>
@@ -13349,7 +13316,7 @@
                           <a:latin typeface="+mn-ea"/>
                           <a:ea typeface="+mn-ea"/>
                         </a:rPr>
-                        <a:t>북마크</a:t>
+                        <a:t>텔레그램</a:t>
                       </a:r>
                       <a:r>
                         <a:rPr lang="ko-KR" altLang="en-US" sz="2400" kern="1200" spc="-90" baseline="-25000" dirty="0">
@@ -13363,7 +13330,7 @@
                           <a:latin typeface="+mn-ea"/>
                           <a:ea typeface="+mn-ea"/>
                         </a:rPr>
-                        <a:t> 기능 구현</a:t>
+                        <a:t> 연동 구현</a:t>
                       </a:r>
                       <a:endParaRPr lang="en-US" altLang="ko-KR" sz="2400" kern="1200" spc="-90" baseline="-25000" dirty="0">
                         <a:ln>
@@ -13396,7 +13363,7 @@
                         <a:defRPr/>
                       </a:pPr>
                       <a:r>
-                        <a:rPr lang="ko-KR" altLang="en-US" sz="2400" kern="1200" spc="-90" baseline="-25000" dirty="0" err="1">
+                        <a:rPr lang="en-US" altLang="ko-KR" sz="2400" kern="1200" spc="-90" baseline="-25000" dirty="0">
                           <a:ln>
                             <a:solidFill>
                               <a:srgbClr val="333944">
@@ -13407,7 +13374,7 @@
                           <a:latin typeface="+mn-ea"/>
                           <a:ea typeface="+mn-ea"/>
                         </a:rPr>
-                        <a:t>텔레그램</a:t>
+                        <a:t>7</a:t>
                       </a:r>
                       <a:r>
                         <a:rPr lang="ko-KR" altLang="en-US" sz="2400" kern="1200" spc="-90" baseline="-25000" dirty="0">
@@ -13421,7 +13388,7 @@
                           <a:latin typeface="+mn-ea"/>
                           <a:ea typeface="+mn-ea"/>
                         </a:rPr>
-                        <a:t> 연동 구현</a:t>
+                        <a:t>주거 해도 됨</a:t>
                       </a:r>
                       <a:endParaRPr lang="en-US" altLang="ko-KR" sz="2400" kern="1200" spc="-90" baseline="-25000" dirty="0">
                         <a:ln>
@@ -13518,78 +13485,6 @@
                         <a:t>, </a:t>
                       </a:r>
                       <a:r>
-                        <a:rPr lang="ko-KR" altLang="en-US" sz="2400" kern="1200" spc="-90" baseline="-25000" dirty="0">
-                          <a:ln>
-                            <a:solidFill>
-                              <a:srgbClr val="333944">
-                                <a:alpha val="0"/>
-                              </a:srgbClr>
-                            </a:solidFill>
-                          </a:ln>
-                          <a:solidFill>
-                            <a:sysClr val="windowText" lastClr="000000"/>
-                          </a:solidFill>
-                          <a:latin typeface="+mn-ea"/>
-                          <a:ea typeface="+mn-ea"/>
-                          <a:cs typeface="+mn-cs"/>
-                        </a:rPr>
-                        <a:t>이메일</a:t>
-                      </a:r>
-                      <a:r>
-                        <a:rPr lang="en-US" altLang="ko-KR" sz="2400" kern="1200" spc="-90" baseline="-25000" dirty="0">
-                          <a:ln>
-                            <a:solidFill>
-                              <a:srgbClr val="333944">
-                                <a:alpha val="0"/>
-                              </a:srgbClr>
-                            </a:solidFill>
-                          </a:ln>
-                          <a:solidFill>
-                            <a:sysClr val="windowText" lastClr="000000"/>
-                          </a:solidFill>
-                          <a:latin typeface="+mn-ea"/>
-                          <a:ea typeface="+mn-ea"/>
-                          <a:cs typeface="+mn-cs"/>
-                        </a:rPr>
-                        <a:t>, </a:t>
-                      </a:r>
-                      <a:r>
-                        <a:rPr lang="ko-KR" altLang="en-US" sz="2400" kern="1200" spc="-90" baseline="-25000" dirty="0" err="1">
-                          <a:ln>
-                            <a:solidFill>
-                              <a:srgbClr val="333944">
-                                <a:alpha val="0"/>
-                              </a:srgbClr>
-                            </a:solidFill>
-                          </a:ln>
-                          <a:solidFill>
-                            <a:sysClr val="windowText" lastClr="000000"/>
-                          </a:solidFill>
-                          <a:latin typeface="+mn-ea"/>
-                          <a:ea typeface="+mn-ea"/>
-                          <a:cs typeface="+mn-cs"/>
-                        </a:rPr>
-                        <a:t>북마크</a:t>
-                      </a:r>
-                      <a:r>
-                        <a:rPr lang="en-US" altLang="ko-KR" sz="2400" kern="1200" spc="-90" baseline="-25000" dirty="0">
-                          <a:ln>
-                            <a:solidFill>
-                              <a:srgbClr val="333944">
-                                <a:alpha val="0"/>
-                              </a:srgbClr>
-                            </a:solidFill>
-                          </a:ln>
-                          <a:solidFill>
-                            <a:sysClr val="windowText" lastClr="000000"/>
-                          </a:solidFill>
-                          <a:latin typeface="+mn-ea"/>
-                          <a:ea typeface="+mn-ea"/>
-                          <a:cs typeface="+mn-cs"/>
-                        </a:rPr>
-                        <a:t>, </a:t>
-                      </a:r>
-                      <a:r>
                         <a:rPr lang="ko-KR" altLang="en-US" sz="2400" kern="1200" spc="-90" baseline="-25000" dirty="0" err="1">
                           <a:ln>
                             <a:solidFill>
@@ -13624,6 +13519,78 @@
                           <a:cs typeface="+mn-cs"/>
                         </a:rPr>
                         <a:t> 연동 등 추가 기능 구현</a:t>
+                      </a:r>
+                      <a:endParaRPr lang="en-US" altLang="ko-KR" sz="2400" kern="1200" spc="-90" baseline="-25000" dirty="0">
+                        <a:ln>
+                          <a:solidFill>
+                            <a:srgbClr val="333944">
+                              <a:alpha val="0"/>
+                            </a:srgbClr>
+                          </a:solidFill>
+                        </a:ln>
+                        <a:solidFill>
+                          <a:sysClr val="windowText" lastClr="000000"/>
+                        </a:solidFill>
+                        <a:latin typeface="+mn-ea"/>
+                        <a:ea typeface="+mn-ea"/>
+                        <a:cs typeface="+mn-cs"/>
+                      </a:endParaRPr>
+                    </a:p>
+                    <a:p>
+                      <a:pPr latinLnBrk="1"/>
+                      <a:r>
+                        <a:rPr lang="ko-KR" altLang="en-US" sz="2400" kern="1200" spc="-90" baseline="-25000" dirty="0">
+                          <a:ln>
+                            <a:solidFill>
+                              <a:srgbClr val="333944">
+                                <a:alpha val="0"/>
+                              </a:srgbClr>
+                            </a:solidFill>
+                          </a:ln>
+                          <a:solidFill>
+                            <a:sysClr val="windowText" lastClr="000000"/>
+                          </a:solidFill>
+                          <a:latin typeface="+mn-ea"/>
+                          <a:ea typeface="+mn-ea"/>
+                          <a:cs typeface="+mn-cs"/>
+                        </a:rPr>
+                        <a:t>시간 남으면 </a:t>
+                      </a:r>
+                      <a:r>
+                        <a:rPr lang="en-US" altLang="ko-KR" sz="2400" kern="1200" spc="-90" baseline="-25000" dirty="0">
+                          <a:ln>
+                            <a:solidFill>
+                              <a:srgbClr val="333944">
+                                <a:alpha val="0"/>
+                              </a:srgbClr>
+                            </a:solidFill>
+                          </a:ln>
+                          <a:solidFill>
+                            <a:sysClr val="windowText" lastClr="000000"/>
+                          </a:solidFill>
+                          <a:latin typeface="+mn-ea"/>
+                          <a:ea typeface="+mn-ea"/>
+                          <a:cs typeface="+mn-cs"/>
+                        </a:rPr>
+                        <a:t>7</a:t>
+                      </a:r>
+                      <a:r>
+                        <a:rPr lang="ko-KR" altLang="en-US" sz="2400" kern="1200" spc="-90" baseline="-25000" dirty="0">
+                          <a:ln>
+                            <a:solidFill>
+                              <a:srgbClr val="333944">
+                                <a:alpha val="0"/>
+                              </a:srgbClr>
+                            </a:solidFill>
+                          </a:ln>
+                          <a:solidFill>
+                            <a:sysClr val="windowText" lastClr="000000"/>
+                          </a:solidFill>
+                          <a:latin typeface="+mn-ea"/>
+                          <a:ea typeface="+mn-ea"/>
+                          <a:cs typeface="+mn-cs"/>
+                        </a:rPr>
+                        <a:t>주 것도 구현</a:t>
                       </a:r>
                     </a:p>
                   </a:txBody>
@@ -14478,6 +14445,85 @@
           </a:prstGeom>
         </p:spPr>
       </p:pic>
+      <p:sp>
+        <p:nvSpPr>
+          <p:cNvPr id="2" name="TextBox 1">
+            <a:extLst>
+              <a:ext uri="{FF2B5EF4-FFF2-40B4-BE49-F238E27FC236}">
+                <a16:creationId xmlns:a16="http://schemas.microsoft.com/office/drawing/2014/main" id="{8C0FC5F7-4929-40C6-B2F9-E8A2E37CDD19}"/>
+              </a:ext>
+            </a:extLst>
+          </p:cNvPr>
+          <p:cNvSpPr txBox="1"/>
+          <p:nvPr/>
+        </p:nvSpPr>
+        <p:spPr>
+          <a:xfrm>
+            <a:off x="9884284" y="4102425"/>
+            <a:ext cx="2609432" cy="338554"/>
+          </a:xfrm>
+          <a:prstGeom prst="rect">
+            <a:avLst/>
+          </a:prstGeom>
+          <a:noFill/>
+        </p:spPr>
+        <p:txBody>
+          <a:bodyPr wrap="none" rtlCol="0">
+            <a:spAutoFit/>
+          </a:bodyPr>
+          <a:lstStyle/>
+          <a:p>
+            <a:r>
+              <a:rPr lang="ko-KR" altLang="en-US" sz="2400" spc="-90" baseline="-25000" dirty="0">
+                <a:ln>
+                  <a:solidFill>
+                    <a:srgbClr val="333944">
+                      <a:alpha val="0"/>
+                    </a:srgbClr>
+                  </a:solidFill>
+                </a:ln>
+                <a:solidFill>
+                  <a:srgbClr val="FF0000"/>
+                </a:solidFill>
+                <a:latin typeface="+mn-ea"/>
+              </a:rPr>
+              <a:t>중간 시연까지 </a:t>
+            </a:r>
+            <a:r>
+              <a:rPr lang="en-US" altLang="ko-KR" sz="2400" spc="-90" baseline="-25000" dirty="0">
+                <a:ln>
+                  <a:solidFill>
+                    <a:srgbClr val="333944">
+                      <a:alpha val="0"/>
+                    </a:srgbClr>
+                  </a:solidFill>
+                </a:ln>
+                <a:solidFill>
+                  <a:srgbClr val="FF0000"/>
+                </a:solidFill>
+                <a:latin typeface="+mn-ea"/>
+              </a:rPr>
+              <a:t>text</a:t>
+            </a:r>
+            <a:r>
+              <a:rPr lang="ko-KR" altLang="en-US" sz="2400" spc="-90" baseline="-25000" dirty="0">
+                <a:ln>
+                  <a:solidFill>
+                    <a:srgbClr val="333944">
+                      <a:alpha val="0"/>
+                    </a:srgbClr>
+                  </a:solidFill>
+                </a:ln>
+                <a:solidFill>
+                  <a:srgbClr val="FF0000"/>
+                </a:solidFill>
+                <a:latin typeface="+mn-ea"/>
+              </a:rPr>
+              <a:t>로 다 끝내기</a:t>
+            </a:r>
+          </a:p>
+        </p:txBody>
+      </p:sp>
     </p:spTree>
     <p:extLst>
       <p:ext uri="{BB962C8B-B14F-4D97-AF65-F5344CB8AC3E}">

--- a/기획발표.pptx
+++ b/기획발표.pptx
@@ -23,29 +23,29 @@
   <p:notesSz cx="6858000" cy="9144000"/>
   <p:embeddedFontLst>
     <p:embeddedFont>
+      <p:font typeface="KoPub돋움체 Bold" panose="00000800000000000000" pitchFamily="2" charset="-127"/>
+      <p:bold r:id="rId11"/>
+    </p:embeddedFont>
+    <p:embeddedFont>
       <p:font typeface="KoPub돋움체 Medium" panose="00000600000000000000" pitchFamily="2" charset="-127"/>
-      <p:regular r:id="rId11"/>
+      <p:regular r:id="rId12"/>
     </p:embeddedFont>
     <p:embeddedFont>
       <p:font typeface="Built Titling Rg" panose="020B0206030202080204" pitchFamily="34" charset="0"/>
-      <p:regular r:id="rId12"/>
-      <p:bold r:id="rId13"/>
-      <p:italic r:id="rId14"/>
-      <p:boldItalic r:id="rId15"/>
+      <p:regular r:id="rId13"/>
+      <p:bold r:id="rId14"/>
+      <p:italic r:id="rId15"/>
+      <p:boldItalic r:id="rId16"/>
+    </p:embeddedFont>
+    <p:embeddedFont>
+      <p:font typeface="Built Titling Sb" panose="020B0706030202080204" pitchFamily="34" charset="0"/>
+      <p:bold r:id="rId17"/>
+      <p:boldItalic r:id="rId18"/>
     </p:embeddedFont>
     <p:embeddedFont>
       <p:font typeface="맑은 고딕" panose="020B0503020000020004" pitchFamily="50" charset="-127"/>
-      <p:regular r:id="rId16"/>
-      <p:bold r:id="rId17"/>
-    </p:embeddedFont>
-    <p:embeddedFont>
-      <p:font typeface="KoPub돋움체 Bold" panose="00000800000000000000" pitchFamily="2" charset="-127"/>
-      <p:bold r:id="rId18"/>
-    </p:embeddedFont>
-    <p:embeddedFont>
-      <p:font typeface="Built Titling Sb" panose="020B0706030202080204" pitchFamily="34" charset="0"/>
-      <p:bold r:id="rId19"/>
-      <p:boldItalic r:id="rId20"/>
+      <p:regular r:id="rId19"/>
+      <p:bold r:id="rId20"/>
     </p:embeddedFont>
   </p:embeddedFontLst>
   <p:defaultTextStyle>
@@ -9480,7 +9480,7 @@
           <p:nvPr>
             <p:extLst>
               <p:ext uri="{D42A27DB-BD31-4B8C-83A1-F6EECF244321}">
-                <p14:modId xmlns:p14="http://schemas.microsoft.com/office/powerpoint/2010/main" val="2397817318"/>
+                <p14:modId xmlns:p14="http://schemas.microsoft.com/office/powerpoint/2010/main" val="3824859728"/>
               </p:ext>
             </p:extLst>
           </p:nvPr>
@@ -10107,6 +10107,128 @@
           </a:prstGeom>
         </p:spPr>
       </p:pic>
+      <p:sp>
+        <p:nvSpPr>
+          <p:cNvPr id="9" name="TextBox 8">
+            <a:extLst>
+              <a:ext uri="{FF2B5EF4-FFF2-40B4-BE49-F238E27FC236}">
+                <a16:creationId xmlns:a16="http://schemas.microsoft.com/office/drawing/2014/main" id="{B2AC3935-6D4D-43A0-9F2D-A492B7200F79}"/>
+              </a:ext>
+            </a:extLst>
+          </p:cNvPr>
+          <p:cNvSpPr txBox="1"/>
+          <p:nvPr/>
+        </p:nvSpPr>
+        <p:spPr>
+          <a:xfrm>
+            <a:off x="2660500" y="1201994"/>
+            <a:ext cx="1090042" cy="913070"/>
+          </a:xfrm>
+          <a:prstGeom prst="rect">
+            <a:avLst/>
+          </a:prstGeom>
+          <a:noFill/>
+        </p:spPr>
+        <p:txBody>
+          <a:bodyPr wrap="none" rtlCol="0">
+            <a:spAutoFit/>
+          </a:bodyPr>
+          <a:lstStyle/>
+          <a:p>
+            <a:r>
+              <a:rPr lang="ko-KR" altLang="en-US" sz="3200" b="1" spc="-90" baseline="-25000" dirty="0">
+                <a:ln>
+                  <a:solidFill>
+                    <a:srgbClr val="333944">
+                      <a:alpha val="0"/>
+                    </a:srgbClr>
+                  </a:solidFill>
+                </a:ln>
+                <a:solidFill>
+                  <a:srgbClr val="FF0000"/>
+                </a:solidFill>
+                <a:latin typeface="+mn-ea"/>
+              </a:rPr>
+              <a:t>추가구현</a:t>
+            </a:r>
+            <a:endParaRPr lang="en-US" altLang="ko-KR" sz="3200" b="1" spc="-90" baseline="-25000" dirty="0">
+              <a:ln>
+                <a:solidFill>
+                  <a:srgbClr val="333944">
+                    <a:alpha val="0"/>
+                  </a:srgbClr>
+                </a:solidFill>
+              </a:ln>
+              <a:solidFill>
+                <a:srgbClr val="FF0000"/>
+              </a:solidFill>
+              <a:latin typeface="+mn-ea"/>
+            </a:endParaRPr>
+          </a:p>
+          <a:p>
+            <a:r>
+              <a:rPr lang="ko-KR" altLang="en-US" sz="2400" spc="-90" baseline="-25000" dirty="0">
+                <a:ln>
+                  <a:solidFill>
+                    <a:srgbClr val="333944">
+                      <a:alpha val="0"/>
+                    </a:srgbClr>
+                  </a:solidFill>
+                </a:ln>
+                <a:solidFill>
+                  <a:srgbClr val="FF0000"/>
+                </a:solidFill>
+                <a:latin typeface="+mn-ea"/>
+              </a:rPr>
+              <a:t>그래프</a:t>
+            </a:r>
+            <a:endParaRPr lang="en-US" altLang="ko-KR" sz="2400" spc="-90" baseline="-25000" dirty="0">
+              <a:ln>
+                <a:solidFill>
+                  <a:srgbClr val="333944">
+                    <a:alpha val="0"/>
+                  </a:srgbClr>
+                </a:solidFill>
+              </a:ln>
+              <a:solidFill>
+                <a:srgbClr val="FF0000"/>
+              </a:solidFill>
+              <a:latin typeface="+mn-ea"/>
+            </a:endParaRPr>
+          </a:p>
+          <a:p>
+            <a:r>
+              <a:rPr lang="ko-KR" altLang="en-US" sz="2400" spc="-90" baseline="-25000" dirty="0">
+                <a:ln>
+                  <a:solidFill>
+                    <a:srgbClr val="333944">
+                      <a:alpha val="0"/>
+                    </a:srgbClr>
+                  </a:solidFill>
+                </a:ln>
+                <a:solidFill>
+                  <a:srgbClr val="FF0000"/>
+                </a:solidFill>
+                <a:latin typeface="+mn-ea"/>
+              </a:rPr>
+              <a:t>정렬</a:t>
+            </a:r>
+            <a:endParaRPr lang="en-US" altLang="ko-KR" sz="2400" spc="-90" baseline="-25000" dirty="0">
+              <a:ln>
+                <a:solidFill>
+                  <a:srgbClr val="333944">
+                    <a:alpha val="0"/>
+                  </a:srgbClr>
+                </a:solidFill>
+              </a:ln>
+              <a:solidFill>
+                <a:srgbClr val="FF0000"/>
+              </a:solidFill>
+              <a:latin typeface="+mn-ea"/>
+            </a:endParaRPr>
+          </a:p>
+        </p:txBody>
+      </p:sp>
     </p:spTree>
     <p:extLst>
       <p:ext uri="{BB962C8B-B14F-4D97-AF65-F5344CB8AC3E}">

--- a/기획발표.pptx
+++ b/기획발표.pptx
@@ -5,10 +5,10 @@
     <p:sldMasterId id="2147483666" r:id="rId1"/>
   </p:sldMasterIdLst>
   <p:notesMasterIdLst>
-    <p:notesMasterId r:id="rId9"/>
+    <p:notesMasterId r:id="rId10"/>
   </p:notesMasterIdLst>
   <p:handoutMasterIdLst>
-    <p:handoutMasterId r:id="rId10"/>
+    <p:handoutMasterId r:id="rId11"/>
   </p:handoutMasterIdLst>
   <p:sldIdLst>
     <p:sldId id="275" r:id="rId2"/>
@@ -18,34 +18,36 @@
     <p:sldId id="280" r:id="rId6"/>
     <p:sldId id="281" r:id="rId7"/>
     <p:sldId id="282" r:id="rId8"/>
+    <p:sldId id="284" r:id="rId9"/>
   </p:sldIdLst>
   <p:sldSz cx="12192000" cy="6858000"/>
   <p:notesSz cx="6858000" cy="9144000"/>
   <p:embeddedFontLst>
     <p:embeddedFont>
-      <p:font typeface="KoPub돋움체 Bold" panose="00000800000000000000" pitchFamily="2" charset="-127"/>
-      <p:bold r:id="rId11"/>
+      <p:font typeface="KoPub돋움체 Bold" panose="02020603020101020101" pitchFamily="18" charset="-127"/>
+      <p:regular r:id="rId12"/>
+      <p:bold r:id="rId13"/>
     </p:embeddedFont>
     <p:embeddedFont>
-      <p:font typeface="KoPub돋움체 Medium" panose="00000600000000000000" pitchFamily="2" charset="-127"/>
-      <p:regular r:id="rId12"/>
+      <p:font typeface="맑은 고딕" panose="020B0503020000020004" pitchFamily="50" charset="-127"/>
+      <p:regular r:id="rId14"/>
+      <p:bold r:id="rId15"/>
+    </p:embeddedFont>
+    <p:embeddedFont>
+      <p:font typeface="KoPub돋움체 Medium" panose="02020603020101020101" pitchFamily="18" charset="-127"/>
+      <p:regular r:id="rId16"/>
     </p:embeddedFont>
     <p:embeddedFont>
       <p:font typeface="Built Titling Rg" panose="020B0206030202080204" pitchFamily="34" charset="0"/>
-      <p:regular r:id="rId13"/>
-      <p:bold r:id="rId14"/>
-      <p:italic r:id="rId15"/>
-      <p:boldItalic r:id="rId16"/>
+      <p:regular r:id="rId17"/>
+      <p:bold r:id="rId18"/>
+      <p:italic r:id="rId19"/>
+      <p:boldItalic r:id="rId20"/>
     </p:embeddedFont>
     <p:embeddedFont>
       <p:font typeface="Built Titling Sb" panose="020B0706030202080204" pitchFamily="34" charset="0"/>
-      <p:bold r:id="rId17"/>
-      <p:boldItalic r:id="rId18"/>
-    </p:embeddedFont>
-    <p:embeddedFont>
-      <p:font typeface="맑은 고딕" panose="020B0503020000020004" pitchFamily="50" charset="-127"/>
-      <p:regular r:id="rId19"/>
-      <p:bold r:id="rId20"/>
+      <p:bold r:id="rId21"/>
+      <p:boldItalic r:id="rId22"/>
     </p:embeddedFont>
   </p:embeddedFontLst>
   <p:defaultTextStyle>
@@ -247,7 +249,7 @@
           <a:p>
             <a:fld id="{C9DAD422-0CE2-7345-9C9C-5AE431B01D98}" type="datetimeFigureOut">
               <a:rPr lang="en-US" altLang="ko-KR" smtClean="0"/>
-              <a:t>5/17/2018</a:t>
+              <a:t>5/29/2018</a:t>
             </a:fld>
             <a:endParaRPr lang="ko-KR" altLang="en-US"/>
           </a:p>
@@ -412,7 +414,7 @@
           <a:p>
             <a:fld id="{9F5593C2-BB06-FE4C-A097-5F24D72EFBBA}" type="datetimeFigureOut">
               <a:rPr lang="en-US" altLang="ko-KR" smtClean="0"/>
-              <a:t>5/17/2018</a:t>
+              <a:t>5/29/2018</a:t>
             </a:fld>
             <a:endParaRPr lang="ko-KR" altLang="en-US"/>
           </a:p>
@@ -754,6 +756,90 @@
     <p:extLst>
       <p:ext uri="{BB962C8B-B14F-4D97-AF65-F5344CB8AC3E}">
         <p14:creationId xmlns:p14="http://schemas.microsoft.com/office/powerpoint/2010/main" val="2374243108"/>
+      </p:ext>
+    </p:extLst>
+  </p:cSld>
+  <p:clrMapOvr>
+    <a:masterClrMapping/>
+  </p:clrMapOvr>
+</p:notes>
+</file>
+
+<file path=ppt/notesSlides/notesSlide2.xml><?xml version="1.0" encoding="utf-8"?>
+<p:notes xmlns:a="http://schemas.openxmlformats.org/drawingml/2006/main" xmlns:r="http://schemas.openxmlformats.org/officeDocument/2006/relationships" xmlns:p="http://schemas.openxmlformats.org/presentationml/2006/main">
+  <p:cSld>
+    <p:spTree>
+      <p:nvGrpSpPr>
+        <p:cNvPr id="1" name=""/>
+        <p:cNvGrpSpPr/>
+        <p:nvPr/>
+      </p:nvGrpSpPr>
+      <p:grpSpPr>
+        <a:xfrm>
+          <a:off x="0" y="0"/>
+          <a:ext cx="0" cy="0"/>
+          <a:chOff x="0" y="0"/>
+          <a:chExt cx="0" cy="0"/>
+        </a:xfrm>
+      </p:grpSpPr>
+      <p:sp>
+        <p:nvSpPr>
+          <p:cNvPr id="2" name="슬라이드 이미지 개체 틀 1"/>
+          <p:cNvSpPr>
+            <a:spLocks noGrp="1" noRot="1" noChangeAspect="1"/>
+          </p:cNvSpPr>
+          <p:nvPr>
+            <p:ph type="sldImg"/>
+          </p:nvPr>
+        </p:nvSpPr>
+        <p:spPr/>
+      </p:sp>
+      <p:sp>
+        <p:nvSpPr>
+          <p:cNvPr id="3" name="슬라이드 노트 개체 틀 2"/>
+          <p:cNvSpPr>
+            <a:spLocks noGrp="1"/>
+          </p:cNvSpPr>
+          <p:nvPr>
+            <p:ph type="body" idx="1"/>
+          </p:nvPr>
+        </p:nvSpPr>
+        <p:spPr/>
+        <p:txBody>
+          <a:bodyPr/>
+          <a:lstStyle/>
+          <a:p>
+            <a:endParaRPr lang="ko-KR" altLang="en-US" dirty="0"/>
+          </a:p>
+        </p:txBody>
+      </p:sp>
+      <p:sp>
+        <p:nvSpPr>
+          <p:cNvPr id="4" name="슬라이드 번호 개체 틀 3"/>
+          <p:cNvSpPr>
+            <a:spLocks noGrp="1"/>
+          </p:cNvSpPr>
+          <p:nvPr>
+            <p:ph type="sldNum" sz="quarter" idx="10"/>
+          </p:nvPr>
+        </p:nvSpPr>
+        <p:spPr/>
+        <p:txBody>
+          <a:bodyPr/>
+          <a:lstStyle/>
+          <a:p>
+            <a:fld id="{CBCC0F5F-2408-184D-BCB4-04B8D7BCC9C3}" type="slidenum">
+              <a:rPr lang="en-US" altLang="ko-KR" smtClean="0"/>
+              <a:t>8</a:t>
+            </a:fld>
+            <a:endParaRPr lang="ko-KR" altLang="en-US"/>
+          </a:p>
+        </p:txBody>
+      </p:sp>
+    </p:spTree>
+    <p:extLst>
+      <p:ext uri="{BB962C8B-B14F-4D97-AF65-F5344CB8AC3E}">
+        <p14:creationId xmlns:p14="http://schemas.microsoft.com/office/powerpoint/2010/main" val="1356354346"/>
       </p:ext>
     </p:extLst>
   </p:cSld>
@@ -5995,7 +6081,7 @@
             <a:fld id="{79F33ED0-BB53-40D6-86C9-526C8F33B5AF}" type="datetimeFigureOut">
               <a:rPr lang="ko-KR" altLang="en-US" smtClean="0"/>
               <a:pPr/>
-              <a:t>2018-05-17</a:t>
+              <a:t>2018-05-29</a:t>
             </a:fld>
             <a:endParaRPr lang="ko-KR" altLang="en-US"/>
           </a:p>
@@ -9480,7 +9566,7 @@
           <p:nvPr>
             <p:extLst>
               <p:ext uri="{D42A27DB-BD31-4B8C-83A1-F6EECF244321}">
-                <p14:modId xmlns:p14="http://schemas.microsoft.com/office/powerpoint/2010/main" val="3824859728"/>
+                <p14:modId xmlns:p14="http://schemas.microsoft.com/office/powerpoint/2010/main" val="1696161620"/>
               </p:ext>
             </p:extLst>
           </p:nvPr>
@@ -10121,8 +10207,8 @@
         </p:nvSpPr>
         <p:spPr>
           <a:xfrm>
-            <a:off x="2660500" y="1201994"/>
-            <a:ext cx="1090042" cy="913070"/>
+            <a:off x="1531496" y="1201994"/>
+            <a:ext cx="1977529" cy="1897955"/>
           </a:xfrm>
           <a:prstGeom prst="rect">
             <a:avLst/>
@@ -10180,7 +10266,39 @@
                 </a:solidFill>
                 <a:latin typeface="+mn-ea"/>
               </a:rPr>
-              <a:t>그래프</a:t>
+              <a:t>그래프 </a:t>
+            </a:r>
+            <a:r>
+              <a:rPr lang="en-US" altLang="ko-KR" sz="2400" spc="-90" baseline="-25000" dirty="0">
+                <a:ln>
+                  <a:solidFill>
+                    <a:srgbClr val="333944">
+                      <a:alpha val="0"/>
+                    </a:srgbClr>
+                  </a:solidFill>
+                </a:ln>
+                <a:solidFill>
+                  <a:srgbClr val="FF0000"/>
+                </a:solidFill>
+                <a:latin typeface="+mn-ea"/>
+              </a:rPr>
+              <a:t>– </a:t>
+            </a:r>
+            <a:r>
+              <a:rPr lang="ko-KR" altLang="en-US" sz="2400" spc="-90" baseline="-25000" dirty="0">
+                <a:ln>
+                  <a:solidFill>
+                    <a:srgbClr val="333944">
+                      <a:alpha val="0"/>
+                    </a:srgbClr>
+                  </a:solidFill>
+                </a:ln>
+                <a:solidFill>
+                  <a:srgbClr val="FF0000"/>
+                </a:solidFill>
+                <a:latin typeface="+mn-ea"/>
+              </a:rPr>
+              <a:t>스스로 공부</a:t>
             </a:r>
             <a:endParaRPr lang="en-US" altLang="ko-KR" sz="2400" spc="-90" baseline="-25000" dirty="0">
               <a:ln>
@@ -10226,6 +10344,288 @@
               </a:solidFill>
               <a:latin typeface="+mn-ea"/>
             </a:endParaRPr>
+          </a:p>
+          <a:p>
+            <a:r>
+              <a:rPr lang="ko-KR" altLang="en-US" sz="2400" spc="-90" baseline="-25000" dirty="0">
+                <a:ln>
+                  <a:solidFill>
+                    <a:srgbClr val="333944">
+                      <a:alpha val="0"/>
+                    </a:srgbClr>
+                  </a:solidFill>
+                </a:ln>
+                <a:solidFill>
+                  <a:srgbClr val="FF0000"/>
+                </a:solidFill>
+                <a:latin typeface="+mn-ea"/>
+              </a:rPr>
+              <a:t>다른 </a:t>
+            </a:r>
+            <a:r>
+              <a:rPr lang="en-US" altLang="ko-KR" sz="2400" spc="-90" baseline="-25000" dirty="0">
+                <a:ln>
+                  <a:solidFill>
+                    <a:srgbClr val="333944">
+                      <a:alpha val="0"/>
+                    </a:srgbClr>
+                  </a:solidFill>
+                </a:ln>
+                <a:solidFill>
+                  <a:srgbClr val="FF0000"/>
+                </a:solidFill>
+                <a:latin typeface="+mn-ea"/>
+              </a:rPr>
+              <a:t>API </a:t>
+            </a:r>
+            <a:r>
+              <a:rPr lang="ko-KR" altLang="en-US" sz="2400" spc="-90" baseline="-25000" dirty="0">
+                <a:ln>
+                  <a:solidFill>
+                    <a:srgbClr val="333944">
+                      <a:alpha val="0"/>
+                    </a:srgbClr>
+                  </a:solidFill>
+                </a:ln>
+                <a:solidFill>
+                  <a:srgbClr val="FF0000"/>
+                </a:solidFill>
+                <a:latin typeface="+mn-ea"/>
+              </a:rPr>
+              <a:t>연동 </a:t>
+            </a:r>
+            <a:r>
+              <a:rPr lang="en-US" altLang="ko-KR" sz="2400" spc="-90" baseline="-25000" dirty="0">
+                <a:ln>
+                  <a:solidFill>
+                    <a:srgbClr val="333944">
+                      <a:alpha val="0"/>
+                    </a:srgbClr>
+                  </a:solidFill>
+                </a:ln>
+                <a:solidFill>
+                  <a:srgbClr val="FF0000"/>
+                </a:solidFill>
+                <a:latin typeface="+mn-ea"/>
+              </a:rPr>
+              <a:t>ex) </a:t>
+            </a:r>
+            <a:r>
+              <a:rPr lang="ko-KR" altLang="en-US" sz="2400" spc="-90" baseline="-25000" dirty="0">
+                <a:ln>
+                  <a:solidFill>
+                    <a:srgbClr val="333944">
+                      <a:alpha val="0"/>
+                    </a:srgbClr>
+                  </a:solidFill>
+                </a:ln>
+                <a:solidFill>
+                  <a:srgbClr val="FF0000"/>
+                </a:solidFill>
+                <a:latin typeface="+mn-ea"/>
+              </a:rPr>
+              <a:t>지도</a:t>
+            </a:r>
+            <a:endParaRPr lang="en-US" altLang="ko-KR" sz="2400" spc="-90" baseline="-25000" dirty="0">
+              <a:ln>
+                <a:solidFill>
+                  <a:srgbClr val="333944">
+                    <a:alpha val="0"/>
+                  </a:srgbClr>
+                </a:solidFill>
+              </a:ln>
+              <a:solidFill>
+                <a:srgbClr val="FF0000"/>
+              </a:solidFill>
+              <a:latin typeface="+mn-ea"/>
+            </a:endParaRPr>
+          </a:p>
+          <a:p>
+            <a:r>
+              <a:rPr lang="en-US" altLang="ko-KR" sz="2400" spc="-90" baseline="-25000" dirty="0">
+                <a:ln>
+                  <a:solidFill>
+                    <a:srgbClr val="333944">
+                      <a:alpha val="0"/>
+                    </a:srgbClr>
+                  </a:solidFill>
+                </a:ln>
+                <a:solidFill>
+                  <a:srgbClr val="FF0000"/>
+                </a:solidFill>
+                <a:latin typeface="+mn-ea"/>
+              </a:rPr>
+              <a:t>URL </a:t>
+            </a:r>
+            <a:r>
+              <a:rPr lang="ko-KR" altLang="en-US" sz="2400" spc="-90" baseline="-25000" dirty="0">
+                <a:ln>
+                  <a:solidFill>
+                    <a:srgbClr val="333944">
+                      <a:alpha val="0"/>
+                    </a:srgbClr>
+                  </a:solidFill>
+                </a:ln>
+                <a:solidFill>
+                  <a:srgbClr val="FF0000"/>
+                </a:solidFill>
+                <a:latin typeface="+mn-ea"/>
+              </a:rPr>
+              <a:t>연동 링크</a:t>
+            </a:r>
+            <a:endParaRPr lang="en-US" altLang="ko-KR" sz="2400" spc="-90" baseline="-25000" dirty="0">
+              <a:ln>
+                <a:solidFill>
+                  <a:srgbClr val="333944">
+                    <a:alpha val="0"/>
+                  </a:srgbClr>
+                </a:solidFill>
+              </a:ln>
+              <a:solidFill>
+                <a:srgbClr val="FF0000"/>
+              </a:solidFill>
+              <a:latin typeface="+mn-ea"/>
+            </a:endParaRPr>
+          </a:p>
+          <a:p>
+            <a:r>
+              <a:rPr lang="ko-KR" altLang="en-US" sz="2400" spc="-90" baseline="-25000" dirty="0" err="1">
+                <a:ln>
+                  <a:solidFill>
+                    <a:srgbClr val="333944">
+                      <a:alpha val="0"/>
+                    </a:srgbClr>
+                  </a:solidFill>
+                </a:ln>
+                <a:solidFill>
+                  <a:srgbClr val="FF0000"/>
+                </a:solidFill>
+                <a:latin typeface="+mn-ea"/>
+              </a:rPr>
+              <a:t>새로고침</a:t>
+            </a:r>
+            <a:endParaRPr lang="en-US" altLang="ko-KR" sz="2400" spc="-90" baseline="-25000" dirty="0">
+              <a:ln>
+                <a:solidFill>
+                  <a:srgbClr val="333944">
+                    <a:alpha val="0"/>
+                  </a:srgbClr>
+                </a:solidFill>
+              </a:ln>
+              <a:solidFill>
+                <a:srgbClr val="FF0000"/>
+              </a:solidFill>
+              <a:latin typeface="+mn-ea"/>
+            </a:endParaRPr>
+          </a:p>
+          <a:p>
+            <a:endParaRPr lang="en-US" altLang="ko-KR" sz="2400" spc="-90" baseline="-25000" dirty="0">
+              <a:ln>
+                <a:solidFill>
+                  <a:srgbClr val="333944">
+                    <a:alpha val="0"/>
+                  </a:srgbClr>
+                </a:solidFill>
+              </a:ln>
+              <a:solidFill>
+                <a:srgbClr val="FF0000"/>
+              </a:solidFill>
+              <a:latin typeface="+mn-ea"/>
+            </a:endParaRPr>
+          </a:p>
+        </p:txBody>
+      </p:sp>
+      <p:sp>
+        <p:nvSpPr>
+          <p:cNvPr id="10" name="직사각형 9">
+            <a:extLst>
+              <a:ext uri="{FF2B5EF4-FFF2-40B4-BE49-F238E27FC236}">
+                <a16:creationId xmlns:a16="http://schemas.microsoft.com/office/drawing/2014/main" id="{2636C099-33FD-4EF6-886D-5769BB046BD0}"/>
+              </a:ext>
+            </a:extLst>
+          </p:cNvPr>
+          <p:cNvSpPr/>
+          <p:nvPr/>
+        </p:nvSpPr>
+        <p:spPr>
+          <a:xfrm>
+            <a:off x="8067810" y="1260052"/>
+            <a:ext cx="3500061" cy="338554"/>
+          </a:xfrm>
+          <a:prstGeom prst="rect">
+            <a:avLst/>
+          </a:prstGeom>
+        </p:spPr>
+        <p:txBody>
+          <a:bodyPr wrap="none">
+            <a:spAutoFit/>
+          </a:bodyPr>
+          <a:lstStyle/>
+          <a:p>
+            <a:r>
+              <a:rPr lang="ko-KR" altLang="en-US" sz="1600" spc="-90" dirty="0" err="1">
+                <a:ln>
+                  <a:solidFill>
+                    <a:srgbClr val="333944">
+                      <a:alpha val="0"/>
+                    </a:srgbClr>
+                  </a:solidFill>
+                </a:ln>
+                <a:solidFill>
+                  <a:srgbClr val="FF0000"/>
+                </a:solidFill>
+                <a:latin typeface="+mj-ea"/>
+              </a:rPr>
+              <a:t>text로</a:t>
+            </a:r>
+            <a:r>
+              <a:rPr lang="ko-KR" altLang="en-US" sz="1600" spc="-90" dirty="0">
+                <a:ln>
+                  <a:solidFill>
+                    <a:srgbClr val="333944">
+                      <a:alpha val="0"/>
+                    </a:srgbClr>
+                  </a:solidFill>
+                </a:ln>
+                <a:solidFill>
+                  <a:srgbClr val="FF0000"/>
+                </a:solidFill>
+                <a:latin typeface="+mj-ea"/>
+              </a:rPr>
+              <a:t> 구현을 다 한 다음에 </a:t>
+            </a:r>
+            <a:r>
+              <a:rPr lang="ko-KR" altLang="en-US" sz="1600" spc="-90" dirty="0" err="1">
+                <a:ln>
+                  <a:solidFill>
+                    <a:srgbClr val="333944">
+                      <a:alpha val="0"/>
+                    </a:srgbClr>
+                  </a:solidFill>
+                </a:ln>
+                <a:solidFill>
+                  <a:srgbClr val="FF0000"/>
+                </a:solidFill>
+                <a:latin typeface="+mj-ea"/>
+              </a:rPr>
+              <a:t>GUI로</a:t>
+            </a:r>
+            <a:r>
+              <a:rPr lang="ko-KR" altLang="en-US" sz="1600" spc="-90" dirty="0">
+                <a:ln>
+                  <a:solidFill>
+                    <a:srgbClr val="333944">
+                      <a:alpha val="0"/>
+                    </a:srgbClr>
+                  </a:solidFill>
+                </a:ln>
+                <a:solidFill>
+                  <a:srgbClr val="FF0000"/>
+                </a:solidFill>
+                <a:latin typeface="+mj-ea"/>
+              </a:rPr>
+              <a:t> 바꾸는 것</a:t>
+            </a:r>
           </a:p>
         </p:txBody>
       </p:sp>
@@ -14581,8 +14981,8 @@
         </p:nvSpPr>
         <p:spPr>
           <a:xfrm>
-            <a:off x="9884284" y="4102425"/>
-            <a:ext cx="2609432" cy="338554"/>
+            <a:off x="9912276" y="5166115"/>
+            <a:ext cx="3176511" cy="338554"/>
           </a:xfrm>
           <a:prstGeom prst="rect">
             <a:avLst/>
@@ -14625,7 +15025,7 @@
                 </a:solidFill>
                 <a:latin typeface="+mn-ea"/>
               </a:rPr>
-              <a:t>text</a:t>
+              <a:t>GUI</a:t>
             </a:r>
             <a:r>
               <a:rPr lang="ko-KR" altLang="en-US" sz="2400" spc="-90" baseline="-25000" dirty="0">
@@ -14641,8 +15041,37 @@
                 </a:solidFill>
                 <a:latin typeface="+mn-ea"/>
               </a:rPr>
-              <a:t>로 다 끝내기</a:t>
-            </a:r>
+              <a:t>까지 다 끝내기 </a:t>
+            </a:r>
+            <a:r>
+              <a:rPr lang="ko-KR" altLang="en-US" sz="2400" spc="-90" baseline="-25000" dirty="0" err="1">
+                <a:ln>
+                  <a:solidFill>
+                    <a:srgbClr val="333944">
+                      <a:alpha val="0"/>
+                    </a:srgbClr>
+                  </a:solidFill>
+                </a:ln>
+                <a:solidFill>
+                  <a:srgbClr val="FF0000"/>
+                </a:solidFill>
+                <a:latin typeface="+mn-ea"/>
+              </a:rPr>
+              <a:t>ㅁㅊ</a:t>
+            </a:r>
+            <a:endParaRPr lang="ko-KR" altLang="en-US" sz="2400" spc="-90" baseline="-25000" dirty="0">
+              <a:ln>
+                <a:solidFill>
+                  <a:srgbClr val="333944">
+                    <a:alpha val="0"/>
+                  </a:srgbClr>
+                </a:solidFill>
+              </a:ln>
+              <a:solidFill>
+                <a:srgbClr val="FF0000"/>
+              </a:solidFill>
+              <a:latin typeface="+mn-ea"/>
+            </a:endParaRPr>
           </a:p>
         </p:txBody>
       </p:sp>
@@ -14650,6 +15079,1541 @@
     <p:extLst>
       <p:ext uri="{BB962C8B-B14F-4D97-AF65-F5344CB8AC3E}">
         <p14:creationId xmlns:p14="http://schemas.microsoft.com/office/powerpoint/2010/main" val="291899696"/>
+      </p:ext>
+    </p:extLst>
+  </p:cSld>
+  <p:clrMapOvr>
+    <a:masterClrMapping/>
+  </p:clrMapOvr>
+</p:sld>
+</file>
+
+<file path=ppt/slides/slide8.xml><?xml version="1.0" encoding="utf-8"?>
+<p:sld xmlns:a="http://schemas.openxmlformats.org/drawingml/2006/main" xmlns:r="http://schemas.openxmlformats.org/officeDocument/2006/relationships" xmlns:p="http://schemas.openxmlformats.org/presentationml/2006/main">
+  <p:cSld>
+    <p:bg>
+      <p:bgPr>
+        <a:solidFill>
+          <a:schemeClr val="tx1"/>
+        </a:solidFill>
+        <a:effectLst/>
+      </p:bgPr>
+    </p:bg>
+    <p:spTree>
+      <p:nvGrpSpPr>
+        <p:cNvPr id="1" name=""/>
+        <p:cNvGrpSpPr/>
+        <p:nvPr/>
+      </p:nvGrpSpPr>
+      <p:grpSpPr>
+        <a:xfrm>
+          <a:off x="0" y="0"/>
+          <a:ext cx="0" cy="0"/>
+          <a:chOff x="0" y="0"/>
+          <a:chExt cx="0" cy="0"/>
+        </a:xfrm>
+      </p:grpSpPr>
+      <p:pic>
+        <p:nvPicPr>
+          <p:cNvPr id="15" name="그림 14">
+            <a:extLst>
+              <a:ext uri="{FF2B5EF4-FFF2-40B4-BE49-F238E27FC236}">
+                <a16:creationId xmlns:a16="http://schemas.microsoft.com/office/drawing/2014/main" id="{CD3C21AE-EDBE-4B25-9C9A-DA0AA2583E38}"/>
+              </a:ext>
+            </a:extLst>
+          </p:cNvPr>
+          <p:cNvPicPr>
+            <a:picLocks noChangeAspect="1"/>
+          </p:cNvPicPr>
+          <p:nvPr/>
+        </p:nvPicPr>
+        <p:blipFill>
+          <a:blip r:embed="rId3">
+            <a:extLst>
+              <a:ext uri="{28A0092B-C50C-407E-A947-70E740481C1C}">
+                <a14:useLocalDpi xmlns:a14="http://schemas.microsoft.com/office/drawing/2010/main" val="0"/>
+              </a:ext>
+            </a:extLst>
+          </a:blip>
+          <a:stretch>
+            <a:fillRect/>
+          </a:stretch>
+        </p:blipFill>
+        <p:spPr>
+          <a:xfrm>
+            <a:off x="1769190" y="1278294"/>
+            <a:ext cx="3334782" cy="5114402"/>
+          </a:xfrm>
+          <a:prstGeom prst="rect">
+            <a:avLst/>
+          </a:prstGeom>
+        </p:spPr>
+      </p:pic>
+      <p:sp>
+        <p:nvSpPr>
+          <p:cNvPr id="6" name="직사각형 5">
+            <a:extLst>
+              <a:ext uri="{FF2B5EF4-FFF2-40B4-BE49-F238E27FC236}">
+                <a16:creationId xmlns:a16="http://schemas.microsoft.com/office/drawing/2014/main" id="{C9DFBDE5-55ED-4344-B765-5A82E5E573C8}"/>
+              </a:ext>
+            </a:extLst>
+          </p:cNvPr>
+          <p:cNvSpPr/>
+          <p:nvPr/>
+        </p:nvSpPr>
+        <p:spPr>
+          <a:xfrm>
+            <a:off x="1890361" y="1558212"/>
+            <a:ext cx="7068814" cy="4711959"/>
+          </a:xfrm>
+          <a:prstGeom prst="rect">
+            <a:avLst/>
+          </a:prstGeom>
+          <a:solidFill>
+            <a:srgbClr val="F0F0F0"/>
+          </a:solidFill>
+          <a:ln>
+            <a:noFill/>
+          </a:ln>
+        </p:spPr>
+        <p:style>
+          <a:lnRef idx="2">
+            <a:schemeClr val="accent1">
+              <a:shade val="50000"/>
+            </a:schemeClr>
+          </a:lnRef>
+          <a:fillRef idx="1">
+            <a:schemeClr val="accent1"/>
+          </a:fillRef>
+          <a:effectRef idx="0">
+            <a:schemeClr val="accent1"/>
+          </a:effectRef>
+          <a:fontRef idx="minor">
+            <a:schemeClr val="lt1"/>
+          </a:fontRef>
+        </p:style>
+        <p:txBody>
+          <a:bodyPr rtlCol="0" anchor="ctr"/>
+          <a:lstStyle/>
+          <a:p>
+            <a:pPr algn="ctr"/>
+            <a:endParaRPr lang="ko-KR" altLang="en-US"/>
+          </a:p>
+        </p:txBody>
+      </p:sp>
+      <p:sp>
+        <p:nvSpPr>
+          <p:cNvPr id="39" name="텍스트 개체 틀 6">
+            <a:extLst>
+              <a:ext uri="{FF2B5EF4-FFF2-40B4-BE49-F238E27FC236}">
+                <a16:creationId xmlns:a16="http://schemas.microsoft.com/office/drawing/2014/main" id="{A4B67C04-C07E-411B-9BBD-60F92FD12630}"/>
+              </a:ext>
+            </a:extLst>
+          </p:cNvPr>
+          <p:cNvSpPr>
+            <a:spLocks noGrp="1"/>
+          </p:cNvSpPr>
+          <p:nvPr>
+            <p:ph type="body" sz="quarter" idx="10"/>
+          </p:nvPr>
+        </p:nvSpPr>
+        <p:spPr>
+          <a:xfrm rot="20700000">
+            <a:off x="-92616" y="6368928"/>
+            <a:ext cx="1357853" cy="148490"/>
+          </a:xfrm>
+        </p:spPr>
+        <p:txBody>
+          <a:bodyPr/>
+          <a:lstStyle/>
+          <a:p>
+            <a:r>
+              <a:rPr lang="en-US" altLang="ko-KR" sz="700" dirty="0">
+                <a:solidFill>
+                  <a:sysClr val="windowText" lastClr="000000"/>
+                </a:solidFill>
+              </a:rPr>
+              <a:t>DESIGNED BY J2YLHR</a:t>
+            </a:r>
+            <a:endParaRPr lang="ko-KR" altLang="en-US" sz="700" dirty="0">
+              <a:solidFill>
+                <a:sysClr val="windowText" lastClr="000000"/>
+              </a:solidFill>
+            </a:endParaRPr>
+          </a:p>
+        </p:txBody>
+      </p:sp>
+      <p:sp>
+        <p:nvSpPr>
+          <p:cNvPr id="41" name="제목 1">
+            <a:extLst>
+              <a:ext uri="{FF2B5EF4-FFF2-40B4-BE49-F238E27FC236}">
+                <a16:creationId xmlns:a16="http://schemas.microsoft.com/office/drawing/2014/main" id="{050BEDC2-6A72-4853-8206-F9F7A6EF997D}"/>
+              </a:ext>
+            </a:extLst>
+          </p:cNvPr>
+          <p:cNvSpPr>
+            <a:spLocks noGrp="1"/>
+          </p:cNvSpPr>
+          <p:nvPr>
+            <p:ph type="title"/>
+          </p:nvPr>
+        </p:nvSpPr>
+        <p:spPr>
+          <a:xfrm>
+            <a:off x="1378105" y="309257"/>
+            <a:ext cx="10823420" cy="541314"/>
+          </a:xfrm>
+        </p:spPr>
+        <p:txBody>
+          <a:bodyPr/>
+          <a:lstStyle/>
+          <a:p>
+            <a:r>
+              <a:rPr lang="en-US" altLang="ko-KR" sz="3200" spc="0" dirty="0" err="1">
+                <a:solidFill>
+                  <a:sysClr val="windowText" lastClr="000000"/>
+                </a:solidFill>
+                <a:latin typeface="+mj-ea"/>
+              </a:rPr>
+              <a:t>tkinter</a:t>
+            </a:r>
+            <a:r>
+              <a:rPr lang="ko-KR" altLang="en-US" sz="3200" spc="0" dirty="0">
+                <a:solidFill>
+                  <a:sysClr val="windowText" lastClr="000000"/>
+                </a:solidFill>
+                <a:latin typeface="+mj-ea"/>
+              </a:rPr>
+              <a:t> </a:t>
+            </a:r>
+            <a:r>
+              <a:rPr lang="en-US" altLang="ko-KR" sz="3200" spc="0" dirty="0">
+                <a:solidFill>
+                  <a:sysClr val="windowText" lastClr="000000"/>
+                </a:solidFill>
+                <a:latin typeface="+mj-ea"/>
+              </a:rPr>
+              <a:t>GUI</a:t>
+            </a:r>
+            <a:endParaRPr lang="ko-KR" altLang="en-US" sz="3200" spc="0" dirty="0">
+              <a:solidFill>
+                <a:sysClr val="windowText" lastClr="000000"/>
+              </a:solidFill>
+              <a:latin typeface="+mj-ea"/>
+            </a:endParaRPr>
+          </a:p>
+        </p:txBody>
+      </p:sp>
+      <p:sp>
+        <p:nvSpPr>
+          <p:cNvPr id="35" name="직사각형 34">
+            <a:extLst>
+              <a:ext uri="{FF2B5EF4-FFF2-40B4-BE49-F238E27FC236}">
+                <a16:creationId xmlns:a16="http://schemas.microsoft.com/office/drawing/2014/main" id="{7B8DE86D-16EF-4DF4-8E47-4E71D259B96F}"/>
+              </a:ext>
+            </a:extLst>
+          </p:cNvPr>
+          <p:cNvSpPr/>
+          <p:nvPr/>
+        </p:nvSpPr>
+        <p:spPr>
+          <a:xfrm>
+            <a:off x="118536" y="1026282"/>
+            <a:ext cx="1098760" cy="1076838"/>
+          </a:xfrm>
+          <a:prstGeom prst="rect">
+            <a:avLst/>
+          </a:prstGeom>
+          <a:solidFill>
+            <a:schemeClr val="tx1"/>
+          </a:solidFill>
+          <a:ln>
+            <a:noFill/>
+          </a:ln>
+        </p:spPr>
+        <p:style>
+          <a:lnRef idx="2">
+            <a:schemeClr val="accent1">
+              <a:shade val="50000"/>
+            </a:schemeClr>
+          </a:lnRef>
+          <a:fillRef idx="1">
+            <a:schemeClr val="accent1"/>
+          </a:fillRef>
+          <a:effectRef idx="0">
+            <a:schemeClr val="accent1"/>
+          </a:effectRef>
+          <a:fontRef idx="minor">
+            <a:schemeClr val="lt1"/>
+          </a:fontRef>
+        </p:style>
+        <p:txBody>
+          <a:bodyPr rtlCol="0" anchor="ctr"/>
+          <a:lstStyle/>
+          <a:p>
+            <a:pPr algn="ctr"/>
+            <a:endParaRPr lang="ko-KR" altLang="en-US" sz="1600"/>
+          </a:p>
+        </p:txBody>
+      </p:sp>
+      <p:cxnSp>
+        <p:nvCxnSpPr>
+          <p:cNvPr id="52" name="직선 연결선 51">
+            <a:extLst>
+              <a:ext uri="{FF2B5EF4-FFF2-40B4-BE49-F238E27FC236}">
+                <a16:creationId xmlns:a16="http://schemas.microsoft.com/office/drawing/2014/main" id="{785A276B-C727-41CE-92EC-3C96B9FFD977}"/>
+              </a:ext>
+            </a:extLst>
+          </p:cNvPr>
+          <p:cNvCxnSpPr>
+            <a:cxnSpLocks/>
+          </p:cNvCxnSpPr>
+          <p:nvPr/>
+        </p:nvCxnSpPr>
+        <p:spPr>
+          <a:xfrm>
+            <a:off x="1890361" y="1026282"/>
+            <a:ext cx="9798908" cy="0"/>
+          </a:xfrm>
+          <a:prstGeom prst="line">
+            <a:avLst/>
+          </a:prstGeom>
+          <a:ln>
+            <a:solidFill>
+              <a:schemeClr val="tx1"/>
+            </a:solidFill>
+          </a:ln>
+        </p:spPr>
+        <p:style>
+          <a:lnRef idx="1">
+            <a:schemeClr val="accent1"/>
+          </a:lnRef>
+          <a:fillRef idx="0">
+            <a:schemeClr val="accent1"/>
+          </a:fillRef>
+          <a:effectRef idx="0">
+            <a:schemeClr val="accent1"/>
+          </a:effectRef>
+          <a:fontRef idx="minor">
+            <a:schemeClr val="tx1"/>
+          </a:fontRef>
+        </p:style>
+      </p:cxnSp>
+      <p:pic>
+        <p:nvPicPr>
+          <p:cNvPr id="10" name="그림 9">
+            <a:extLst>
+              <a:ext uri="{FF2B5EF4-FFF2-40B4-BE49-F238E27FC236}">
+                <a16:creationId xmlns:a16="http://schemas.microsoft.com/office/drawing/2014/main" id="{96748EE9-6A21-4987-89F5-6D8666E66BAC}"/>
+              </a:ext>
+            </a:extLst>
+          </p:cNvPr>
+          <p:cNvPicPr>
+            <a:picLocks noChangeAspect="1"/>
+          </p:cNvPicPr>
+          <p:nvPr/>
+        </p:nvPicPr>
+        <p:blipFill>
+          <a:blip r:embed="rId4"/>
+          <a:stretch>
+            <a:fillRect/>
+          </a:stretch>
+        </p:blipFill>
+        <p:spPr>
+          <a:xfrm>
+            <a:off x="101799" y="48424"/>
+            <a:ext cx="1270802" cy="1229870"/>
+          </a:xfrm>
+          <a:prstGeom prst="rect">
+            <a:avLst/>
+          </a:prstGeom>
+        </p:spPr>
+      </p:pic>
+      <p:pic>
+        <p:nvPicPr>
+          <p:cNvPr id="11" name="그림 10">
+            <a:extLst>
+              <a:ext uri="{FF2B5EF4-FFF2-40B4-BE49-F238E27FC236}">
+                <a16:creationId xmlns:a16="http://schemas.microsoft.com/office/drawing/2014/main" id="{A9320858-3A88-4A91-8A97-A7E6D48F91CB}"/>
+              </a:ext>
+            </a:extLst>
+          </p:cNvPr>
+          <p:cNvPicPr>
+            <a:picLocks noChangeAspect="1"/>
+          </p:cNvPicPr>
+          <p:nvPr/>
+        </p:nvPicPr>
+        <p:blipFill>
+          <a:blip r:embed="rId3">
+            <a:extLst>
+              <a:ext uri="{28A0092B-C50C-407E-A947-70E740481C1C}">
+                <a14:useLocalDpi xmlns:a14="http://schemas.microsoft.com/office/drawing/2010/main" val="0"/>
+              </a:ext>
+            </a:extLst>
+          </a:blip>
+          <a:stretch>
+            <a:fillRect/>
+          </a:stretch>
+        </p:blipFill>
+        <p:spPr>
+          <a:xfrm>
+            <a:off x="-1667391" y="1278294"/>
+            <a:ext cx="3334782" cy="5114402"/>
+          </a:xfrm>
+          <a:prstGeom prst="rect">
+            <a:avLst/>
+          </a:prstGeom>
+        </p:spPr>
+      </p:pic>
+      <p:sp>
+        <p:nvSpPr>
+          <p:cNvPr id="12" name="직사각형 11">
+            <a:extLst>
+              <a:ext uri="{FF2B5EF4-FFF2-40B4-BE49-F238E27FC236}">
+                <a16:creationId xmlns:a16="http://schemas.microsoft.com/office/drawing/2014/main" id="{D62821FF-6F71-4A53-955E-C1EA7E14FBC7}"/>
+              </a:ext>
+            </a:extLst>
+          </p:cNvPr>
+          <p:cNvSpPr/>
+          <p:nvPr/>
+        </p:nvSpPr>
+        <p:spPr>
+          <a:xfrm>
+            <a:off x="9250070" y="1925071"/>
+            <a:ext cx="4109000" cy="3906647"/>
+          </a:xfrm>
+          <a:prstGeom prst="rect">
+            <a:avLst/>
+          </a:prstGeom>
+        </p:spPr>
+        <p:txBody>
+          <a:bodyPr wrap="square">
+            <a:spAutoFit/>
+          </a:bodyPr>
+          <a:lstStyle/>
+          <a:p>
+            <a:pPr marL="514350" indent="-514350">
+              <a:lnSpc>
+                <a:spcPct val="150000"/>
+              </a:lnSpc>
+              <a:buAutoNum type="arabicPeriod"/>
+            </a:pPr>
+            <a:r>
+              <a:rPr lang="ko-KR" altLang="en-US" sz="2800" spc="-90" dirty="0">
+                <a:ln>
+                  <a:solidFill>
+                    <a:srgbClr val="333944">
+                      <a:alpha val="0"/>
+                    </a:srgbClr>
+                  </a:solidFill>
+                </a:ln>
+                <a:solidFill>
+                  <a:sysClr val="windowText" lastClr="000000"/>
+                </a:solidFill>
+                <a:latin typeface="+mj-ea"/>
+              </a:rPr>
+              <a:t>영화 정보 검색</a:t>
+            </a:r>
+            <a:endParaRPr lang="en-US" altLang="ko-KR" sz="2800" spc="-90" dirty="0">
+              <a:ln>
+                <a:solidFill>
+                  <a:srgbClr val="333944">
+                    <a:alpha val="0"/>
+                  </a:srgbClr>
+                </a:solidFill>
+              </a:ln>
+              <a:solidFill>
+                <a:sysClr val="windowText" lastClr="000000"/>
+              </a:solidFill>
+              <a:latin typeface="+mj-ea"/>
+            </a:endParaRPr>
+          </a:p>
+          <a:p>
+            <a:pPr marL="514350" indent="-514350">
+              <a:lnSpc>
+                <a:spcPct val="150000"/>
+              </a:lnSpc>
+              <a:buAutoNum type="arabicPeriod"/>
+            </a:pPr>
+            <a:r>
+              <a:rPr lang="ko-KR" altLang="en-US" sz="2800" spc="-90" dirty="0">
+                <a:ln>
+                  <a:solidFill>
+                    <a:srgbClr val="333944">
+                      <a:alpha val="0"/>
+                    </a:srgbClr>
+                  </a:solidFill>
+                </a:ln>
+                <a:solidFill>
+                  <a:sysClr val="windowText" lastClr="000000"/>
+                </a:solidFill>
+                <a:latin typeface="+mj-ea"/>
+              </a:rPr>
+              <a:t>이미지 출력</a:t>
+            </a:r>
+            <a:endParaRPr lang="en-US" altLang="ko-KR" sz="2800" spc="-90" dirty="0">
+              <a:ln>
+                <a:solidFill>
+                  <a:srgbClr val="333944">
+                    <a:alpha val="0"/>
+                  </a:srgbClr>
+                </a:solidFill>
+              </a:ln>
+              <a:solidFill>
+                <a:sysClr val="windowText" lastClr="000000"/>
+              </a:solidFill>
+              <a:latin typeface="+mj-ea"/>
+            </a:endParaRPr>
+          </a:p>
+          <a:p>
+            <a:pPr marL="514350" indent="-514350">
+              <a:lnSpc>
+                <a:spcPct val="150000"/>
+              </a:lnSpc>
+              <a:buAutoNum type="arabicPeriod"/>
+            </a:pPr>
+            <a:r>
+              <a:rPr lang="ko-KR" altLang="en-US" sz="2800" spc="-90" dirty="0">
+                <a:ln>
+                  <a:solidFill>
+                    <a:srgbClr val="333944">
+                      <a:alpha val="0"/>
+                    </a:srgbClr>
+                  </a:solidFill>
+                </a:ln>
+                <a:solidFill>
+                  <a:sysClr val="windowText" lastClr="000000"/>
+                </a:solidFill>
+                <a:latin typeface="+mj-ea"/>
+              </a:rPr>
+              <a:t>필터링 </a:t>
+            </a:r>
+            <a:r>
+              <a:rPr lang="en-US" altLang="ko-KR" sz="2800" spc="-90" dirty="0">
+                <a:ln>
+                  <a:solidFill>
+                    <a:srgbClr val="333944">
+                      <a:alpha val="0"/>
+                    </a:srgbClr>
+                  </a:solidFill>
+                </a:ln>
+                <a:solidFill>
+                  <a:sysClr val="windowText" lastClr="000000"/>
+                </a:solidFill>
+                <a:latin typeface="+mj-ea"/>
+              </a:rPr>
+              <a:t>(</a:t>
+            </a:r>
+            <a:r>
+              <a:rPr lang="ko-KR" altLang="en-US" sz="2800" spc="-90" dirty="0">
+                <a:ln>
+                  <a:solidFill>
+                    <a:srgbClr val="333944">
+                      <a:alpha val="0"/>
+                    </a:srgbClr>
+                  </a:solidFill>
+                </a:ln>
+                <a:solidFill>
+                  <a:sysClr val="windowText" lastClr="000000"/>
+                </a:solidFill>
+                <a:latin typeface="+mj-ea"/>
+              </a:rPr>
+              <a:t>장르</a:t>
+            </a:r>
+            <a:r>
+              <a:rPr lang="en-US" altLang="ko-KR" sz="2800" spc="-90" dirty="0">
+                <a:ln>
+                  <a:solidFill>
+                    <a:srgbClr val="333944">
+                      <a:alpha val="0"/>
+                    </a:srgbClr>
+                  </a:solidFill>
+                </a:ln>
+                <a:solidFill>
+                  <a:sysClr val="windowText" lastClr="000000"/>
+                </a:solidFill>
+                <a:latin typeface="+mj-ea"/>
+              </a:rPr>
+              <a:t>, </a:t>
+            </a:r>
+            <a:r>
+              <a:rPr lang="ko-KR" altLang="en-US" sz="2800" spc="-90" dirty="0">
+                <a:ln>
+                  <a:solidFill>
+                    <a:srgbClr val="333944">
+                      <a:alpha val="0"/>
+                    </a:srgbClr>
+                  </a:solidFill>
+                </a:ln>
+                <a:solidFill>
+                  <a:sysClr val="windowText" lastClr="000000"/>
+                </a:solidFill>
+                <a:latin typeface="+mj-ea"/>
+              </a:rPr>
+              <a:t>국가코드</a:t>
+            </a:r>
+            <a:r>
+              <a:rPr lang="en-US" altLang="ko-KR" sz="2800" spc="-90" dirty="0">
+                <a:ln>
+                  <a:solidFill>
+                    <a:srgbClr val="333944">
+                      <a:alpha val="0"/>
+                    </a:srgbClr>
+                  </a:solidFill>
+                </a:ln>
+                <a:solidFill>
+                  <a:sysClr val="windowText" lastClr="000000"/>
+                </a:solidFill>
+                <a:latin typeface="+mj-ea"/>
+              </a:rPr>
+              <a:t>)</a:t>
+            </a:r>
+          </a:p>
+          <a:p>
+            <a:pPr marL="514350" indent="-514350">
+              <a:lnSpc>
+                <a:spcPct val="150000"/>
+              </a:lnSpc>
+              <a:buAutoNum type="arabicPeriod"/>
+            </a:pPr>
+            <a:r>
+              <a:rPr lang="ko-KR" altLang="en-US" sz="2800" spc="-90" dirty="0" err="1">
+                <a:ln>
+                  <a:solidFill>
+                    <a:srgbClr val="333944">
+                      <a:alpha val="0"/>
+                    </a:srgbClr>
+                  </a:solidFill>
+                </a:ln>
+                <a:solidFill>
+                  <a:sysClr val="windowText" lastClr="000000"/>
+                </a:solidFill>
+                <a:latin typeface="+mj-ea"/>
+              </a:rPr>
+              <a:t>북마크</a:t>
+            </a:r>
+            <a:endParaRPr lang="en-US" altLang="ko-KR" sz="2800" spc="-90" dirty="0">
+              <a:ln>
+                <a:solidFill>
+                  <a:srgbClr val="333944">
+                    <a:alpha val="0"/>
+                  </a:srgbClr>
+                </a:solidFill>
+              </a:ln>
+              <a:solidFill>
+                <a:sysClr val="windowText" lastClr="000000"/>
+              </a:solidFill>
+              <a:latin typeface="+mj-ea"/>
+            </a:endParaRPr>
+          </a:p>
+          <a:p>
+            <a:pPr marL="514350" indent="-514350">
+              <a:lnSpc>
+                <a:spcPct val="150000"/>
+              </a:lnSpc>
+              <a:buAutoNum type="arabicPeriod"/>
+            </a:pPr>
+            <a:r>
+              <a:rPr lang="ko-KR" altLang="en-US" sz="2800" spc="-90" dirty="0">
+                <a:ln>
+                  <a:solidFill>
+                    <a:srgbClr val="333944">
+                      <a:alpha val="0"/>
+                    </a:srgbClr>
+                  </a:solidFill>
+                </a:ln>
+                <a:solidFill>
+                  <a:sysClr val="windowText" lastClr="000000"/>
+                </a:solidFill>
+                <a:latin typeface="+mj-ea"/>
+              </a:rPr>
+              <a:t>이메일 전송</a:t>
+            </a:r>
+            <a:endParaRPr lang="en-US" altLang="ko-KR" sz="2800" spc="-90" dirty="0">
+              <a:ln>
+                <a:solidFill>
+                  <a:srgbClr val="333944">
+                    <a:alpha val="0"/>
+                  </a:srgbClr>
+                </a:solidFill>
+              </a:ln>
+              <a:solidFill>
+                <a:sysClr val="windowText" lastClr="000000"/>
+              </a:solidFill>
+              <a:latin typeface="+mj-ea"/>
+            </a:endParaRPr>
+          </a:p>
+          <a:p>
+            <a:pPr marL="514350" indent="-514350">
+              <a:lnSpc>
+                <a:spcPct val="150000"/>
+              </a:lnSpc>
+              <a:buAutoNum type="arabicPeriod"/>
+            </a:pPr>
+            <a:r>
+              <a:rPr lang="ko-KR" altLang="en-US" sz="2800" spc="-90" dirty="0" err="1">
+                <a:ln>
+                  <a:solidFill>
+                    <a:srgbClr val="333944">
+                      <a:alpha val="0"/>
+                    </a:srgbClr>
+                  </a:solidFill>
+                </a:ln>
+                <a:solidFill>
+                  <a:sysClr val="windowText" lastClr="000000"/>
+                </a:solidFill>
+                <a:latin typeface="+mj-ea"/>
+              </a:rPr>
+              <a:t>텔레그램</a:t>
+            </a:r>
+            <a:r>
+              <a:rPr lang="ko-KR" altLang="en-US" sz="2800" spc="-90" dirty="0">
+                <a:ln>
+                  <a:solidFill>
+                    <a:srgbClr val="333944">
+                      <a:alpha val="0"/>
+                    </a:srgbClr>
+                  </a:solidFill>
+                </a:ln>
+                <a:solidFill>
+                  <a:sysClr val="windowText" lastClr="000000"/>
+                </a:solidFill>
+                <a:latin typeface="+mj-ea"/>
+              </a:rPr>
+              <a:t> 연동</a:t>
+            </a:r>
+            <a:endParaRPr lang="en-US" altLang="ko-KR" sz="2800" spc="-90" dirty="0">
+              <a:ln>
+                <a:solidFill>
+                  <a:srgbClr val="333944">
+                    <a:alpha val="0"/>
+                  </a:srgbClr>
+                </a:solidFill>
+              </a:ln>
+              <a:solidFill>
+                <a:sysClr val="windowText" lastClr="000000"/>
+              </a:solidFill>
+              <a:latin typeface="+mj-ea"/>
+            </a:endParaRPr>
+          </a:p>
+        </p:txBody>
+      </p:sp>
+      <p:sp>
+        <p:nvSpPr>
+          <p:cNvPr id="3" name="TextBox 2">
+            <a:extLst>
+              <a:ext uri="{FF2B5EF4-FFF2-40B4-BE49-F238E27FC236}">
+                <a16:creationId xmlns:a16="http://schemas.microsoft.com/office/drawing/2014/main" id="{54D87B6F-71F2-4E8B-9DC7-C452E24ED884}"/>
+              </a:ext>
+            </a:extLst>
+          </p:cNvPr>
+          <p:cNvSpPr txBox="1"/>
+          <p:nvPr/>
+        </p:nvSpPr>
+        <p:spPr>
+          <a:xfrm>
+            <a:off x="2608978" y="1527377"/>
+            <a:ext cx="1561646" cy="369332"/>
+          </a:xfrm>
+          <a:prstGeom prst="rect">
+            <a:avLst/>
+          </a:prstGeom>
+          <a:noFill/>
+        </p:spPr>
+        <p:txBody>
+          <a:bodyPr wrap="none" rtlCol="0">
+            <a:spAutoFit/>
+          </a:bodyPr>
+          <a:lstStyle/>
+          <a:p>
+            <a:r>
+              <a:rPr lang="ko-KR" altLang="en-US" dirty="0">
+                <a:latin typeface="+mn-ea"/>
+              </a:rPr>
+              <a:t>영화 검색 </a:t>
+            </a:r>
+            <a:r>
+              <a:rPr lang="en-US" altLang="ko-KR" dirty="0">
+                <a:latin typeface="+mn-ea"/>
+              </a:rPr>
+              <a:t>APP</a:t>
+            </a:r>
+            <a:endParaRPr lang="ko-KR" altLang="en-US" dirty="0">
+              <a:latin typeface="+mn-ea"/>
+            </a:endParaRPr>
+          </a:p>
+        </p:txBody>
+      </p:sp>
+      <p:sp>
+        <p:nvSpPr>
+          <p:cNvPr id="17" name="TextBox 16">
+            <a:extLst>
+              <a:ext uri="{FF2B5EF4-FFF2-40B4-BE49-F238E27FC236}">
+                <a16:creationId xmlns:a16="http://schemas.microsoft.com/office/drawing/2014/main" id="{99F91A83-A452-4563-9FD3-E39CC0537603}"/>
+              </a:ext>
+            </a:extLst>
+          </p:cNvPr>
+          <p:cNvSpPr txBox="1"/>
+          <p:nvPr/>
+        </p:nvSpPr>
+        <p:spPr>
+          <a:xfrm>
+            <a:off x="4235621" y="1991961"/>
+            <a:ext cx="588623" cy="369332"/>
+          </a:xfrm>
+          <a:prstGeom prst="rect">
+            <a:avLst/>
+          </a:prstGeom>
+          <a:solidFill>
+            <a:srgbClr val="00BF3A"/>
+          </a:solidFill>
+        </p:spPr>
+        <p:txBody>
+          <a:bodyPr wrap="none" rtlCol="0">
+            <a:spAutoFit/>
+          </a:bodyPr>
+          <a:lstStyle/>
+          <a:p>
+            <a:r>
+              <a:rPr lang="ko-KR" altLang="en-US">
+                <a:solidFill>
+                  <a:schemeClr val="bg1"/>
+                </a:solidFill>
+                <a:latin typeface="+mn-ea"/>
+              </a:rPr>
+              <a:t>검색</a:t>
+            </a:r>
+            <a:endParaRPr lang="ko-KR" altLang="en-US" dirty="0">
+              <a:solidFill>
+                <a:schemeClr val="bg1"/>
+              </a:solidFill>
+              <a:latin typeface="+mn-ea"/>
+            </a:endParaRPr>
+          </a:p>
+        </p:txBody>
+      </p:sp>
+      <p:sp>
+        <p:nvSpPr>
+          <p:cNvPr id="7" name="직사각형 6">
+            <a:extLst>
+              <a:ext uri="{FF2B5EF4-FFF2-40B4-BE49-F238E27FC236}">
+                <a16:creationId xmlns:a16="http://schemas.microsoft.com/office/drawing/2014/main" id="{04CEA354-E96A-4EED-BAC7-5CBEA8BC1F56}"/>
+              </a:ext>
+            </a:extLst>
+          </p:cNvPr>
+          <p:cNvSpPr/>
+          <p:nvPr/>
+        </p:nvSpPr>
+        <p:spPr>
+          <a:xfrm>
+            <a:off x="2015412" y="1991961"/>
+            <a:ext cx="2155212" cy="369332"/>
+          </a:xfrm>
+          <a:prstGeom prst="rect">
+            <a:avLst/>
+          </a:prstGeom>
+          <a:solidFill>
+            <a:schemeClr val="bg1"/>
+          </a:solidFill>
+          <a:ln w="57150">
+            <a:solidFill>
+              <a:srgbClr val="00BF3A"/>
+            </a:solidFill>
+          </a:ln>
+        </p:spPr>
+        <p:style>
+          <a:lnRef idx="2">
+            <a:schemeClr val="accent1">
+              <a:shade val="50000"/>
+            </a:schemeClr>
+          </a:lnRef>
+          <a:fillRef idx="1">
+            <a:schemeClr val="accent1"/>
+          </a:fillRef>
+          <a:effectRef idx="0">
+            <a:schemeClr val="accent1"/>
+          </a:effectRef>
+          <a:fontRef idx="minor">
+            <a:schemeClr val="lt1"/>
+          </a:fontRef>
+        </p:style>
+        <p:txBody>
+          <a:bodyPr rtlCol="0" anchor="ctr"/>
+          <a:lstStyle/>
+          <a:p>
+            <a:pPr algn="ctr"/>
+            <a:endParaRPr lang="ko-KR" altLang="en-US"/>
+          </a:p>
+        </p:txBody>
+      </p:sp>
+      <p:sp>
+        <p:nvSpPr>
+          <p:cNvPr id="19" name="직사각형 18">
+            <a:extLst>
+              <a:ext uri="{FF2B5EF4-FFF2-40B4-BE49-F238E27FC236}">
+                <a16:creationId xmlns:a16="http://schemas.microsoft.com/office/drawing/2014/main" id="{F6963ADD-EB3C-4334-9349-843E59678D1C}"/>
+              </a:ext>
+            </a:extLst>
+          </p:cNvPr>
+          <p:cNvSpPr/>
+          <p:nvPr/>
+        </p:nvSpPr>
+        <p:spPr>
+          <a:xfrm>
+            <a:off x="2015412" y="2484537"/>
+            <a:ext cx="1334278" cy="369332"/>
+          </a:xfrm>
+          <a:prstGeom prst="rect">
+            <a:avLst/>
+          </a:prstGeom>
+          <a:solidFill>
+            <a:schemeClr val="bg1"/>
+          </a:solidFill>
+          <a:ln w="57150">
+            <a:noFill/>
+          </a:ln>
+        </p:spPr>
+        <p:style>
+          <a:lnRef idx="2">
+            <a:schemeClr val="accent1">
+              <a:shade val="50000"/>
+            </a:schemeClr>
+          </a:lnRef>
+          <a:fillRef idx="1">
+            <a:schemeClr val="accent1"/>
+          </a:fillRef>
+          <a:effectRef idx="0">
+            <a:schemeClr val="accent1"/>
+          </a:effectRef>
+          <a:fontRef idx="minor">
+            <a:schemeClr val="lt1"/>
+          </a:fontRef>
+        </p:style>
+        <p:txBody>
+          <a:bodyPr rtlCol="0" anchor="ctr"/>
+          <a:lstStyle/>
+          <a:p>
+            <a:pPr algn="ctr"/>
+            <a:r>
+              <a:rPr lang="ko-KR" altLang="en-US" dirty="0">
+                <a:solidFill>
+                  <a:schemeClr val="tx1"/>
+                </a:solidFill>
+              </a:rPr>
+              <a:t>장르 ↕</a:t>
+            </a:r>
+          </a:p>
+        </p:txBody>
+      </p:sp>
+      <p:sp>
+        <p:nvSpPr>
+          <p:cNvPr id="20" name="직사각형 19">
+            <a:extLst>
+              <a:ext uri="{FF2B5EF4-FFF2-40B4-BE49-F238E27FC236}">
+                <a16:creationId xmlns:a16="http://schemas.microsoft.com/office/drawing/2014/main" id="{D5E8FB67-205D-4F8B-9E16-59FEEBFF5E55}"/>
+              </a:ext>
+            </a:extLst>
+          </p:cNvPr>
+          <p:cNvSpPr/>
+          <p:nvPr/>
+        </p:nvSpPr>
+        <p:spPr>
+          <a:xfrm>
+            <a:off x="3470861" y="2484537"/>
+            <a:ext cx="1334278" cy="369332"/>
+          </a:xfrm>
+          <a:prstGeom prst="rect">
+            <a:avLst/>
+          </a:prstGeom>
+          <a:solidFill>
+            <a:schemeClr val="bg1"/>
+          </a:solidFill>
+          <a:ln w="57150">
+            <a:noFill/>
+          </a:ln>
+        </p:spPr>
+        <p:style>
+          <a:lnRef idx="2">
+            <a:schemeClr val="accent1">
+              <a:shade val="50000"/>
+            </a:schemeClr>
+          </a:lnRef>
+          <a:fillRef idx="1">
+            <a:schemeClr val="accent1"/>
+          </a:fillRef>
+          <a:effectRef idx="0">
+            <a:schemeClr val="accent1"/>
+          </a:effectRef>
+          <a:fontRef idx="minor">
+            <a:schemeClr val="lt1"/>
+          </a:fontRef>
+        </p:style>
+        <p:txBody>
+          <a:bodyPr rtlCol="0" anchor="ctr"/>
+          <a:lstStyle/>
+          <a:p>
+            <a:pPr algn="ctr"/>
+            <a:r>
+              <a:rPr lang="ko-KR" altLang="en-US" dirty="0">
+                <a:solidFill>
+                  <a:schemeClr val="tx1"/>
+                </a:solidFill>
+              </a:rPr>
+              <a:t>국가코드 ↕</a:t>
+            </a:r>
+          </a:p>
+        </p:txBody>
+      </p:sp>
+      <p:sp>
+        <p:nvSpPr>
+          <p:cNvPr id="21" name="직사각형 20">
+            <a:extLst>
+              <a:ext uri="{FF2B5EF4-FFF2-40B4-BE49-F238E27FC236}">
+                <a16:creationId xmlns:a16="http://schemas.microsoft.com/office/drawing/2014/main" id="{E8C92E94-EEDC-4E49-B1B0-5FBD46EB01EA}"/>
+              </a:ext>
+            </a:extLst>
+          </p:cNvPr>
+          <p:cNvSpPr/>
+          <p:nvPr/>
+        </p:nvSpPr>
+        <p:spPr>
+          <a:xfrm>
+            <a:off x="4945414" y="2011270"/>
+            <a:ext cx="2708932" cy="369332"/>
+          </a:xfrm>
+          <a:prstGeom prst="rect">
+            <a:avLst/>
+          </a:prstGeom>
+          <a:noFill/>
+          <a:ln w="19050">
+            <a:solidFill>
+              <a:schemeClr val="tx1"/>
+            </a:solidFill>
+          </a:ln>
+        </p:spPr>
+        <p:style>
+          <a:lnRef idx="2">
+            <a:schemeClr val="accent1">
+              <a:shade val="50000"/>
+            </a:schemeClr>
+          </a:lnRef>
+          <a:fillRef idx="1">
+            <a:schemeClr val="accent1"/>
+          </a:fillRef>
+          <a:effectRef idx="0">
+            <a:schemeClr val="accent1"/>
+          </a:effectRef>
+          <a:fontRef idx="minor">
+            <a:schemeClr val="lt1"/>
+          </a:fontRef>
+        </p:style>
+        <p:txBody>
+          <a:bodyPr rtlCol="0" anchor="ctr"/>
+          <a:lstStyle/>
+          <a:p>
+            <a:pPr algn="ctr"/>
+            <a:r>
+              <a:rPr lang="ko-KR" altLang="en-US" sz="1600" dirty="0">
+                <a:solidFill>
+                  <a:schemeClr val="tx1"/>
+                </a:solidFill>
+                <a:latin typeface="+mn-ea"/>
+              </a:rPr>
+              <a:t>추가 </a:t>
+            </a:r>
+            <a:r>
+              <a:rPr lang="en-US" altLang="ko-KR" sz="1600" dirty="0">
+                <a:solidFill>
+                  <a:schemeClr val="tx1"/>
+                </a:solidFill>
+                <a:latin typeface="+mn-ea"/>
+              </a:rPr>
+              <a:t>| </a:t>
+            </a:r>
+            <a:r>
+              <a:rPr lang="ko-KR" altLang="en-US" sz="1600" dirty="0">
+                <a:solidFill>
+                  <a:schemeClr val="tx1"/>
+                </a:solidFill>
+                <a:latin typeface="+mn-ea"/>
+              </a:rPr>
+              <a:t>삭제 </a:t>
+            </a:r>
+            <a:r>
+              <a:rPr lang="en-US" altLang="ko-KR" sz="1600" dirty="0">
+                <a:solidFill>
+                  <a:schemeClr val="tx1"/>
+                </a:solidFill>
+                <a:latin typeface="+mn-ea"/>
+              </a:rPr>
+              <a:t>| SAVE | LOAD</a:t>
+            </a:r>
+            <a:endParaRPr lang="ko-KR" altLang="en-US" sz="1600" dirty="0">
+              <a:solidFill>
+                <a:schemeClr val="tx1"/>
+              </a:solidFill>
+              <a:latin typeface="+mn-ea"/>
+            </a:endParaRPr>
+          </a:p>
+        </p:txBody>
+      </p:sp>
+      <p:sp>
+        <p:nvSpPr>
+          <p:cNvPr id="22" name="직사각형 21">
+            <a:extLst>
+              <a:ext uri="{FF2B5EF4-FFF2-40B4-BE49-F238E27FC236}">
+                <a16:creationId xmlns:a16="http://schemas.microsoft.com/office/drawing/2014/main" id="{14E705FF-47D5-46D4-BBA8-43BEE01C136C}"/>
+              </a:ext>
+            </a:extLst>
+          </p:cNvPr>
+          <p:cNvSpPr/>
+          <p:nvPr/>
+        </p:nvSpPr>
+        <p:spPr>
+          <a:xfrm>
+            <a:off x="4945414" y="2487523"/>
+            <a:ext cx="2708933" cy="369332"/>
+          </a:xfrm>
+          <a:prstGeom prst="rect">
+            <a:avLst/>
+          </a:prstGeom>
+          <a:noFill/>
+          <a:ln w="19050">
+            <a:solidFill>
+              <a:schemeClr val="tx1"/>
+            </a:solidFill>
+          </a:ln>
+        </p:spPr>
+        <p:style>
+          <a:lnRef idx="2">
+            <a:schemeClr val="accent1">
+              <a:shade val="50000"/>
+            </a:schemeClr>
+          </a:lnRef>
+          <a:fillRef idx="1">
+            <a:schemeClr val="accent1"/>
+          </a:fillRef>
+          <a:effectRef idx="0">
+            <a:schemeClr val="accent1"/>
+          </a:effectRef>
+          <a:fontRef idx="minor">
+            <a:schemeClr val="lt1"/>
+          </a:fontRef>
+        </p:style>
+        <p:txBody>
+          <a:bodyPr rtlCol="0" anchor="ctr"/>
+          <a:lstStyle/>
+          <a:p>
+            <a:pPr algn="ctr"/>
+            <a:r>
+              <a:rPr lang="ko-KR" altLang="en-US" dirty="0">
+                <a:solidFill>
+                  <a:schemeClr val="tx1"/>
+                </a:solidFill>
+              </a:rPr>
+              <a:t>이메일 보내기</a:t>
+            </a:r>
+          </a:p>
+        </p:txBody>
+      </p:sp>
+      <p:sp>
+        <p:nvSpPr>
+          <p:cNvPr id="23" name="직사각형 22">
+            <a:extLst>
+              <a:ext uri="{FF2B5EF4-FFF2-40B4-BE49-F238E27FC236}">
+                <a16:creationId xmlns:a16="http://schemas.microsoft.com/office/drawing/2014/main" id="{C9E8D846-5E59-40C1-8AB3-6033849F8439}"/>
+              </a:ext>
+            </a:extLst>
+          </p:cNvPr>
+          <p:cNvSpPr/>
+          <p:nvPr/>
+        </p:nvSpPr>
+        <p:spPr>
+          <a:xfrm>
+            <a:off x="2015412" y="2977113"/>
+            <a:ext cx="2749616" cy="3218625"/>
+          </a:xfrm>
+          <a:prstGeom prst="rect">
+            <a:avLst/>
+          </a:prstGeom>
+          <a:solidFill>
+            <a:schemeClr val="bg1"/>
+          </a:solidFill>
+          <a:ln w="57150">
+            <a:noFill/>
+          </a:ln>
+        </p:spPr>
+        <p:style>
+          <a:lnRef idx="2">
+            <a:schemeClr val="accent1">
+              <a:shade val="50000"/>
+            </a:schemeClr>
+          </a:lnRef>
+          <a:fillRef idx="1">
+            <a:schemeClr val="accent1"/>
+          </a:fillRef>
+          <a:effectRef idx="0">
+            <a:schemeClr val="accent1"/>
+          </a:effectRef>
+          <a:fontRef idx="minor">
+            <a:schemeClr val="lt1"/>
+          </a:fontRef>
+        </p:style>
+        <p:txBody>
+          <a:bodyPr rtlCol="0" anchor="ctr"/>
+          <a:lstStyle/>
+          <a:p>
+            <a:pPr algn="ctr"/>
+            <a:endParaRPr lang="en-US" altLang="ko-KR" dirty="0">
+              <a:solidFill>
+                <a:schemeClr val="tx1"/>
+              </a:solidFill>
+            </a:endParaRPr>
+          </a:p>
+        </p:txBody>
+      </p:sp>
+      <p:sp>
+        <p:nvSpPr>
+          <p:cNvPr id="24" name="직사각형 23">
+            <a:extLst>
+              <a:ext uri="{FF2B5EF4-FFF2-40B4-BE49-F238E27FC236}">
+                <a16:creationId xmlns:a16="http://schemas.microsoft.com/office/drawing/2014/main" id="{056F6881-6715-4BCA-9083-A7CCAB8ADA48}"/>
+              </a:ext>
+            </a:extLst>
+          </p:cNvPr>
+          <p:cNvSpPr/>
+          <p:nvPr/>
+        </p:nvSpPr>
+        <p:spPr>
+          <a:xfrm>
+            <a:off x="4904732" y="2983560"/>
+            <a:ext cx="2749614" cy="3186768"/>
+          </a:xfrm>
+          <a:prstGeom prst="rect">
+            <a:avLst/>
+          </a:prstGeom>
+          <a:solidFill>
+            <a:schemeClr val="bg1"/>
+          </a:solidFill>
+          <a:ln w="57150">
+            <a:noFill/>
+          </a:ln>
+        </p:spPr>
+        <p:style>
+          <a:lnRef idx="2">
+            <a:schemeClr val="accent1">
+              <a:shade val="50000"/>
+            </a:schemeClr>
+          </a:lnRef>
+          <a:fillRef idx="1">
+            <a:schemeClr val="accent1"/>
+          </a:fillRef>
+          <a:effectRef idx="0">
+            <a:schemeClr val="accent1"/>
+          </a:effectRef>
+          <a:fontRef idx="minor">
+            <a:schemeClr val="lt1"/>
+          </a:fontRef>
+        </p:style>
+        <p:txBody>
+          <a:bodyPr rtlCol="0" anchor="ctr"/>
+          <a:lstStyle/>
+          <a:p>
+            <a:pPr algn="ctr"/>
+            <a:endParaRPr lang="en-US" altLang="ko-KR" dirty="0">
+              <a:solidFill>
+                <a:schemeClr val="tx1"/>
+              </a:solidFill>
+            </a:endParaRPr>
+          </a:p>
+        </p:txBody>
+      </p:sp>
+      <p:sp>
+        <p:nvSpPr>
+          <p:cNvPr id="28" name="직사각형 27">
+            <a:extLst>
+              <a:ext uri="{FF2B5EF4-FFF2-40B4-BE49-F238E27FC236}">
+                <a16:creationId xmlns:a16="http://schemas.microsoft.com/office/drawing/2014/main" id="{4F9A7C4D-E75E-4C42-8666-449F5B4D45FF}"/>
+              </a:ext>
+            </a:extLst>
+          </p:cNvPr>
+          <p:cNvSpPr/>
+          <p:nvPr/>
+        </p:nvSpPr>
+        <p:spPr>
+          <a:xfrm>
+            <a:off x="2015412" y="2983559"/>
+            <a:ext cx="2749616" cy="306165"/>
+          </a:xfrm>
+          <a:prstGeom prst="rect">
+            <a:avLst/>
+          </a:prstGeom>
+          <a:solidFill>
+            <a:schemeClr val="bg1"/>
+          </a:solidFill>
+          <a:ln w="3175">
+            <a:solidFill>
+              <a:schemeClr val="tx1"/>
+            </a:solidFill>
+          </a:ln>
+        </p:spPr>
+        <p:style>
+          <a:lnRef idx="2">
+            <a:schemeClr val="accent1">
+              <a:shade val="50000"/>
+            </a:schemeClr>
+          </a:lnRef>
+          <a:fillRef idx="1">
+            <a:schemeClr val="accent1"/>
+          </a:fillRef>
+          <a:effectRef idx="0">
+            <a:schemeClr val="accent1"/>
+          </a:effectRef>
+          <a:fontRef idx="minor">
+            <a:schemeClr val="lt1"/>
+          </a:fontRef>
+        </p:style>
+        <p:txBody>
+          <a:bodyPr rtlCol="0" anchor="ctr"/>
+          <a:lstStyle/>
+          <a:p>
+            <a:pPr algn="ctr"/>
+            <a:r>
+              <a:rPr lang="ko-KR" altLang="en-US" dirty="0">
+                <a:solidFill>
+                  <a:schemeClr val="tx1"/>
+                </a:solidFill>
+              </a:rPr>
+              <a:t>검색 </a:t>
+            </a:r>
+            <a:r>
+              <a:rPr lang="en-US" altLang="ko-KR" dirty="0">
+                <a:solidFill>
+                  <a:schemeClr val="tx1"/>
+                </a:solidFill>
+              </a:rPr>
+              <a:t>/ </a:t>
+            </a:r>
+            <a:r>
+              <a:rPr lang="ko-KR" altLang="en-US" dirty="0" err="1">
+                <a:solidFill>
+                  <a:schemeClr val="tx1"/>
+                </a:solidFill>
+              </a:rPr>
+              <a:t>북마크</a:t>
+            </a:r>
+            <a:r>
+              <a:rPr lang="ko-KR" altLang="en-US" dirty="0">
+                <a:solidFill>
+                  <a:schemeClr val="tx1"/>
+                </a:solidFill>
+              </a:rPr>
+              <a:t> </a:t>
+            </a:r>
+            <a:r>
+              <a:rPr lang="en-US" altLang="ko-KR" dirty="0">
+                <a:solidFill>
+                  <a:schemeClr val="tx1"/>
+                </a:solidFill>
+              </a:rPr>
+              <a:t>(</a:t>
+            </a:r>
+            <a:r>
+              <a:rPr lang="ko-KR" altLang="en-US" dirty="0">
+                <a:solidFill>
+                  <a:schemeClr val="tx1"/>
+                </a:solidFill>
+              </a:rPr>
+              <a:t>탭</a:t>
+            </a:r>
+            <a:r>
+              <a:rPr lang="en-US" altLang="ko-KR" dirty="0">
+                <a:solidFill>
+                  <a:schemeClr val="tx1"/>
+                </a:solidFill>
+              </a:rPr>
+              <a:t>)</a:t>
+            </a:r>
+          </a:p>
+        </p:txBody>
+      </p:sp>
+      <p:sp>
+        <p:nvSpPr>
+          <p:cNvPr id="31" name="직사각형 30">
+            <a:extLst>
+              <a:ext uri="{FF2B5EF4-FFF2-40B4-BE49-F238E27FC236}">
+                <a16:creationId xmlns:a16="http://schemas.microsoft.com/office/drawing/2014/main" id="{681A7D1A-69D7-4538-86F5-1AE76B21DB78}"/>
+              </a:ext>
+            </a:extLst>
+          </p:cNvPr>
+          <p:cNvSpPr/>
+          <p:nvPr/>
+        </p:nvSpPr>
+        <p:spPr>
+          <a:xfrm>
+            <a:off x="4945414" y="1634835"/>
+            <a:ext cx="2708932" cy="369332"/>
+          </a:xfrm>
+          <a:prstGeom prst="rect">
+            <a:avLst/>
+          </a:prstGeom>
+          <a:noFill/>
+          <a:ln w="19050">
+            <a:solidFill>
+              <a:schemeClr val="tx1"/>
+            </a:solidFill>
+          </a:ln>
+        </p:spPr>
+        <p:style>
+          <a:lnRef idx="2">
+            <a:schemeClr val="accent1">
+              <a:shade val="50000"/>
+            </a:schemeClr>
+          </a:lnRef>
+          <a:fillRef idx="1">
+            <a:schemeClr val="accent1"/>
+          </a:fillRef>
+          <a:effectRef idx="0">
+            <a:schemeClr val="accent1"/>
+          </a:effectRef>
+          <a:fontRef idx="minor">
+            <a:schemeClr val="lt1"/>
+          </a:fontRef>
+        </p:style>
+        <p:txBody>
+          <a:bodyPr rtlCol="0" anchor="ctr"/>
+          <a:lstStyle/>
+          <a:p>
+            <a:pPr algn="ctr"/>
+            <a:r>
+              <a:rPr lang="ko-KR" altLang="en-US" dirty="0" err="1">
+                <a:solidFill>
+                  <a:schemeClr val="tx1"/>
+                </a:solidFill>
+              </a:rPr>
+              <a:t>북마크</a:t>
+            </a:r>
+            <a:endParaRPr lang="ko-KR" altLang="en-US" dirty="0">
+              <a:solidFill>
+                <a:schemeClr val="tx1"/>
+              </a:solidFill>
+            </a:endParaRPr>
+          </a:p>
+        </p:txBody>
+      </p:sp>
+      <p:pic>
+        <p:nvPicPr>
+          <p:cNvPr id="38" name="그림 37">
+            <a:extLst>
+              <a:ext uri="{FF2B5EF4-FFF2-40B4-BE49-F238E27FC236}">
+                <a16:creationId xmlns:a16="http://schemas.microsoft.com/office/drawing/2014/main" id="{87DD4B97-9442-4FE9-8632-AA86B875FB4E}"/>
+              </a:ext>
+            </a:extLst>
+          </p:cNvPr>
+          <p:cNvPicPr>
+            <a:picLocks noChangeAspect="1"/>
+          </p:cNvPicPr>
+          <p:nvPr/>
+        </p:nvPicPr>
+        <p:blipFill>
+          <a:blip r:embed="rId5">
+            <a:extLst>
+              <a:ext uri="{28A0092B-C50C-407E-A947-70E740481C1C}">
+                <a14:useLocalDpi xmlns:a14="http://schemas.microsoft.com/office/drawing/2010/main" val="0"/>
+              </a:ext>
+            </a:extLst>
+          </a:blip>
+          <a:stretch>
+            <a:fillRect/>
+          </a:stretch>
+        </p:blipFill>
+        <p:spPr>
+          <a:xfrm>
+            <a:off x="7794050" y="3153882"/>
+            <a:ext cx="1047750" cy="1485900"/>
+          </a:xfrm>
+          <a:prstGeom prst="rect">
+            <a:avLst/>
+          </a:prstGeom>
+        </p:spPr>
+      </p:pic>
+      <p:pic>
+        <p:nvPicPr>
+          <p:cNvPr id="40" name="그림 39">
+            <a:extLst>
+              <a:ext uri="{FF2B5EF4-FFF2-40B4-BE49-F238E27FC236}">
+                <a16:creationId xmlns:a16="http://schemas.microsoft.com/office/drawing/2014/main" id="{5AF48F33-F9CD-4850-A274-88FF763BB135}"/>
+              </a:ext>
+            </a:extLst>
+          </p:cNvPr>
+          <p:cNvPicPr>
+            <a:picLocks noChangeAspect="1"/>
+          </p:cNvPicPr>
+          <p:nvPr/>
+        </p:nvPicPr>
+        <p:blipFill>
+          <a:blip r:embed="rId5">
+            <a:extLst>
+              <a:ext uri="{28A0092B-C50C-407E-A947-70E740481C1C}">
+                <a14:useLocalDpi xmlns:a14="http://schemas.microsoft.com/office/drawing/2010/main" val="0"/>
+              </a:ext>
+            </a:extLst>
+          </a:blip>
+          <a:stretch>
+            <a:fillRect/>
+          </a:stretch>
+        </p:blipFill>
+        <p:spPr>
+          <a:xfrm>
+            <a:off x="7794050" y="4797188"/>
+            <a:ext cx="1047750" cy="1485900"/>
+          </a:xfrm>
+          <a:prstGeom prst="rect">
+            <a:avLst/>
+          </a:prstGeom>
+        </p:spPr>
+      </p:pic>
+      <p:pic>
+        <p:nvPicPr>
+          <p:cNvPr id="42" name="그림 41">
+            <a:extLst>
+              <a:ext uri="{FF2B5EF4-FFF2-40B4-BE49-F238E27FC236}">
+                <a16:creationId xmlns:a16="http://schemas.microsoft.com/office/drawing/2014/main" id="{99AAFEA3-9449-408B-B2F9-EF31E345D153}"/>
+              </a:ext>
+            </a:extLst>
+          </p:cNvPr>
+          <p:cNvPicPr>
+            <a:picLocks noChangeAspect="1"/>
+          </p:cNvPicPr>
+          <p:nvPr/>
+        </p:nvPicPr>
+        <p:blipFill>
+          <a:blip r:embed="rId5">
+            <a:extLst>
+              <a:ext uri="{28A0092B-C50C-407E-A947-70E740481C1C}">
+                <a14:useLocalDpi xmlns:a14="http://schemas.microsoft.com/office/drawing/2010/main" val="0"/>
+              </a:ext>
+            </a:extLst>
+          </a:blip>
+          <a:stretch>
+            <a:fillRect/>
+          </a:stretch>
+        </p:blipFill>
+        <p:spPr>
+          <a:xfrm>
+            <a:off x="7794050" y="1528023"/>
+            <a:ext cx="1047750" cy="1485900"/>
+          </a:xfrm>
+          <a:prstGeom prst="rect">
+            <a:avLst/>
+          </a:prstGeom>
+        </p:spPr>
+      </p:pic>
+    </p:spTree>
+    <p:extLst>
+      <p:ext uri="{BB962C8B-B14F-4D97-AF65-F5344CB8AC3E}">
+        <p14:creationId xmlns:p14="http://schemas.microsoft.com/office/powerpoint/2010/main" val="901921763"/>
       </p:ext>
     </p:extLst>
   </p:cSld>

--- a/기획발표.pptx
+++ b/기획발표.pptx
@@ -249,7 +249,7 @@
           <a:p>
             <a:fld id="{C9DAD422-0CE2-7345-9C9C-5AE431B01D98}" type="datetimeFigureOut">
               <a:rPr lang="en-US" altLang="ko-KR" smtClean="0"/>
-              <a:t>5/29/2018</a:t>
+              <a:t>5/30/2018</a:t>
             </a:fld>
             <a:endParaRPr lang="ko-KR" altLang="en-US"/>
           </a:p>
@@ -414,7 +414,7 @@
           <a:p>
             <a:fld id="{9F5593C2-BB06-FE4C-A097-5F24D72EFBBA}" type="datetimeFigureOut">
               <a:rPr lang="en-US" altLang="ko-KR" smtClean="0"/>
-              <a:t>5/29/2018</a:t>
+              <a:t>5/30/2018</a:t>
             </a:fld>
             <a:endParaRPr lang="ko-KR" altLang="en-US"/>
           </a:p>
@@ -6081,7 +6081,7 @@
             <a:fld id="{79F33ED0-BB53-40D6-86C9-526C8F33B5AF}" type="datetimeFigureOut">
               <a:rPr lang="ko-KR" altLang="en-US" smtClean="0"/>
               <a:pPr/>
-              <a:t>2018-05-29</a:t>
+              <a:t>2018-05-30</a:t>
             </a:fld>
             <a:endParaRPr lang="ko-KR" altLang="en-US"/>
           </a:p>

--- a/기획발표.pptx
+++ b/기획발표.pptx
@@ -5,10 +5,10 @@
     <p:sldMasterId id="2147483666" r:id="rId1"/>
   </p:sldMasterIdLst>
   <p:notesMasterIdLst>
-    <p:notesMasterId r:id="rId10"/>
+    <p:notesMasterId r:id="rId11"/>
   </p:notesMasterIdLst>
   <p:handoutMasterIdLst>
-    <p:handoutMasterId r:id="rId11"/>
+    <p:handoutMasterId r:id="rId12"/>
   </p:handoutMasterIdLst>
   <p:sldIdLst>
     <p:sldId id="275" r:id="rId2"/>
@@ -19,35 +19,36 @@
     <p:sldId id="281" r:id="rId7"/>
     <p:sldId id="282" r:id="rId8"/>
     <p:sldId id="284" r:id="rId9"/>
+    <p:sldId id="285" r:id="rId10"/>
   </p:sldIdLst>
   <p:sldSz cx="12192000" cy="6858000"/>
   <p:notesSz cx="6858000" cy="9144000"/>
   <p:embeddedFontLst>
     <p:embeddedFont>
       <p:font typeface="KoPub돋움체 Bold" panose="02020603020101020101" pitchFamily="18" charset="-127"/>
-      <p:regular r:id="rId12"/>
-      <p:bold r:id="rId13"/>
+      <p:regular r:id="rId13"/>
+      <p:bold r:id="rId14"/>
     </p:embeddedFont>
     <p:embeddedFont>
       <p:font typeface="맑은 고딕" panose="020B0503020000020004" pitchFamily="50" charset="-127"/>
-      <p:regular r:id="rId14"/>
-      <p:bold r:id="rId15"/>
+      <p:regular r:id="rId15"/>
+      <p:bold r:id="rId16"/>
+    </p:embeddedFont>
+    <p:embeddedFont>
+      <p:font typeface="Built Titling Sb" panose="020B0706030202080204" pitchFamily="34" charset="0"/>
+      <p:bold r:id="rId17"/>
+      <p:boldItalic r:id="rId18"/>
     </p:embeddedFont>
     <p:embeddedFont>
       <p:font typeface="KoPub돋움체 Medium" panose="02020603020101020101" pitchFamily="18" charset="-127"/>
-      <p:regular r:id="rId16"/>
+      <p:regular r:id="rId19"/>
     </p:embeddedFont>
     <p:embeddedFont>
       <p:font typeface="Built Titling Rg" panose="020B0206030202080204" pitchFamily="34" charset="0"/>
-      <p:regular r:id="rId17"/>
-      <p:bold r:id="rId18"/>
-      <p:italic r:id="rId19"/>
-      <p:boldItalic r:id="rId20"/>
-    </p:embeddedFont>
-    <p:embeddedFont>
-      <p:font typeface="Built Titling Sb" panose="020B0706030202080204" pitchFamily="34" charset="0"/>
+      <p:regular r:id="rId20"/>
       <p:bold r:id="rId21"/>
-      <p:boldItalic r:id="rId22"/>
+      <p:italic r:id="rId22"/>
+      <p:boldItalic r:id="rId23"/>
     </p:embeddedFont>
   </p:embeddedFontLst>
   <p:defaultTextStyle>
@@ -840,6 +841,90 @@
     <p:extLst>
       <p:ext uri="{BB962C8B-B14F-4D97-AF65-F5344CB8AC3E}">
         <p14:creationId xmlns:p14="http://schemas.microsoft.com/office/powerpoint/2010/main" val="1356354346"/>
+      </p:ext>
+    </p:extLst>
+  </p:cSld>
+  <p:clrMapOvr>
+    <a:masterClrMapping/>
+  </p:clrMapOvr>
+</p:notes>
+</file>
+
+<file path=ppt/notesSlides/notesSlide3.xml><?xml version="1.0" encoding="utf-8"?>
+<p:notes xmlns:a="http://schemas.openxmlformats.org/drawingml/2006/main" xmlns:r="http://schemas.openxmlformats.org/officeDocument/2006/relationships" xmlns:p="http://schemas.openxmlformats.org/presentationml/2006/main">
+  <p:cSld>
+    <p:spTree>
+      <p:nvGrpSpPr>
+        <p:cNvPr id="1" name=""/>
+        <p:cNvGrpSpPr/>
+        <p:nvPr/>
+      </p:nvGrpSpPr>
+      <p:grpSpPr>
+        <a:xfrm>
+          <a:off x="0" y="0"/>
+          <a:ext cx="0" cy="0"/>
+          <a:chOff x="0" y="0"/>
+          <a:chExt cx="0" cy="0"/>
+        </a:xfrm>
+      </p:grpSpPr>
+      <p:sp>
+        <p:nvSpPr>
+          <p:cNvPr id="2" name="슬라이드 이미지 개체 틀 1"/>
+          <p:cNvSpPr>
+            <a:spLocks noGrp="1" noRot="1" noChangeAspect="1"/>
+          </p:cNvSpPr>
+          <p:nvPr>
+            <p:ph type="sldImg"/>
+          </p:nvPr>
+        </p:nvSpPr>
+        <p:spPr/>
+      </p:sp>
+      <p:sp>
+        <p:nvSpPr>
+          <p:cNvPr id="3" name="슬라이드 노트 개체 틀 2"/>
+          <p:cNvSpPr>
+            <a:spLocks noGrp="1"/>
+          </p:cNvSpPr>
+          <p:nvPr>
+            <p:ph type="body" idx="1"/>
+          </p:nvPr>
+        </p:nvSpPr>
+        <p:spPr/>
+        <p:txBody>
+          <a:bodyPr/>
+          <a:lstStyle/>
+          <a:p>
+            <a:endParaRPr lang="ko-KR" altLang="en-US" dirty="0"/>
+          </a:p>
+        </p:txBody>
+      </p:sp>
+      <p:sp>
+        <p:nvSpPr>
+          <p:cNvPr id="4" name="슬라이드 번호 개체 틀 3"/>
+          <p:cNvSpPr>
+            <a:spLocks noGrp="1"/>
+          </p:cNvSpPr>
+          <p:nvPr>
+            <p:ph type="sldNum" sz="quarter" idx="10"/>
+          </p:nvPr>
+        </p:nvSpPr>
+        <p:spPr/>
+        <p:txBody>
+          <a:bodyPr/>
+          <a:lstStyle/>
+          <a:p>
+            <a:fld id="{CBCC0F5F-2408-184D-BCB4-04B8D7BCC9C3}" type="slidenum">
+              <a:rPr lang="en-US" altLang="ko-KR" smtClean="0"/>
+              <a:t>9</a:t>
+            </a:fld>
+            <a:endParaRPr lang="ko-KR" altLang="en-US"/>
+          </a:p>
+        </p:txBody>
+      </p:sp>
+    </p:spTree>
+    <p:extLst>
+      <p:ext uri="{BB962C8B-B14F-4D97-AF65-F5344CB8AC3E}">
+        <p14:creationId xmlns:p14="http://schemas.microsoft.com/office/powerpoint/2010/main" val="1637990555"/>
       </p:ext>
     </p:extLst>
   </p:cSld>
@@ -16623,6 +16708,1831 @@
 </p:sld>
 </file>
 
+<file path=ppt/slides/slide9.xml><?xml version="1.0" encoding="utf-8"?>
+<p:sld xmlns:a="http://schemas.openxmlformats.org/drawingml/2006/main" xmlns:r="http://schemas.openxmlformats.org/officeDocument/2006/relationships" xmlns:p="http://schemas.openxmlformats.org/presentationml/2006/main">
+  <p:cSld>
+    <p:bg>
+      <p:bgPr>
+        <a:solidFill>
+          <a:schemeClr val="tx1"/>
+        </a:solidFill>
+        <a:effectLst/>
+      </p:bgPr>
+    </p:bg>
+    <p:spTree>
+      <p:nvGrpSpPr>
+        <p:cNvPr id="1" name=""/>
+        <p:cNvGrpSpPr/>
+        <p:nvPr/>
+      </p:nvGrpSpPr>
+      <p:grpSpPr>
+        <a:xfrm>
+          <a:off x="0" y="0"/>
+          <a:ext cx="0" cy="0"/>
+          <a:chOff x="0" y="0"/>
+          <a:chExt cx="0" cy="0"/>
+        </a:xfrm>
+      </p:grpSpPr>
+      <p:pic>
+        <p:nvPicPr>
+          <p:cNvPr id="15" name="그림 14">
+            <a:extLst>
+              <a:ext uri="{FF2B5EF4-FFF2-40B4-BE49-F238E27FC236}">
+                <a16:creationId xmlns:a16="http://schemas.microsoft.com/office/drawing/2014/main" id="{CD3C21AE-EDBE-4B25-9C9A-DA0AA2583E38}"/>
+              </a:ext>
+            </a:extLst>
+          </p:cNvPr>
+          <p:cNvPicPr>
+            <a:picLocks noChangeAspect="1"/>
+          </p:cNvPicPr>
+          <p:nvPr/>
+        </p:nvPicPr>
+        <p:blipFill>
+          <a:blip r:embed="rId3">
+            <a:extLst>
+              <a:ext uri="{28A0092B-C50C-407E-A947-70E740481C1C}">
+                <a14:useLocalDpi xmlns:a14="http://schemas.microsoft.com/office/drawing/2010/main" val="0"/>
+              </a:ext>
+            </a:extLst>
+          </a:blip>
+          <a:stretch>
+            <a:fillRect/>
+          </a:stretch>
+        </p:blipFill>
+        <p:spPr>
+          <a:xfrm>
+            <a:off x="1769190" y="1278294"/>
+            <a:ext cx="3334782" cy="5114402"/>
+          </a:xfrm>
+          <a:prstGeom prst="rect">
+            <a:avLst/>
+          </a:prstGeom>
+        </p:spPr>
+      </p:pic>
+      <p:sp>
+        <p:nvSpPr>
+          <p:cNvPr id="6" name="직사각형 5">
+            <a:extLst>
+              <a:ext uri="{FF2B5EF4-FFF2-40B4-BE49-F238E27FC236}">
+                <a16:creationId xmlns:a16="http://schemas.microsoft.com/office/drawing/2014/main" id="{C9DFBDE5-55ED-4344-B765-5A82E5E573C8}"/>
+              </a:ext>
+            </a:extLst>
+          </p:cNvPr>
+          <p:cNvSpPr/>
+          <p:nvPr/>
+        </p:nvSpPr>
+        <p:spPr>
+          <a:xfrm>
+            <a:off x="1890361" y="1558212"/>
+            <a:ext cx="7068814" cy="4711959"/>
+          </a:xfrm>
+          <a:prstGeom prst="rect">
+            <a:avLst/>
+          </a:prstGeom>
+          <a:solidFill>
+            <a:srgbClr val="F0F0F0"/>
+          </a:solidFill>
+          <a:ln>
+            <a:noFill/>
+          </a:ln>
+        </p:spPr>
+        <p:style>
+          <a:lnRef idx="2">
+            <a:schemeClr val="accent1">
+              <a:shade val="50000"/>
+            </a:schemeClr>
+          </a:lnRef>
+          <a:fillRef idx="1">
+            <a:schemeClr val="accent1"/>
+          </a:fillRef>
+          <a:effectRef idx="0">
+            <a:schemeClr val="accent1"/>
+          </a:effectRef>
+          <a:fontRef idx="minor">
+            <a:schemeClr val="lt1"/>
+          </a:fontRef>
+        </p:style>
+        <p:txBody>
+          <a:bodyPr rtlCol="0" anchor="ctr"/>
+          <a:lstStyle/>
+          <a:p>
+            <a:pPr algn="ctr"/>
+            <a:endParaRPr lang="ko-KR" altLang="en-US"/>
+          </a:p>
+        </p:txBody>
+      </p:sp>
+      <p:sp>
+        <p:nvSpPr>
+          <p:cNvPr id="3" name="TextBox 2">
+            <a:extLst>
+              <a:ext uri="{FF2B5EF4-FFF2-40B4-BE49-F238E27FC236}">
+                <a16:creationId xmlns:a16="http://schemas.microsoft.com/office/drawing/2014/main" id="{54D87B6F-71F2-4E8B-9DC7-C452E24ED884}"/>
+              </a:ext>
+            </a:extLst>
+          </p:cNvPr>
+          <p:cNvSpPr txBox="1"/>
+          <p:nvPr/>
+        </p:nvSpPr>
+        <p:spPr>
+          <a:xfrm>
+            <a:off x="2608978" y="1527377"/>
+            <a:ext cx="1561646" cy="369332"/>
+          </a:xfrm>
+          <a:prstGeom prst="rect">
+            <a:avLst/>
+          </a:prstGeom>
+          <a:noFill/>
+        </p:spPr>
+        <p:txBody>
+          <a:bodyPr wrap="none" rtlCol="0">
+            <a:spAutoFit/>
+          </a:bodyPr>
+          <a:lstStyle/>
+          <a:p>
+            <a:r>
+              <a:rPr lang="ko-KR" altLang="en-US" dirty="0">
+                <a:latin typeface="+mn-ea"/>
+              </a:rPr>
+              <a:t>영화 검색 </a:t>
+            </a:r>
+            <a:r>
+              <a:rPr lang="en-US" altLang="ko-KR" dirty="0">
+                <a:latin typeface="+mn-ea"/>
+              </a:rPr>
+              <a:t>APP</a:t>
+            </a:r>
+            <a:endParaRPr lang="ko-KR" altLang="en-US" dirty="0">
+              <a:latin typeface="+mn-ea"/>
+            </a:endParaRPr>
+          </a:p>
+        </p:txBody>
+      </p:sp>
+      <p:sp>
+        <p:nvSpPr>
+          <p:cNvPr id="17" name="TextBox 16">
+            <a:extLst>
+              <a:ext uri="{FF2B5EF4-FFF2-40B4-BE49-F238E27FC236}">
+                <a16:creationId xmlns:a16="http://schemas.microsoft.com/office/drawing/2014/main" id="{99F91A83-A452-4563-9FD3-E39CC0537603}"/>
+              </a:ext>
+            </a:extLst>
+          </p:cNvPr>
+          <p:cNvSpPr txBox="1"/>
+          <p:nvPr/>
+        </p:nvSpPr>
+        <p:spPr>
+          <a:xfrm>
+            <a:off x="4235621" y="1991961"/>
+            <a:ext cx="588623" cy="369332"/>
+          </a:xfrm>
+          <a:prstGeom prst="rect">
+            <a:avLst/>
+          </a:prstGeom>
+          <a:solidFill>
+            <a:srgbClr val="00BF3A"/>
+          </a:solidFill>
+        </p:spPr>
+        <p:txBody>
+          <a:bodyPr wrap="none" rtlCol="0">
+            <a:spAutoFit/>
+          </a:bodyPr>
+          <a:lstStyle/>
+          <a:p>
+            <a:r>
+              <a:rPr lang="ko-KR" altLang="en-US">
+                <a:solidFill>
+                  <a:schemeClr val="bg1"/>
+                </a:solidFill>
+                <a:latin typeface="+mn-ea"/>
+              </a:rPr>
+              <a:t>검색</a:t>
+            </a:r>
+            <a:endParaRPr lang="ko-KR" altLang="en-US" dirty="0">
+              <a:solidFill>
+                <a:schemeClr val="bg1"/>
+              </a:solidFill>
+              <a:latin typeface="+mn-ea"/>
+            </a:endParaRPr>
+          </a:p>
+        </p:txBody>
+      </p:sp>
+      <p:sp>
+        <p:nvSpPr>
+          <p:cNvPr id="7" name="직사각형 6">
+            <a:extLst>
+              <a:ext uri="{FF2B5EF4-FFF2-40B4-BE49-F238E27FC236}">
+                <a16:creationId xmlns:a16="http://schemas.microsoft.com/office/drawing/2014/main" id="{04CEA354-E96A-4EED-BAC7-5CBEA8BC1F56}"/>
+              </a:ext>
+            </a:extLst>
+          </p:cNvPr>
+          <p:cNvSpPr/>
+          <p:nvPr/>
+        </p:nvSpPr>
+        <p:spPr>
+          <a:xfrm>
+            <a:off x="2015412" y="1991961"/>
+            <a:ext cx="2155212" cy="369332"/>
+          </a:xfrm>
+          <a:prstGeom prst="rect">
+            <a:avLst/>
+          </a:prstGeom>
+          <a:solidFill>
+            <a:schemeClr val="bg1"/>
+          </a:solidFill>
+          <a:ln w="57150">
+            <a:solidFill>
+              <a:srgbClr val="00BF3A"/>
+            </a:solidFill>
+          </a:ln>
+        </p:spPr>
+        <p:style>
+          <a:lnRef idx="2">
+            <a:schemeClr val="accent1">
+              <a:shade val="50000"/>
+            </a:schemeClr>
+          </a:lnRef>
+          <a:fillRef idx="1">
+            <a:schemeClr val="accent1"/>
+          </a:fillRef>
+          <a:effectRef idx="0">
+            <a:schemeClr val="accent1"/>
+          </a:effectRef>
+          <a:fontRef idx="minor">
+            <a:schemeClr val="lt1"/>
+          </a:fontRef>
+        </p:style>
+        <p:txBody>
+          <a:bodyPr rtlCol="0" anchor="ctr"/>
+          <a:lstStyle/>
+          <a:p>
+            <a:pPr algn="ctr"/>
+            <a:endParaRPr lang="ko-KR" altLang="en-US"/>
+          </a:p>
+        </p:txBody>
+      </p:sp>
+      <p:sp>
+        <p:nvSpPr>
+          <p:cNvPr id="19" name="직사각형 18">
+            <a:extLst>
+              <a:ext uri="{FF2B5EF4-FFF2-40B4-BE49-F238E27FC236}">
+                <a16:creationId xmlns:a16="http://schemas.microsoft.com/office/drawing/2014/main" id="{F6963ADD-EB3C-4334-9349-843E59678D1C}"/>
+              </a:ext>
+            </a:extLst>
+          </p:cNvPr>
+          <p:cNvSpPr/>
+          <p:nvPr/>
+        </p:nvSpPr>
+        <p:spPr>
+          <a:xfrm>
+            <a:off x="2015412" y="2484537"/>
+            <a:ext cx="1334278" cy="369332"/>
+          </a:xfrm>
+          <a:prstGeom prst="rect">
+            <a:avLst/>
+          </a:prstGeom>
+          <a:solidFill>
+            <a:schemeClr val="bg1"/>
+          </a:solidFill>
+          <a:ln w="57150">
+            <a:noFill/>
+          </a:ln>
+        </p:spPr>
+        <p:style>
+          <a:lnRef idx="2">
+            <a:schemeClr val="accent1">
+              <a:shade val="50000"/>
+            </a:schemeClr>
+          </a:lnRef>
+          <a:fillRef idx="1">
+            <a:schemeClr val="accent1"/>
+          </a:fillRef>
+          <a:effectRef idx="0">
+            <a:schemeClr val="accent1"/>
+          </a:effectRef>
+          <a:fontRef idx="minor">
+            <a:schemeClr val="lt1"/>
+          </a:fontRef>
+        </p:style>
+        <p:txBody>
+          <a:bodyPr rtlCol="0" anchor="ctr"/>
+          <a:lstStyle/>
+          <a:p>
+            <a:pPr algn="ctr"/>
+            <a:r>
+              <a:rPr lang="ko-KR" altLang="en-US" dirty="0">
+                <a:solidFill>
+                  <a:schemeClr val="tx1"/>
+                </a:solidFill>
+              </a:rPr>
+              <a:t>장르 ↕</a:t>
+            </a:r>
+          </a:p>
+        </p:txBody>
+      </p:sp>
+      <p:sp>
+        <p:nvSpPr>
+          <p:cNvPr id="20" name="직사각형 19">
+            <a:extLst>
+              <a:ext uri="{FF2B5EF4-FFF2-40B4-BE49-F238E27FC236}">
+                <a16:creationId xmlns:a16="http://schemas.microsoft.com/office/drawing/2014/main" id="{D5E8FB67-205D-4F8B-9E16-59FEEBFF5E55}"/>
+              </a:ext>
+            </a:extLst>
+          </p:cNvPr>
+          <p:cNvSpPr/>
+          <p:nvPr/>
+        </p:nvSpPr>
+        <p:spPr>
+          <a:xfrm>
+            <a:off x="3470861" y="2484537"/>
+            <a:ext cx="1334278" cy="369332"/>
+          </a:xfrm>
+          <a:prstGeom prst="rect">
+            <a:avLst/>
+          </a:prstGeom>
+          <a:solidFill>
+            <a:schemeClr val="bg1"/>
+          </a:solidFill>
+          <a:ln w="57150">
+            <a:noFill/>
+          </a:ln>
+        </p:spPr>
+        <p:style>
+          <a:lnRef idx="2">
+            <a:schemeClr val="accent1">
+              <a:shade val="50000"/>
+            </a:schemeClr>
+          </a:lnRef>
+          <a:fillRef idx="1">
+            <a:schemeClr val="accent1"/>
+          </a:fillRef>
+          <a:effectRef idx="0">
+            <a:schemeClr val="accent1"/>
+          </a:effectRef>
+          <a:fontRef idx="minor">
+            <a:schemeClr val="lt1"/>
+          </a:fontRef>
+        </p:style>
+        <p:txBody>
+          <a:bodyPr rtlCol="0" anchor="ctr"/>
+          <a:lstStyle/>
+          <a:p>
+            <a:pPr algn="ctr"/>
+            <a:r>
+              <a:rPr lang="ko-KR" altLang="en-US" dirty="0">
+                <a:solidFill>
+                  <a:schemeClr val="tx1"/>
+                </a:solidFill>
+              </a:rPr>
+              <a:t>국가코드 ↕</a:t>
+            </a:r>
+          </a:p>
+        </p:txBody>
+      </p:sp>
+      <p:sp>
+        <p:nvSpPr>
+          <p:cNvPr id="21" name="직사각형 20">
+            <a:extLst>
+              <a:ext uri="{FF2B5EF4-FFF2-40B4-BE49-F238E27FC236}">
+                <a16:creationId xmlns:a16="http://schemas.microsoft.com/office/drawing/2014/main" id="{E8C92E94-EEDC-4E49-B1B0-5FBD46EB01EA}"/>
+              </a:ext>
+            </a:extLst>
+          </p:cNvPr>
+          <p:cNvSpPr/>
+          <p:nvPr/>
+        </p:nvSpPr>
+        <p:spPr>
+          <a:xfrm>
+            <a:off x="4945414" y="2011270"/>
+            <a:ext cx="2708932" cy="369332"/>
+          </a:xfrm>
+          <a:prstGeom prst="rect">
+            <a:avLst/>
+          </a:prstGeom>
+          <a:noFill/>
+          <a:ln w="19050">
+            <a:solidFill>
+              <a:schemeClr val="tx1"/>
+            </a:solidFill>
+          </a:ln>
+        </p:spPr>
+        <p:style>
+          <a:lnRef idx="2">
+            <a:schemeClr val="accent1">
+              <a:shade val="50000"/>
+            </a:schemeClr>
+          </a:lnRef>
+          <a:fillRef idx="1">
+            <a:schemeClr val="accent1"/>
+          </a:fillRef>
+          <a:effectRef idx="0">
+            <a:schemeClr val="accent1"/>
+          </a:effectRef>
+          <a:fontRef idx="minor">
+            <a:schemeClr val="lt1"/>
+          </a:fontRef>
+        </p:style>
+        <p:txBody>
+          <a:bodyPr rtlCol="0" anchor="ctr"/>
+          <a:lstStyle/>
+          <a:p>
+            <a:pPr algn="ctr"/>
+            <a:r>
+              <a:rPr lang="ko-KR" altLang="en-US" sz="1600" dirty="0">
+                <a:solidFill>
+                  <a:schemeClr val="tx1"/>
+                </a:solidFill>
+                <a:latin typeface="+mn-ea"/>
+              </a:rPr>
+              <a:t>추가 </a:t>
+            </a:r>
+            <a:r>
+              <a:rPr lang="en-US" altLang="ko-KR" sz="1600" dirty="0">
+                <a:solidFill>
+                  <a:schemeClr val="tx1"/>
+                </a:solidFill>
+                <a:latin typeface="+mn-ea"/>
+              </a:rPr>
+              <a:t>| </a:t>
+            </a:r>
+            <a:r>
+              <a:rPr lang="ko-KR" altLang="en-US" sz="1600" dirty="0">
+                <a:solidFill>
+                  <a:schemeClr val="tx1"/>
+                </a:solidFill>
+                <a:latin typeface="+mn-ea"/>
+              </a:rPr>
+              <a:t>삭제 </a:t>
+            </a:r>
+            <a:r>
+              <a:rPr lang="en-US" altLang="ko-KR" sz="1600" dirty="0">
+                <a:solidFill>
+                  <a:schemeClr val="tx1"/>
+                </a:solidFill>
+                <a:latin typeface="+mn-ea"/>
+              </a:rPr>
+              <a:t>| SAVE | LOAD</a:t>
+            </a:r>
+            <a:endParaRPr lang="ko-KR" altLang="en-US" sz="1600" dirty="0">
+              <a:solidFill>
+                <a:schemeClr val="tx1"/>
+              </a:solidFill>
+              <a:latin typeface="+mn-ea"/>
+            </a:endParaRPr>
+          </a:p>
+        </p:txBody>
+      </p:sp>
+      <p:sp>
+        <p:nvSpPr>
+          <p:cNvPr id="22" name="직사각형 21">
+            <a:extLst>
+              <a:ext uri="{FF2B5EF4-FFF2-40B4-BE49-F238E27FC236}">
+                <a16:creationId xmlns:a16="http://schemas.microsoft.com/office/drawing/2014/main" id="{14E705FF-47D5-46D4-BBA8-43BEE01C136C}"/>
+              </a:ext>
+            </a:extLst>
+          </p:cNvPr>
+          <p:cNvSpPr/>
+          <p:nvPr/>
+        </p:nvSpPr>
+        <p:spPr>
+          <a:xfrm>
+            <a:off x="4945414" y="2487523"/>
+            <a:ext cx="2708933" cy="369332"/>
+          </a:xfrm>
+          <a:prstGeom prst="rect">
+            <a:avLst/>
+          </a:prstGeom>
+          <a:noFill/>
+          <a:ln w="19050">
+            <a:solidFill>
+              <a:schemeClr val="tx1"/>
+            </a:solidFill>
+          </a:ln>
+        </p:spPr>
+        <p:style>
+          <a:lnRef idx="2">
+            <a:schemeClr val="accent1">
+              <a:shade val="50000"/>
+            </a:schemeClr>
+          </a:lnRef>
+          <a:fillRef idx="1">
+            <a:schemeClr val="accent1"/>
+          </a:fillRef>
+          <a:effectRef idx="0">
+            <a:schemeClr val="accent1"/>
+          </a:effectRef>
+          <a:fontRef idx="minor">
+            <a:schemeClr val="lt1"/>
+          </a:fontRef>
+        </p:style>
+        <p:txBody>
+          <a:bodyPr rtlCol="0" anchor="ctr"/>
+          <a:lstStyle/>
+          <a:p>
+            <a:pPr algn="ctr"/>
+            <a:r>
+              <a:rPr lang="ko-KR" altLang="en-US" dirty="0">
+                <a:solidFill>
+                  <a:schemeClr val="tx1"/>
+                </a:solidFill>
+              </a:rPr>
+              <a:t>이메일 보내기</a:t>
+            </a:r>
+          </a:p>
+        </p:txBody>
+      </p:sp>
+      <p:sp>
+        <p:nvSpPr>
+          <p:cNvPr id="23" name="직사각형 22">
+            <a:extLst>
+              <a:ext uri="{FF2B5EF4-FFF2-40B4-BE49-F238E27FC236}">
+                <a16:creationId xmlns:a16="http://schemas.microsoft.com/office/drawing/2014/main" id="{C9E8D846-5E59-40C1-8AB3-6033849F8439}"/>
+              </a:ext>
+            </a:extLst>
+          </p:cNvPr>
+          <p:cNvSpPr/>
+          <p:nvPr/>
+        </p:nvSpPr>
+        <p:spPr>
+          <a:xfrm>
+            <a:off x="2015412" y="2977113"/>
+            <a:ext cx="2749616" cy="3218625"/>
+          </a:xfrm>
+          <a:prstGeom prst="rect">
+            <a:avLst/>
+          </a:prstGeom>
+          <a:solidFill>
+            <a:schemeClr val="bg1"/>
+          </a:solidFill>
+          <a:ln w="57150">
+            <a:noFill/>
+          </a:ln>
+        </p:spPr>
+        <p:style>
+          <a:lnRef idx="2">
+            <a:schemeClr val="accent1">
+              <a:shade val="50000"/>
+            </a:schemeClr>
+          </a:lnRef>
+          <a:fillRef idx="1">
+            <a:schemeClr val="accent1"/>
+          </a:fillRef>
+          <a:effectRef idx="0">
+            <a:schemeClr val="accent1"/>
+          </a:effectRef>
+          <a:fontRef idx="minor">
+            <a:schemeClr val="lt1"/>
+          </a:fontRef>
+        </p:style>
+        <p:txBody>
+          <a:bodyPr rtlCol="0" anchor="ctr"/>
+          <a:lstStyle/>
+          <a:p>
+            <a:pPr algn="ctr"/>
+            <a:endParaRPr lang="en-US" altLang="ko-KR" dirty="0">
+              <a:solidFill>
+                <a:schemeClr val="tx1"/>
+              </a:solidFill>
+            </a:endParaRPr>
+          </a:p>
+        </p:txBody>
+      </p:sp>
+      <p:sp>
+        <p:nvSpPr>
+          <p:cNvPr id="24" name="직사각형 23">
+            <a:extLst>
+              <a:ext uri="{FF2B5EF4-FFF2-40B4-BE49-F238E27FC236}">
+                <a16:creationId xmlns:a16="http://schemas.microsoft.com/office/drawing/2014/main" id="{056F6881-6715-4BCA-9083-A7CCAB8ADA48}"/>
+              </a:ext>
+            </a:extLst>
+          </p:cNvPr>
+          <p:cNvSpPr/>
+          <p:nvPr/>
+        </p:nvSpPr>
+        <p:spPr>
+          <a:xfrm>
+            <a:off x="4904732" y="2983560"/>
+            <a:ext cx="2749614" cy="3186768"/>
+          </a:xfrm>
+          <a:prstGeom prst="rect">
+            <a:avLst/>
+          </a:prstGeom>
+          <a:solidFill>
+            <a:schemeClr val="bg1"/>
+          </a:solidFill>
+          <a:ln w="57150">
+            <a:noFill/>
+          </a:ln>
+        </p:spPr>
+        <p:style>
+          <a:lnRef idx="2">
+            <a:schemeClr val="accent1">
+              <a:shade val="50000"/>
+            </a:schemeClr>
+          </a:lnRef>
+          <a:fillRef idx="1">
+            <a:schemeClr val="accent1"/>
+          </a:fillRef>
+          <a:effectRef idx="0">
+            <a:schemeClr val="accent1"/>
+          </a:effectRef>
+          <a:fontRef idx="minor">
+            <a:schemeClr val="lt1"/>
+          </a:fontRef>
+        </p:style>
+        <p:txBody>
+          <a:bodyPr rtlCol="0" anchor="ctr"/>
+          <a:lstStyle/>
+          <a:p>
+            <a:pPr algn="ctr"/>
+            <a:endParaRPr lang="en-US" altLang="ko-KR" dirty="0">
+              <a:solidFill>
+                <a:schemeClr val="tx1"/>
+              </a:solidFill>
+            </a:endParaRPr>
+          </a:p>
+        </p:txBody>
+      </p:sp>
+      <p:sp>
+        <p:nvSpPr>
+          <p:cNvPr id="28" name="직사각형 27">
+            <a:extLst>
+              <a:ext uri="{FF2B5EF4-FFF2-40B4-BE49-F238E27FC236}">
+                <a16:creationId xmlns:a16="http://schemas.microsoft.com/office/drawing/2014/main" id="{4F9A7C4D-E75E-4C42-8666-449F5B4D45FF}"/>
+              </a:ext>
+            </a:extLst>
+          </p:cNvPr>
+          <p:cNvSpPr/>
+          <p:nvPr/>
+        </p:nvSpPr>
+        <p:spPr>
+          <a:xfrm>
+            <a:off x="2015412" y="2983559"/>
+            <a:ext cx="2749616" cy="306165"/>
+          </a:xfrm>
+          <a:prstGeom prst="rect">
+            <a:avLst/>
+          </a:prstGeom>
+          <a:solidFill>
+            <a:schemeClr val="bg1"/>
+          </a:solidFill>
+          <a:ln w="3175">
+            <a:solidFill>
+              <a:schemeClr val="tx1"/>
+            </a:solidFill>
+          </a:ln>
+        </p:spPr>
+        <p:style>
+          <a:lnRef idx="2">
+            <a:schemeClr val="accent1">
+              <a:shade val="50000"/>
+            </a:schemeClr>
+          </a:lnRef>
+          <a:fillRef idx="1">
+            <a:schemeClr val="accent1"/>
+          </a:fillRef>
+          <a:effectRef idx="0">
+            <a:schemeClr val="accent1"/>
+          </a:effectRef>
+          <a:fontRef idx="minor">
+            <a:schemeClr val="lt1"/>
+          </a:fontRef>
+        </p:style>
+        <p:txBody>
+          <a:bodyPr rtlCol="0" anchor="ctr"/>
+          <a:lstStyle/>
+          <a:p>
+            <a:pPr algn="ctr"/>
+            <a:r>
+              <a:rPr lang="ko-KR" altLang="en-US" dirty="0">
+                <a:solidFill>
+                  <a:schemeClr val="tx1"/>
+                </a:solidFill>
+              </a:rPr>
+              <a:t>검색 </a:t>
+            </a:r>
+            <a:r>
+              <a:rPr lang="en-US" altLang="ko-KR" dirty="0">
+                <a:solidFill>
+                  <a:schemeClr val="tx1"/>
+                </a:solidFill>
+              </a:rPr>
+              <a:t>/ </a:t>
+            </a:r>
+            <a:r>
+              <a:rPr lang="ko-KR" altLang="en-US" dirty="0" err="1">
+                <a:solidFill>
+                  <a:schemeClr val="tx1"/>
+                </a:solidFill>
+              </a:rPr>
+              <a:t>북마크</a:t>
+            </a:r>
+            <a:r>
+              <a:rPr lang="ko-KR" altLang="en-US" dirty="0">
+                <a:solidFill>
+                  <a:schemeClr val="tx1"/>
+                </a:solidFill>
+              </a:rPr>
+              <a:t> </a:t>
+            </a:r>
+            <a:r>
+              <a:rPr lang="en-US" altLang="ko-KR" dirty="0">
+                <a:solidFill>
+                  <a:schemeClr val="tx1"/>
+                </a:solidFill>
+              </a:rPr>
+              <a:t>(</a:t>
+            </a:r>
+            <a:r>
+              <a:rPr lang="ko-KR" altLang="en-US" dirty="0">
+                <a:solidFill>
+                  <a:schemeClr val="tx1"/>
+                </a:solidFill>
+              </a:rPr>
+              <a:t>탭</a:t>
+            </a:r>
+            <a:r>
+              <a:rPr lang="en-US" altLang="ko-KR" dirty="0">
+                <a:solidFill>
+                  <a:schemeClr val="tx1"/>
+                </a:solidFill>
+              </a:rPr>
+              <a:t>)</a:t>
+            </a:r>
+          </a:p>
+        </p:txBody>
+      </p:sp>
+      <p:sp>
+        <p:nvSpPr>
+          <p:cNvPr id="31" name="직사각형 30">
+            <a:extLst>
+              <a:ext uri="{FF2B5EF4-FFF2-40B4-BE49-F238E27FC236}">
+                <a16:creationId xmlns:a16="http://schemas.microsoft.com/office/drawing/2014/main" id="{681A7D1A-69D7-4538-86F5-1AE76B21DB78}"/>
+              </a:ext>
+            </a:extLst>
+          </p:cNvPr>
+          <p:cNvSpPr/>
+          <p:nvPr/>
+        </p:nvSpPr>
+        <p:spPr>
+          <a:xfrm>
+            <a:off x="4945414" y="1634835"/>
+            <a:ext cx="2708932" cy="369332"/>
+          </a:xfrm>
+          <a:prstGeom prst="rect">
+            <a:avLst/>
+          </a:prstGeom>
+          <a:noFill/>
+          <a:ln w="19050">
+            <a:solidFill>
+              <a:schemeClr val="tx1"/>
+            </a:solidFill>
+          </a:ln>
+        </p:spPr>
+        <p:style>
+          <a:lnRef idx="2">
+            <a:schemeClr val="accent1">
+              <a:shade val="50000"/>
+            </a:schemeClr>
+          </a:lnRef>
+          <a:fillRef idx="1">
+            <a:schemeClr val="accent1"/>
+          </a:fillRef>
+          <a:effectRef idx="0">
+            <a:schemeClr val="accent1"/>
+          </a:effectRef>
+          <a:fontRef idx="minor">
+            <a:schemeClr val="lt1"/>
+          </a:fontRef>
+        </p:style>
+        <p:txBody>
+          <a:bodyPr rtlCol="0" anchor="ctr"/>
+          <a:lstStyle/>
+          <a:p>
+            <a:pPr algn="ctr"/>
+            <a:r>
+              <a:rPr lang="ko-KR" altLang="en-US" dirty="0" err="1">
+                <a:solidFill>
+                  <a:schemeClr val="tx1"/>
+                </a:solidFill>
+              </a:rPr>
+              <a:t>북마크</a:t>
+            </a:r>
+            <a:endParaRPr lang="ko-KR" altLang="en-US" dirty="0">
+              <a:solidFill>
+                <a:schemeClr val="tx1"/>
+              </a:solidFill>
+            </a:endParaRPr>
+          </a:p>
+        </p:txBody>
+      </p:sp>
+      <p:pic>
+        <p:nvPicPr>
+          <p:cNvPr id="38" name="그림 37">
+            <a:extLst>
+              <a:ext uri="{FF2B5EF4-FFF2-40B4-BE49-F238E27FC236}">
+                <a16:creationId xmlns:a16="http://schemas.microsoft.com/office/drawing/2014/main" id="{87DD4B97-9442-4FE9-8632-AA86B875FB4E}"/>
+              </a:ext>
+            </a:extLst>
+          </p:cNvPr>
+          <p:cNvPicPr>
+            <a:picLocks noChangeAspect="1"/>
+          </p:cNvPicPr>
+          <p:nvPr/>
+        </p:nvPicPr>
+        <p:blipFill>
+          <a:blip r:embed="rId4">
+            <a:extLst>
+              <a:ext uri="{28A0092B-C50C-407E-A947-70E740481C1C}">
+                <a14:useLocalDpi xmlns:a14="http://schemas.microsoft.com/office/drawing/2010/main" val="0"/>
+              </a:ext>
+            </a:extLst>
+          </a:blip>
+          <a:stretch>
+            <a:fillRect/>
+          </a:stretch>
+        </p:blipFill>
+        <p:spPr>
+          <a:xfrm>
+            <a:off x="7794050" y="3153882"/>
+            <a:ext cx="1047750" cy="1485900"/>
+          </a:xfrm>
+          <a:prstGeom prst="rect">
+            <a:avLst/>
+          </a:prstGeom>
+        </p:spPr>
+      </p:pic>
+      <p:pic>
+        <p:nvPicPr>
+          <p:cNvPr id="40" name="그림 39">
+            <a:extLst>
+              <a:ext uri="{FF2B5EF4-FFF2-40B4-BE49-F238E27FC236}">
+                <a16:creationId xmlns:a16="http://schemas.microsoft.com/office/drawing/2014/main" id="{5AF48F33-F9CD-4850-A274-88FF763BB135}"/>
+              </a:ext>
+            </a:extLst>
+          </p:cNvPr>
+          <p:cNvPicPr>
+            <a:picLocks noChangeAspect="1"/>
+          </p:cNvPicPr>
+          <p:nvPr/>
+        </p:nvPicPr>
+        <p:blipFill>
+          <a:blip r:embed="rId4">
+            <a:extLst>
+              <a:ext uri="{28A0092B-C50C-407E-A947-70E740481C1C}">
+                <a14:useLocalDpi xmlns:a14="http://schemas.microsoft.com/office/drawing/2010/main" val="0"/>
+              </a:ext>
+            </a:extLst>
+          </a:blip>
+          <a:stretch>
+            <a:fillRect/>
+          </a:stretch>
+        </p:blipFill>
+        <p:spPr>
+          <a:xfrm>
+            <a:off x="7794050" y="4797188"/>
+            <a:ext cx="1047750" cy="1485900"/>
+          </a:xfrm>
+          <a:prstGeom prst="rect">
+            <a:avLst/>
+          </a:prstGeom>
+        </p:spPr>
+      </p:pic>
+      <p:pic>
+        <p:nvPicPr>
+          <p:cNvPr id="42" name="그림 41">
+            <a:extLst>
+              <a:ext uri="{FF2B5EF4-FFF2-40B4-BE49-F238E27FC236}">
+                <a16:creationId xmlns:a16="http://schemas.microsoft.com/office/drawing/2014/main" id="{99AAFEA3-9449-408B-B2F9-EF31E345D153}"/>
+              </a:ext>
+            </a:extLst>
+          </p:cNvPr>
+          <p:cNvPicPr>
+            <a:picLocks noChangeAspect="1"/>
+          </p:cNvPicPr>
+          <p:nvPr/>
+        </p:nvPicPr>
+        <p:blipFill>
+          <a:blip r:embed="rId4">
+            <a:extLst>
+              <a:ext uri="{28A0092B-C50C-407E-A947-70E740481C1C}">
+                <a14:useLocalDpi xmlns:a14="http://schemas.microsoft.com/office/drawing/2010/main" val="0"/>
+              </a:ext>
+            </a:extLst>
+          </a:blip>
+          <a:stretch>
+            <a:fillRect/>
+          </a:stretch>
+        </p:blipFill>
+        <p:spPr>
+          <a:xfrm>
+            <a:off x="7794050" y="1528023"/>
+            <a:ext cx="1047750" cy="1485900"/>
+          </a:xfrm>
+          <a:prstGeom prst="rect">
+            <a:avLst/>
+          </a:prstGeom>
+        </p:spPr>
+      </p:pic>
+      <p:sp>
+        <p:nvSpPr>
+          <p:cNvPr id="13" name="TextBox 12">
+            <a:extLst>
+              <a:ext uri="{FF2B5EF4-FFF2-40B4-BE49-F238E27FC236}">
+                <a16:creationId xmlns:a16="http://schemas.microsoft.com/office/drawing/2014/main" id="{CCD1F90F-A28F-445C-AD33-41B48B1C9F50}"/>
+              </a:ext>
+            </a:extLst>
+          </p:cNvPr>
+          <p:cNvSpPr txBox="1"/>
+          <p:nvPr/>
+        </p:nvSpPr>
+        <p:spPr>
+          <a:xfrm>
+            <a:off x="623579" y="1538512"/>
+            <a:ext cx="2104102" cy="369332"/>
+          </a:xfrm>
+          <a:prstGeom prst="rect">
+            <a:avLst/>
+          </a:prstGeom>
+          <a:noFill/>
+        </p:spPr>
+        <p:txBody>
+          <a:bodyPr wrap="none" rtlCol="0">
+            <a:spAutoFit/>
+          </a:bodyPr>
+          <a:lstStyle/>
+          <a:p>
+            <a:r>
+              <a:rPr lang="en-US" altLang="ko-KR" dirty="0">
+                <a:solidFill>
+                  <a:srgbClr val="FF0000"/>
+                </a:solidFill>
+                <a:latin typeface="+mn-ea"/>
+              </a:rPr>
+              <a:t>0, 0, </a:t>
+            </a:r>
+            <a:r>
+              <a:rPr lang="en-US" altLang="ko-KR" dirty="0" err="1">
+                <a:solidFill>
+                  <a:srgbClr val="FF0000"/>
+                </a:solidFill>
+                <a:latin typeface="+mn-ea"/>
+              </a:rPr>
+              <a:t>columspan</a:t>
+            </a:r>
+            <a:r>
+              <a:rPr lang="en-US" altLang="ko-KR" dirty="0">
+                <a:solidFill>
+                  <a:srgbClr val="FF0000"/>
+                </a:solidFill>
+                <a:latin typeface="+mn-ea"/>
+              </a:rPr>
+              <a:t>=4</a:t>
+            </a:r>
+            <a:endParaRPr lang="ko-KR" altLang="en-US" dirty="0">
+              <a:solidFill>
+                <a:srgbClr val="FF0000"/>
+              </a:solidFill>
+              <a:latin typeface="+mn-ea"/>
+            </a:endParaRPr>
+          </a:p>
+        </p:txBody>
+      </p:sp>
+      <p:sp>
+        <p:nvSpPr>
+          <p:cNvPr id="32" name="TextBox 31">
+            <a:extLst>
+              <a:ext uri="{FF2B5EF4-FFF2-40B4-BE49-F238E27FC236}">
+                <a16:creationId xmlns:a16="http://schemas.microsoft.com/office/drawing/2014/main" id="{826339A2-7664-49B2-9A3D-FE3FC59D122A}"/>
+              </a:ext>
+            </a:extLst>
+          </p:cNvPr>
+          <p:cNvSpPr txBox="1"/>
+          <p:nvPr/>
+        </p:nvSpPr>
+        <p:spPr>
+          <a:xfrm>
+            <a:off x="-88690" y="1983396"/>
+            <a:ext cx="2104102" cy="369332"/>
+          </a:xfrm>
+          <a:prstGeom prst="rect">
+            <a:avLst/>
+          </a:prstGeom>
+          <a:noFill/>
+        </p:spPr>
+        <p:txBody>
+          <a:bodyPr wrap="none" rtlCol="0">
+            <a:spAutoFit/>
+          </a:bodyPr>
+          <a:lstStyle/>
+          <a:p>
+            <a:r>
+              <a:rPr lang="en-US" altLang="ko-KR" dirty="0">
+                <a:solidFill>
+                  <a:srgbClr val="FF0000"/>
+                </a:solidFill>
+                <a:latin typeface="+mn-ea"/>
+              </a:rPr>
+              <a:t>1, 0, </a:t>
+            </a:r>
+            <a:r>
+              <a:rPr lang="en-US" altLang="ko-KR" dirty="0" err="1">
+                <a:solidFill>
+                  <a:srgbClr val="FF0000"/>
+                </a:solidFill>
+                <a:latin typeface="+mn-ea"/>
+              </a:rPr>
+              <a:t>columspan</a:t>
+            </a:r>
+            <a:r>
+              <a:rPr lang="en-US" altLang="ko-KR" dirty="0">
+                <a:solidFill>
+                  <a:srgbClr val="FF0000"/>
+                </a:solidFill>
+                <a:latin typeface="+mn-ea"/>
+              </a:rPr>
+              <a:t>=3</a:t>
+            </a:r>
+            <a:endParaRPr lang="ko-KR" altLang="en-US" dirty="0">
+              <a:solidFill>
+                <a:srgbClr val="FF0000"/>
+              </a:solidFill>
+              <a:latin typeface="+mn-ea"/>
+            </a:endParaRPr>
+          </a:p>
+        </p:txBody>
+      </p:sp>
+      <p:sp>
+        <p:nvSpPr>
+          <p:cNvPr id="33" name="TextBox 32">
+            <a:extLst>
+              <a:ext uri="{FF2B5EF4-FFF2-40B4-BE49-F238E27FC236}">
+                <a16:creationId xmlns:a16="http://schemas.microsoft.com/office/drawing/2014/main" id="{F9454081-B484-4EF4-873F-4CB444F6C127}"/>
+              </a:ext>
+            </a:extLst>
+          </p:cNvPr>
+          <p:cNvSpPr txBox="1"/>
+          <p:nvPr/>
+        </p:nvSpPr>
+        <p:spPr>
+          <a:xfrm>
+            <a:off x="4306962" y="1790031"/>
+            <a:ext cx="513282" cy="369332"/>
+          </a:xfrm>
+          <a:prstGeom prst="rect">
+            <a:avLst/>
+          </a:prstGeom>
+          <a:noFill/>
+        </p:spPr>
+        <p:txBody>
+          <a:bodyPr wrap="none" rtlCol="0">
+            <a:spAutoFit/>
+          </a:bodyPr>
+          <a:lstStyle/>
+          <a:p>
+            <a:r>
+              <a:rPr lang="en-US" altLang="ko-KR" dirty="0">
+                <a:solidFill>
+                  <a:srgbClr val="FF0000"/>
+                </a:solidFill>
+                <a:latin typeface="+mn-ea"/>
+              </a:rPr>
+              <a:t>1,3</a:t>
+            </a:r>
+            <a:endParaRPr lang="ko-KR" altLang="en-US" dirty="0">
+              <a:solidFill>
+                <a:srgbClr val="FF0000"/>
+              </a:solidFill>
+              <a:latin typeface="+mn-ea"/>
+            </a:endParaRPr>
+          </a:p>
+        </p:txBody>
+      </p:sp>
+      <p:sp>
+        <p:nvSpPr>
+          <p:cNvPr id="34" name="TextBox 33">
+            <a:extLst>
+              <a:ext uri="{FF2B5EF4-FFF2-40B4-BE49-F238E27FC236}">
+                <a16:creationId xmlns:a16="http://schemas.microsoft.com/office/drawing/2014/main" id="{974FD89C-9288-433B-8825-50B161347859}"/>
+              </a:ext>
+            </a:extLst>
+          </p:cNvPr>
+          <p:cNvSpPr txBox="1"/>
+          <p:nvPr/>
+        </p:nvSpPr>
+        <p:spPr>
+          <a:xfrm>
+            <a:off x="0" y="2487523"/>
+            <a:ext cx="1969450" cy="369332"/>
+          </a:xfrm>
+          <a:prstGeom prst="rect">
+            <a:avLst/>
+          </a:prstGeom>
+          <a:noFill/>
+        </p:spPr>
+        <p:txBody>
+          <a:bodyPr wrap="none" rtlCol="0">
+            <a:spAutoFit/>
+          </a:bodyPr>
+          <a:lstStyle/>
+          <a:p>
+            <a:r>
+              <a:rPr lang="en-US" altLang="ko-KR" dirty="0">
+                <a:solidFill>
+                  <a:srgbClr val="FF0000"/>
+                </a:solidFill>
+                <a:latin typeface="+mn-ea"/>
+              </a:rPr>
+              <a:t>2,0,columspan=2</a:t>
+            </a:r>
+            <a:endParaRPr lang="ko-KR" altLang="en-US" dirty="0">
+              <a:solidFill>
+                <a:srgbClr val="FF0000"/>
+              </a:solidFill>
+              <a:latin typeface="+mn-ea"/>
+            </a:endParaRPr>
+          </a:p>
+        </p:txBody>
+      </p:sp>
+      <p:sp>
+        <p:nvSpPr>
+          <p:cNvPr id="36" name="TextBox 35">
+            <a:extLst>
+              <a:ext uri="{FF2B5EF4-FFF2-40B4-BE49-F238E27FC236}">
+                <a16:creationId xmlns:a16="http://schemas.microsoft.com/office/drawing/2014/main" id="{955E1FD5-118E-4F90-8C6D-61090CA4DBC9}"/>
+              </a:ext>
+            </a:extLst>
+          </p:cNvPr>
+          <p:cNvSpPr txBox="1"/>
+          <p:nvPr/>
+        </p:nvSpPr>
+        <p:spPr>
+          <a:xfrm>
+            <a:off x="3255707" y="2741840"/>
+            <a:ext cx="1969450" cy="369332"/>
+          </a:xfrm>
+          <a:prstGeom prst="rect">
+            <a:avLst/>
+          </a:prstGeom>
+          <a:noFill/>
+        </p:spPr>
+        <p:txBody>
+          <a:bodyPr wrap="none" rtlCol="0">
+            <a:spAutoFit/>
+          </a:bodyPr>
+          <a:lstStyle/>
+          <a:p>
+            <a:r>
+              <a:rPr lang="en-US" altLang="ko-KR" dirty="0">
+                <a:solidFill>
+                  <a:srgbClr val="FF0000"/>
+                </a:solidFill>
+                <a:latin typeface="+mn-ea"/>
+              </a:rPr>
+              <a:t>2,2,columspan=2</a:t>
+            </a:r>
+            <a:endParaRPr lang="ko-KR" altLang="en-US" dirty="0">
+              <a:solidFill>
+                <a:srgbClr val="FF0000"/>
+              </a:solidFill>
+              <a:latin typeface="+mn-ea"/>
+            </a:endParaRPr>
+          </a:p>
+        </p:txBody>
+      </p:sp>
+      <p:sp>
+        <p:nvSpPr>
+          <p:cNvPr id="37" name="TextBox 36">
+            <a:extLst>
+              <a:ext uri="{FF2B5EF4-FFF2-40B4-BE49-F238E27FC236}">
+                <a16:creationId xmlns:a16="http://schemas.microsoft.com/office/drawing/2014/main" id="{15AB3F43-16E4-4E85-A212-6CD200DCC74E}"/>
+              </a:ext>
+            </a:extLst>
+          </p:cNvPr>
+          <p:cNvSpPr txBox="1"/>
+          <p:nvPr/>
+        </p:nvSpPr>
+        <p:spPr>
+          <a:xfrm>
+            <a:off x="177998" y="2977113"/>
+            <a:ext cx="1791452" cy="646331"/>
+          </a:xfrm>
+          <a:prstGeom prst="rect">
+            <a:avLst/>
+          </a:prstGeom>
+          <a:noFill/>
+        </p:spPr>
+        <p:txBody>
+          <a:bodyPr wrap="none" rtlCol="0">
+            <a:spAutoFit/>
+          </a:bodyPr>
+          <a:lstStyle/>
+          <a:p>
+            <a:r>
+              <a:rPr lang="en-US" altLang="ko-KR" dirty="0">
+                <a:solidFill>
+                  <a:srgbClr val="FF0000"/>
+                </a:solidFill>
+                <a:latin typeface="+mn-ea"/>
+              </a:rPr>
+              <a:t>3,0,rowspan=6,</a:t>
+            </a:r>
+          </a:p>
+          <a:p>
+            <a:r>
+              <a:rPr lang="en-US" altLang="ko-KR" dirty="0" err="1">
+                <a:solidFill>
+                  <a:srgbClr val="FF0000"/>
+                </a:solidFill>
+                <a:latin typeface="+mn-ea"/>
+              </a:rPr>
+              <a:t>columspan</a:t>
+            </a:r>
+            <a:r>
+              <a:rPr lang="en-US" altLang="ko-KR" dirty="0">
+                <a:solidFill>
+                  <a:srgbClr val="FF0000"/>
+                </a:solidFill>
+                <a:latin typeface="+mn-ea"/>
+              </a:rPr>
+              <a:t>=4</a:t>
+            </a:r>
+            <a:endParaRPr lang="ko-KR" altLang="en-US" dirty="0">
+              <a:solidFill>
+                <a:srgbClr val="FF0000"/>
+              </a:solidFill>
+              <a:latin typeface="+mn-ea"/>
+            </a:endParaRPr>
+          </a:p>
+        </p:txBody>
+      </p:sp>
+      <p:sp>
+        <p:nvSpPr>
+          <p:cNvPr id="43" name="직사각형 42">
+            <a:extLst>
+              <a:ext uri="{FF2B5EF4-FFF2-40B4-BE49-F238E27FC236}">
+                <a16:creationId xmlns:a16="http://schemas.microsoft.com/office/drawing/2014/main" id="{B1B26E91-C5D3-4C72-BC61-F7CC0490FB3C}"/>
+              </a:ext>
+            </a:extLst>
+          </p:cNvPr>
+          <p:cNvSpPr/>
+          <p:nvPr/>
+        </p:nvSpPr>
+        <p:spPr>
+          <a:xfrm>
+            <a:off x="2015412" y="3395570"/>
+            <a:ext cx="2155212" cy="369332"/>
+          </a:xfrm>
+          <a:prstGeom prst="rect">
+            <a:avLst/>
+          </a:prstGeom>
+          <a:solidFill>
+            <a:schemeClr val="bg1"/>
+          </a:solidFill>
+          <a:ln w="57150">
+            <a:solidFill>
+              <a:srgbClr val="00BF3A"/>
+            </a:solidFill>
+          </a:ln>
+        </p:spPr>
+        <p:style>
+          <a:lnRef idx="2">
+            <a:schemeClr val="accent1">
+              <a:shade val="50000"/>
+            </a:schemeClr>
+          </a:lnRef>
+          <a:fillRef idx="1">
+            <a:schemeClr val="accent1"/>
+          </a:fillRef>
+          <a:effectRef idx="0">
+            <a:schemeClr val="accent1"/>
+          </a:effectRef>
+          <a:fontRef idx="minor">
+            <a:schemeClr val="lt1"/>
+          </a:fontRef>
+        </p:style>
+        <p:txBody>
+          <a:bodyPr rtlCol="0" anchor="ctr"/>
+          <a:lstStyle/>
+          <a:p>
+            <a:pPr algn="ctr"/>
+            <a:endParaRPr lang="ko-KR" altLang="en-US"/>
+          </a:p>
+        </p:txBody>
+      </p:sp>
+      <p:sp>
+        <p:nvSpPr>
+          <p:cNvPr id="44" name="직사각형 43">
+            <a:extLst>
+              <a:ext uri="{FF2B5EF4-FFF2-40B4-BE49-F238E27FC236}">
+                <a16:creationId xmlns:a16="http://schemas.microsoft.com/office/drawing/2014/main" id="{01D80F8E-323D-4550-B8EE-C0F894868001}"/>
+              </a:ext>
+            </a:extLst>
+          </p:cNvPr>
+          <p:cNvSpPr/>
+          <p:nvPr/>
+        </p:nvSpPr>
+        <p:spPr>
+          <a:xfrm>
+            <a:off x="2040626" y="3842154"/>
+            <a:ext cx="2155212" cy="369332"/>
+          </a:xfrm>
+          <a:prstGeom prst="rect">
+            <a:avLst/>
+          </a:prstGeom>
+          <a:solidFill>
+            <a:schemeClr val="bg1"/>
+          </a:solidFill>
+          <a:ln w="57150">
+            <a:solidFill>
+              <a:srgbClr val="00BF3A"/>
+            </a:solidFill>
+          </a:ln>
+        </p:spPr>
+        <p:style>
+          <a:lnRef idx="2">
+            <a:schemeClr val="accent1">
+              <a:shade val="50000"/>
+            </a:schemeClr>
+          </a:lnRef>
+          <a:fillRef idx="1">
+            <a:schemeClr val="accent1"/>
+          </a:fillRef>
+          <a:effectRef idx="0">
+            <a:schemeClr val="accent1"/>
+          </a:effectRef>
+          <a:fontRef idx="minor">
+            <a:schemeClr val="lt1"/>
+          </a:fontRef>
+        </p:style>
+        <p:txBody>
+          <a:bodyPr rtlCol="0" anchor="ctr"/>
+          <a:lstStyle/>
+          <a:p>
+            <a:pPr algn="ctr"/>
+            <a:endParaRPr lang="ko-KR" altLang="en-US"/>
+          </a:p>
+        </p:txBody>
+      </p:sp>
+      <p:sp>
+        <p:nvSpPr>
+          <p:cNvPr id="45" name="직사각형 44">
+            <a:extLst>
+              <a:ext uri="{FF2B5EF4-FFF2-40B4-BE49-F238E27FC236}">
+                <a16:creationId xmlns:a16="http://schemas.microsoft.com/office/drawing/2014/main" id="{B76755C3-D463-444F-B746-288A4B1A53FB}"/>
+              </a:ext>
+            </a:extLst>
+          </p:cNvPr>
+          <p:cNvSpPr/>
+          <p:nvPr/>
+        </p:nvSpPr>
+        <p:spPr>
+          <a:xfrm>
+            <a:off x="2015412" y="4306738"/>
+            <a:ext cx="2155212" cy="369332"/>
+          </a:xfrm>
+          <a:prstGeom prst="rect">
+            <a:avLst/>
+          </a:prstGeom>
+          <a:solidFill>
+            <a:schemeClr val="bg1"/>
+          </a:solidFill>
+          <a:ln w="57150">
+            <a:solidFill>
+              <a:srgbClr val="00BF3A"/>
+            </a:solidFill>
+          </a:ln>
+        </p:spPr>
+        <p:style>
+          <a:lnRef idx="2">
+            <a:schemeClr val="accent1">
+              <a:shade val="50000"/>
+            </a:schemeClr>
+          </a:lnRef>
+          <a:fillRef idx="1">
+            <a:schemeClr val="accent1"/>
+          </a:fillRef>
+          <a:effectRef idx="0">
+            <a:schemeClr val="accent1"/>
+          </a:effectRef>
+          <a:fontRef idx="minor">
+            <a:schemeClr val="lt1"/>
+          </a:fontRef>
+        </p:style>
+        <p:txBody>
+          <a:bodyPr rtlCol="0" anchor="ctr"/>
+          <a:lstStyle/>
+          <a:p>
+            <a:pPr algn="ctr"/>
+            <a:endParaRPr lang="ko-KR" altLang="en-US"/>
+          </a:p>
+        </p:txBody>
+      </p:sp>
+      <p:sp>
+        <p:nvSpPr>
+          <p:cNvPr id="49" name="직사각형 48">
+            <a:extLst>
+              <a:ext uri="{FF2B5EF4-FFF2-40B4-BE49-F238E27FC236}">
+                <a16:creationId xmlns:a16="http://schemas.microsoft.com/office/drawing/2014/main" id="{79F84F1C-7F1E-46B3-8B89-C73404ABA6BF}"/>
+              </a:ext>
+            </a:extLst>
+          </p:cNvPr>
+          <p:cNvSpPr/>
+          <p:nvPr/>
+        </p:nvSpPr>
+        <p:spPr>
+          <a:xfrm>
+            <a:off x="2015412" y="4728928"/>
+            <a:ext cx="2155212" cy="369332"/>
+          </a:xfrm>
+          <a:prstGeom prst="rect">
+            <a:avLst/>
+          </a:prstGeom>
+          <a:solidFill>
+            <a:schemeClr val="bg1"/>
+          </a:solidFill>
+          <a:ln w="57150">
+            <a:solidFill>
+              <a:srgbClr val="00BF3A"/>
+            </a:solidFill>
+          </a:ln>
+        </p:spPr>
+        <p:style>
+          <a:lnRef idx="2">
+            <a:schemeClr val="accent1">
+              <a:shade val="50000"/>
+            </a:schemeClr>
+          </a:lnRef>
+          <a:fillRef idx="1">
+            <a:schemeClr val="accent1"/>
+          </a:fillRef>
+          <a:effectRef idx="0">
+            <a:schemeClr val="accent1"/>
+          </a:effectRef>
+          <a:fontRef idx="minor">
+            <a:schemeClr val="lt1"/>
+          </a:fontRef>
+        </p:style>
+        <p:txBody>
+          <a:bodyPr rtlCol="0" anchor="ctr"/>
+          <a:lstStyle/>
+          <a:p>
+            <a:pPr algn="ctr"/>
+            <a:endParaRPr lang="ko-KR" altLang="en-US"/>
+          </a:p>
+        </p:txBody>
+      </p:sp>
+      <p:sp>
+        <p:nvSpPr>
+          <p:cNvPr id="50" name="직사각형 49">
+            <a:extLst>
+              <a:ext uri="{FF2B5EF4-FFF2-40B4-BE49-F238E27FC236}">
+                <a16:creationId xmlns:a16="http://schemas.microsoft.com/office/drawing/2014/main" id="{A8974D03-626B-4581-A582-6D223E5B1780}"/>
+              </a:ext>
+            </a:extLst>
+          </p:cNvPr>
+          <p:cNvSpPr/>
+          <p:nvPr/>
+        </p:nvSpPr>
+        <p:spPr>
+          <a:xfrm>
+            <a:off x="2026168" y="5128449"/>
+            <a:ext cx="2155212" cy="369332"/>
+          </a:xfrm>
+          <a:prstGeom prst="rect">
+            <a:avLst/>
+          </a:prstGeom>
+          <a:solidFill>
+            <a:schemeClr val="bg1"/>
+          </a:solidFill>
+          <a:ln w="57150">
+            <a:solidFill>
+              <a:srgbClr val="00BF3A"/>
+            </a:solidFill>
+          </a:ln>
+        </p:spPr>
+        <p:style>
+          <a:lnRef idx="2">
+            <a:schemeClr val="accent1">
+              <a:shade val="50000"/>
+            </a:schemeClr>
+          </a:lnRef>
+          <a:fillRef idx="1">
+            <a:schemeClr val="accent1"/>
+          </a:fillRef>
+          <a:effectRef idx="0">
+            <a:schemeClr val="accent1"/>
+          </a:effectRef>
+          <a:fontRef idx="minor">
+            <a:schemeClr val="lt1"/>
+          </a:fontRef>
+        </p:style>
+        <p:txBody>
+          <a:bodyPr rtlCol="0" anchor="ctr"/>
+          <a:lstStyle/>
+          <a:p>
+            <a:pPr algn="ctr"/>
+            <a:endParaRPr lang="ko-KR" altLang="en-US"/>
+          </a:p>
+        </p:txBody>
+      </p:sp>
+      <p:sp>
+        <p:nvSpPr>
+          <p:cNvPr id="53" name="TextBox 52">
+            <a:extLst>
+              <a:ext uri="{FF2B5EF4-FFF2-40B4-BE49-F238E27FC236}">
+                <a16:creationId xmlns:a16="http://schemas.microsoft.com/office/drawing/2014/main" id="{BBABD7FD-AD47-4480-9BA6-203C9948D5EA}"/>
+              </a:ext>
+            </a:extLst>
+          </p:cNvPr>
+          <p:cNvSpPr txBox="1"/>
+          <p:nvPr/>
+        </p:nvSpPr>
+        <p:spPr>
+          <a:xfrm>
+            <a:off x="6805024" y="1588478"/>
+            <a:ext cx="2036776" cy="369332"/>
+          </a:xfrm>
+          <a:prstGeom prst="rect">
+            <a:avLst/>
+          </a:prstGeom>
+          <a:noFill/>
+        </p:spPr>
+        <p:txBody>
+          <a:bodyPr wrap="none" rtlCol="0">
+            <a:spAutoFit/>
+          </a:bodyPr>
+          <a:lstStyle/>
+          <a:p>
+            <a:r>
+              <a:rPr lang="en-US" altLang="ko-KR" dirty="0">
+                <a:solidFill>
+                  <a:srgbClr val="FF0000"/>
+                </a:solidFill>
+                <a:latin typeface="+mn-ea"/>
+              </a:rPr>
+              <a:t>0,4,columspan=4 </a:t>
+            </a:r>
+            <a:endParaRPr lang="ko-KR" altLang="en-US" dirty="0">
+              <a:solidFill>
+                <a:srgbClr val="FF0000"/>
+              </a:solidFill>
+              <a:latin typeface="+mn-ea"/>
+            </a:endParaRPr>
+          </a:p>
+        </p:txBody>
+      </p:sp>
+      <p:sp>
+        <p:nvSpPr>
+          <p:cNvPr id="54" name="TextBox 53">
+            <a:extLst>
+              <a:ext uri="{FF2B5EF4-FFF2-40B4-BE49-F238E27FC236}">
+                <a16:creationId xmlns:a16="http://schemas.microsoft.com/office/drawing/2014/main" id="{D92AF340-FA2F-4174-A239-4CF8D589C7B6}"/>
+              </a:ext>
+            </a:extLst>
+          </p:cNvPr>
+          <p:cNvSpPr txBox="1"/>
+          <p:nvPr/>
+        </p:nvSpPr>
+        <p:spPr>
+          <a:xfrm>
+            <a:off x="7520573" y="2024842"/>
+            <a:ext cx="2172390" cy="369332"/>
+          </a:xfrm>
+          <a:prstGeom prst="rect">
+            <a:avLst/>
+          </a:prstGeom>
+          <a:noFill/>
+        </p:spPr>
+        <p:txBody>
+          <a:bodyPr wrap="none" rtlCol="0">
+            <a:spAutoFit/>
+          </a:bodyPr>
+          <a:lstStyle/>
+          <a:p>
+            <a:r>
+              <a:rPr lang="en-US" altLang="ko-KR" dirty="0">
+                <a:solidFill>
+                  <a:srgbClr val="FF0000"/>
+                </a:solidFill>
+                <a:latin typeface="+mn-ea"/>
+              </a:rPr>
+              <a:t>1,4 | 1,5 | 1,6 | 1,7</a:t>
+            </a:r>
+          </a:p>
+        </p:txBody>
+      </p:sp>
+      <p:sp>
+        <p:nvSpPr>
+          <p:cNvPr id="56" name="TextBox 55">
+            <a:extLst>
+              <a:ext uri="{FF2B5EF4-FFF2-40B4-BE49-F238E27FC236}">
+                <a16:creationId xmlns:a16="http://schemas.microsoft.com/office/drawing/2014/main" id="{8EDA5368-00B4-4209-BCA2-D076AB50A7C5}"/>
+              </a:ext>
+            </a:extLst>
+          </p:cNvPr>
+          <p:cNvSpPr txBox="1"/>
+          <p:nvPr/>
+        </p:nvSpPr>
+        <p:spPr>
+          <a:xfrm>
+            <a:off x="7171664" y="2470908"/>
+            <a:ext cx="1969450" cy="369332"/>
+          </a:xfrm>
+          <a:prstGeom prst="rect">
+            <a:avLst/>
+          </a:prstGeom>
+          <a:noFill/>
+        </p:spPr>
+        <p:txBody>
+          <a:bodyPr wrap="none" rtlCol="0">
+            <a:spAutoFit/>
+          </a:bodyPr>
+          <a:lstStyle/>
+          <a:p>
+            <a:r>
+              <a:rPr lang="en-US" altLang="ko-KR" dirty="0">
+                <a:solidFill>
+                  <a:srgbClr val="FF0000"/>
+                </a:solidFill>
+                <a:latin typeface="+mn-ea"/>
+              </a:rPr>
+              <a:t>2,4,columspan=4</a:t>
+            </a:r>
+          </a:p>
+        </p:txBody>
+      </p:sp>
+      <p:sp>
+        <p:nvSpPr>
+          <p:cNvPr id="57" name="TextBox 56">
+            <a:extLst>
+              <a:ext uri="{FF2B5EF4-FFF2-40B4-BE49-F238E27FC236}">
+                <a16:creationId xmlns:a16="http://schemas.microsoft.com/office/drawing/2014/main" id="{C6ED4818-A2A2-4B67-9BD1-F7622958A907}"/>
+              </a:ext>
+            </a:extLst>
+          </p:cNvPr>
+          <p:cNvSpPr txBox="1"/>
+          <p:nvPr/>
+        </p:nvSpPr>
+        <p:spPr>
+          <a:xfrm>
+            <a:off x="5215678" y="3161013"/>
+            <a:ext cx="3178691" cy="369332"/>
+          </a:xfrm>
+          <a:prstGeom prst="rect">
+            <a:avLst/>
+          </a:prstGeom>
+          <a:noFill/>
+        </p:spPr>
+        <p:txBody>
+          <a:bodyPr wrap="none" rtlCol="0">
+            <a:spAutoFit/>
+          </a:bodyPr>
+          <a:lstStyle/>
+          <a:p>
+            <a:r>
+              <a:rPr lang="en-US" altLang="ko-KR" dirty="0">
+                <a:solidFill>
+                  <a:srgbClr val="FF0000"/>
+                </a:solidFill>
+                <a:latin typeface="+mn-ea"/>
+              </a:rPr>
+              <a:t>3,4,rowspan=6,columspan=4</a:t>
+            </a:r>
+          </a:p>
+        </p:txBody>
+      </p:sp>
+      <p:sp>
+        <p:nvSpPr>
+          <p:cNvPr id="58" name="TextBox 57">
+            <a:extLst>
+              <a:ext uri="{FF2B5EF4-FFF2-40B4-BE49-F238E27FC236}">
+                <a16:creationId xmlns:a16="http://schemas.microsoft.com/office/drawing/2014/main" id="{EF0F72C0-F37D-4E1F-B60A-74A11C9AF29A}"/>
+              </a:ext>
+            </a:extLst>
+          </p:cNvPr>
+          <p:cNvSpPr txBox="1"/>
+          <p:nvPr/>
+        </p:nvSpPr>
+        <p:spPr>
+          <a:xfrm>
+            <a:off x="9355398" y="1627933"/>
+            <a:ext cx="3178691" cy="369332"/>
+          </a:xfrm>
+          <a:prstGeom prst="rect">
+            <a:avLst/>
+          </a:prstGeom>
+          <a:noFill/>
+        </p:spPr>
+        <p:txBody>
+          <a:bodyPr wrap="none" rtlCol="0">
+            <a:spAutoFit/>
+          </a:bodyPr>
+          <a:lstStyle/>
+          <a:p>
+            <a:r>
+              <a:rPr lang="en-US" altLang="ko-KR" dirty="0">
+                <a:solidFill>
+                  <a:srgbClr val="FF0000"/>
+                </a:solidFill>
+                <a:latin typeface="+mn-ea"/>
+              </a:rPr>
+              <a:t>0,8,rowspan=3,columspan=2</a:t>
+            </a:r>
+          </a:p>
+        </p:txBody>
+      </p:sp>
+      <p:sp>
+        <p:nvSpPr>
+          <p:cNvPr id="59" name="TextBox 58">
+            <a:extLst>
+              <a:ext uri="{FF2B5EF4-FFF2-40B4-BE49-F238E27FC236}">
+                <a16:creationId xmlns:a16="http://schemas.microsoft.com/office/drawing/2014/main" id="{5B6C9EA0-C127-472C-82E5-2E76185E11E6}"/>
+              </a:ext>
+            </a:extLst>
+          </p:cNvPr>
+          <p:cNvSpPr txBox="1"/>
+          <p:nvPr/>
+        </p:nvSpPr>
+        <p:spPr>
+          <a:xfrm>
+            <a:off x="9355397" y="3210904"/>
+            <a:ext cx="3178691" cy="369332"/>
+          </a:xfrm>
+          <a:prstGeom prst="rect">
+            <a:avLst/>
+          </a:prstGeom>
+          <a:noFill/>
+        </p:spPr>
+        <p:txBody>
+          <a:bodyPr wrap="none" rtlCol="0">
+            <a:spAutoFit/>
+          </a:bodyPr>
+          <a:lstStyle/>
+          <a:p>
+            <a:r>
+              <a:rPr lang="en-US" altLang="ko-KR" dirty="0">
+                <a:solidFill>
+                  <a:srgbClr val="FF0000"/>
+                </a:solidFill>
+                <a:latin typeface="+mn-ea"/>
+              </a:rPr>
+              <a:t>3,8,rowspan=3,columspan=2</a:t>
+            </a:r>
+          </a:p>
+        </p:txBody>
+      </p:sp>
+      <p:sp>
+        <p:nvSpPr>
+          <p:cNvPr id="60" name="TextBox 59">
+            <a:extLst>
+              <a:ext uri="{FF2B5EF4-FFF2-40B4-BE49-F238E27FC236}">
+                <a16:creationId xmlns:a16="http://schemas.microsoft.com/office/drawing/2014/main" id="{E8F15B44-221D-4CFE-B46F-D24098273EF5}"/>
+              </a:ext>
+            </a:extLst>
+          </p:cNvPr>
+          <p:cNvSpPr txBox="1"/>
+          <p:nvPr/>
+        </p:nvSpPr>
+        <p:spPr>
+          <a:xfrm>
+            <a:off x="9355397" y="4814539"/>
+            <a:ext cx="3178691" cy="369332"/>
+          </a:xfrm>
+          <a:prstGeom prst="rect">
+            <a:avLst/>
+          </a:prstGeom>
+          <a:noFill/>
+        </p:spPr>
+        <p:txBody>
+          <a:bodyPr wrap="none" rtlCol="0">
+            <a:spAutoFit/>
+          </a:bodyPr>
+          <a:lstStyle/>
+          <a:p>
+            <a:r>
+              <a:rPr lang="en-US" altLang="ko-KR" dirty="0">
+                <a:solidFill>
+                  <a:srgbClr val="FF0000"/>
+                </a:solidFill>
+                <a:latin typeface="+mn-ea"/>
+              </a:rPr>
+              <a:t>6,8,rowspan=3,columspan=2</a:t>
+            </a:r>
+          </a:p>
+        </p:txBody>
+      </p:sp>
+    </p:spTree>
+    <p:extLst>
+      <p:ext uri="{BB962C8B-B14F-4D97-AF65-F5344CB8AC3E}">
+        <p14:creationId xmlns:p14="http://schemas.microsoft.com/office/powerpoint/2010/main" val="2224947059"/>
+      </p:ext>
+    </p:extLst>
+  </p:cSld>
+  <p:clrMapOvr>
+    <a:masterClrMapping/>
+  </p:clrMapOvr>
+</p:sld>
+</file>
+
 <file path=ppt/theme/theme1.xml><?xml version="1.0" encoding="utf-8"?>
 <a:theme xmlns:a="http://schemas.openxmlformats.org/drawingml/2006/main" name="Office 테마">
   <a:themeElements>
